--- a/document/springcloud实践.pptx
+++ b/document/springcloud实践.pptx
@@ -9,6 +9,9 @@
     <p:sldId id="257" r:id="rId4"/>
     <p:sldId id="258" r:id="rId5"/>
     <p:sldId id="260" r:id="rId6"/>
+    <p:sldId id="261" r:id="rId7"/>
+    <p:sldId id="262" r:id="rId8"/>
+    <p:sldId id="263" r:id="rId9"/>
   </p:sldIdLst>
   <p:sldSz cx="12192000" cy="6858000"/>
   <p:notesSz cx="6858000" cy="9144000"/>
@@ -4559,7 +4562,91 @@
               <a:buChar char="•"/>
               <a:defRPr/>
             </a:pPr>
-            <a:endParaRPr kumimoji="0" lang="zh-CN" altLang="en-US" sz="1800" b="0" i="0" spc="50" baseline="0" noProof="0" dirty="0">
+            <a:r>
+              <a:rPr kumimoji="0" altLang="zh-CN" sz="1800" b="0" i="0" spc="50" baseline="0" noProof="0" dirty="0">
+                <a:ln w="3175">
+                  <a:noFill/>
+                  <a:prstDash val="dash"/>
+                </a:ln>
+                <a:solidFill>
+                  <a:sysClr val="windowText" lastClr="000000">
+                    <a:lumMod val="65000"/>
+                    <a:lumOff val="35000"/>
+                  </a:sysClr>
+                </a:solidFill>
+                <a:effectLst/>
+                <a:uLnTx/>
+                <a:uFillTx/>
+                <a:latin typeface="Arial" panose="020B0604020202020204" pitchFamily="34" charset="0"/>
+                <a:ea typeface="微软雅黑 Light" panose="020B0502040204020203" pitchFamily="34" charset="-122"/>
+                <a:cs typeface="微软雅黑" panose="020B0503020204020204" charset="-122"/>
+              </a:rPr>
+              <a:t>5</a:t>
+            </a:r>
+            <a:r>
+              <a:rPr kumimoji="0" lang="zh-CN" altLang="en-US" sz="1800" b="0" i="0" spc="50" baseline="0" noProof="0" dirty="0">
+                <a:ln w="3175">
+                  <a:noFill/>
+                  <a:prstDash val="dash"/>
+                </a:ln>
+                <a:solidFill>
+                  <a:sysClr val="windowText" lastClr="000000">
+                    <a:lumMod val="65000"/>
+                    <a:lumOff val="35000"/>
+                  </a:sysClr>
+                </a:solidFill>
+                <a:effectLst/>
+                <a:uLnTx/>
+                <a:uFillTx/>
+                <a:latin typeface="Arial" panose="020B0604020202020204" pitchFamily="34" charset="0"/>
+                <a:ea typeface="微软雅黑 Light" panose="020B0502040204020203" pitchFamily="34" charset="-122"/>
+                <a:cs typeface="微软雅黑" panose="020B0503020204020204" charset="-122"/>
+              </a:rPr>
+              <a:t>、</a:t>
+            </a:r>
+            <a:r>
+              <a:rPr kumimoji="0" altLang="zh-CN" sz="1800" b="0" i="0" spc="50" baseline="0" noProof="0" dirty="0">
+                <a:ln w="3175">
+                  <a:noFill/>
+                  <a:prstDash val="dash"/>
+                </a:ln>
+                <a:solidFill>
+                  <a:sysClr val="windowText" lastClr="000000">
+                    <a:lumMod val="65000"/>
+                    <a:lumOff val="35000"/>
+                  </a:sysClr>
+                </a:solidFill>
+                <a:effectLst/>
+                <a:uLnTx/>
+                <a:uFillTx/>
+                <a:latin typeface="Arial" panose="020B0604020202020204" pitchFamily="34" charset="0"/>
+                <a:ea typeface="微软雅黑 Light" panose="020B0502040204020203" pitchFamily="34" charset="-122"/>
+                <a:cs typeface="微软雅黑" panose="020B0503020204020204" charset="-122"/>
+              </a:rPr>
+              <a:t>Consul</a:t>
+            </a:r>
+            <a:r>
+              <a:rPr kumimoji="0" lang="zh-CN" altLang="en-US" sz="1800" b="0" i="0" spc="50" baseline="0" noProof="0" dirty="0">
+                <a:ln w="3175">
+                  <a:noFill/>
+                  <a:prstDash val="dash"/>
+                </a:ln>
+                <a:solidFill>
+                  <a:sysClr val="windowText" lastClr="000000">
+                    <a:lumMod val="65000"/>
+                    <a:lumOff val="35000"/>
+                  </a:sysClr>
+                </a:solidFill>
+                <a:effectLst/>
+                <a:uLnTx/>
+                <a:uFillTx/>
+                <a:latin typeface="Arial" panose="020B0604020202020204" pitchFamily="34" charset="0"/>
+                <a:ea typeface="微软雅黑 Light" panose="020B0502040204020203" pitchFamily="34" charset="-122"/>
+                <a:cs typeface="微软雅黑" panose="020B0503020204020204" charset="-122"/>
+              </a:rPr>
+              <a:t>初识</a:t>
+            </a:r>
+            <a:endParaRPr kumimoji="0" altLang="zh-CN" sz="1800" b="0" i="0" spc="50" baseline="0" noProof="0" dirty="0">
               <a:ln w="3175">
                 <a:noFill/>
                 <a:prstDash val="dash"/>
@@ -4758,7 +4845,7 @@
         </p:blipFill>
         <p:spPr>
           <a:xfrm>
-            <a:off x="4397375" y="4279900"/>
+            <a:off x="4971415" y="4507865"/>
             <a:ext cx="3803650" cy="1631950"/>
           </a:xfrm>
           <a:prstGeom prst="rect">
@@ -5420,7 +5507,7 @@
         </p:nvSpPr>
         <p:spPr>
           <a:xfrm>
-            <a:off x="608330" y="288925"/>
+            <a:off x="608330" y="379730"/>
             <a:ext cx="10975340" cy="677545"/>
           </a:xfrm>
           <a:prstGeom prst="rect">
@@ -5634,8 +5721,8 @@
         </p:nvSpPr>
         <p:spPr>
           <a:xfrm>
-            <a:off x="608330" y="767080"/>
-            <a:ext cx="10975340" cy="6017260"/>
+            <a:off x="608330" y="612140"/>
+            <a:ext cx="10975340" cy="6091555"/>
           </a:xfrm>
           <a:prstGeom prst="rect">
             <a:avLst/>
@@ -5690,6 +5777,27 @@
               <a:defRPr/>
             </a:pPr>
             <a:r>
+              <a:rPr kumimoji="0" altLang="zh-CN" sz="1800" b="0" i="0" spc="50" baseline="0" noProof="0" dirty="0">
+                <a:ln w="3175">
+                  <a:noFill/>
+                  <a:prstDash val="dash"/>
+                </a:ln>
+                <a:solidFill>
+                  <a:sysClr val="windowText" lastClr="000000">
+                    <a:lumMod val="65000"/>
+                    <a:lumOff val="35000"/>
+                  </a:sysClr>
+                </a:solidFill>
+                <a:effectLst/>
+                <a:uLnTx/>
+                <a:uFillTx/>
+                <a:latin typeface="Arial" panose="020B0604020202020204" pitchFamily="34" charset="0"/>
+                <a:ea typeface="微软雅黑 Light" panose="020B0502040204020203" pitchFamily="34" charset="-122"/>
+                <a:cs typeface="微软雅黑" panose="020B0503020204020204" charset="-122"/>
+              </a:rPr>
+              <a:t>1</a:t>
+            </a:r>
+            <a:r>
               <a:rPr kumimoji="0" lang="zh-CN" altLang="en-US" sz="1800" b="0" i="0" spc="50" baseline="0" noProof="0" dirty="0">
                 <a:ln w="3175">
                   <a:noFill/>
@@ -5708,7 +5816,1358 @@
                 <a:ea typeface="微软雅黑 Light" panose="020B0502040204020203" pitchFamily="34" charset="-122"/>
                 <a:cs typeface="微软雅黑" panose="020B0503020204020204" charset="-122"/>
               </a:rPr>
-              <a:t>点击输入正文</a:t>
+              <a:t>、</a:t>
+            </a:r>
+            <a:r>
+              <a:rPr kumimoji="0" lang="zh-CN" altLang="en-US" sz="1800" b="0" i="0" spc="50" baseline="0" noProof="0" dirty="0">
+                <a:ln w="3175">
+                  <a:noFill/>
+                  <a:prstDash val="dash"/>
+                </a:ln>
+                <a:solidFill>
+                  <a:sysClr val="windowText" lastClr="000000">
+                    <a:lumMod val="65000"/>
+                    <a:lumOff val="35000"/>
+                  </a:sysClr>
+                </a:solidFill>
+                <a:effectLst/>
+                <a:uLnTx/>
+                <a:uFillTx/>
+                <a:latin typeface="Arial" panose="020B0604020202020204" pitchFamily="34" charset="0"/>
+                <a:ea typeface="微软雅黑 Light" panose="020B0502040204020203" pitchFamily="34" charset="-122"/>
+                <a:cs typeface="微软雅黑" panose="020B0503020204020204" charset="-122"/>
+              </a:rPr>
+              <a:t>负载均衡，Load Balance，将工作任务（负载）进行平衡、分摊到多个操作单元上进行运行，从而协同完成工作任务。</a:t>
+            </a:r>
+            <a:endParaRPr kumimoji="0" lang="zh-CN" altLang="en-US" sz="1800" b="0" i="0" spc="50" baseline="0" noProof="0" dirty="0">
+              <a:ln w="3175">
+                <a:noFill/>
+                <a:prstDash val="dash"/>
+              </a:ln>
+              <a:solidFill>
+                <a:sysClr val="windowText" lastClr="000000">
+                  <a:lumMod val="65000"/>
+                  <a:lumOff val="35000"/>
+                </a:sysClr>
+              </a:solidFill>
+              <a:effectLst/>
+              <a:uLnTx/>
+              <a:uFillTx/>
+              <a:latin typeface="Arial" panose="020B0604020202020204" pitchFamily="34" charset="0"/>
+              <a:ea typeface="微软雅黑 Light" panose="020B0502040204020203" pitchFamily="34" charset="-122"/>
+              <a:cs typeface="微软雅黑" panose="020B0503020204020204" charset="-122"/>
+            </a:endParaRPr>
+          </a:p>
+          <a:p>
+            <a:pPr marR="0" lvl="0" indent="0" algn="just" defTabSz="914400" rtl="0" eaLnBrk="1" fontAlgn="auto" latinLnBrk="0" hangingPunct="1">
+              <a:lnSpc>
+                <a:spcPct val="130000"/>
+              </a:lnSpc>
+              <a:spcBef>
+                <a:spcPts val="0"/>
+              </a:spcBef>
+              <a:spcAft>
+                <a:spcPts val="800"/>
+              </a:spcAft>
+              <a:buClrTx/>
+              <a:buSzTx/>
+              <a:buFont typeface="Arial" panose="020B0604020202020204" pitchFamily="34" charset="0"/>
+              <a:defRPr/>
+            </a:pPr>
+            <a:r>
+              <a:rPr kumimoji="0" altLang="zh-CN" sz="1800" b="0" i="0" spc="50" baseline="0" noProof="0" dirty="0">
+                <a:ln w="3175">
+                  <a:noFill/>
+                  <a:prstDash val="dash"/>
+                </a:ln>
+                <a:solidFill>
+                  <a:sysClr val="windowText" lastClr="000000">
+                    <a:lumMod val="65000"/>
+                    <a:lumOff val="35000"/>
+                  </a:sysClr>
+                </a:solidFill>
+                <a:effectLst/>
+                <a:uLnTx/>
+                <a:uFillTx/>
+                <a:latin typeface="Arial" panose="020B0604020202020204" pitchFamily="34" charset="0"/>
+                <a:ea typeface="微软雅黑 Light" panose="020B0502040204020203" pitchFamily="34" charset="-122"/>
+                <a:cs typeface="微软雅黑" panose="020B0503020204020204" charset="-122"/>
+              </a:rPr>
+              <a:t>2</a:t>
+            </a:r>
+            <a:r>
+              <a:rPr kumimoji="0" lang="zh-CN" altLang="en-US" sz="1800" b="0" i="0" spc="50" baseline="0" noProof="0" dirty="0">
+                <a:ln w="3175">
+                  <a:noFill/>
+                  <a:prstDash val="dash"/>
+                </a:ln>
+                <a:solidFill>
+                  <a:sysClr val="windowText" lastClr="000000">
+                    <a:lumMod val="65000"/>
+                    <a:lumOff val="35000"/>
+                  </a:sysClr>
+                </a:solidFill>
+                <a:effectLst/>
+                <a:uLnTx/>
+                <a:uFillTx/>
+                <a:latin typeface="Arial" panose="020B0604020202020204" pitchFamily="34" charset="0"/>
+                <a:ea typeface="微软雅黑 Light" panose="020B0502040204020203" pitchFamily="34" charset="-122"/>
+                <a:cs typeface="微软雅黑" panose="020B0503020204020204" charset="-122"/>
+              </a:rPr>
+              <a:t>、快速搭建</a:t>
+            </a:r>
+            <a:r>
+              <a:rPr kumimoji="0" altLang="zh-CN" sz="1800" b="0" i="0" spc="50" baseline="0" noProof="0" dirty="0">
+                <a:ln w="3175">
+                  <a:noFill/>
+                  <a:prstDash val="dash"/>
+                </a:ln>
+                <a:solidFill>
+                  <a:sysClr val="windowText" lastClr="000000">
+                    <a:lumMod val="65000"/>
+                    <a:lumOff val="35000"/>
+                  </a:sysClr>
+                </a:solidFill>
+                <a:effectLst/>
+                <a:uLnTx/>
+                <a:uFillTx/>
+                <a:latin typeface="Arial" panose="020B0604020202020204" pitchFamily="34" charset="0"/>
+                <a:ea typeface="微软雅黑 Light" panose="020B0502040204020203" pitchFamily="34" charset="-122"/>
+                <a:cs typeface="微软雅黑" panose="020B0503020204020204" charset="-122"/>
+              </a:rPr>
+              <a:t>Ribbon</a:t>
+            </a:r>
+            <a:r>
+              <a:rPr kumimoji="0" lang="zh-CN" altLang="en-US" sz="1800" b="0" i="0" spc="50" baseline="0" noProof="0" dirty="0">
+                <a:ln w="3175">
+                  <a:noFill/>
+                  <a:prstDash val="dash"/>
+                </a:ln>
+                <a:solidFill>
+                  <a:sysClr val="windowText" lastClr="000000">
+                    <a:lumMod val="65000"/>
+                    <a:lumOff val="35000"/>
+                  </a:sysClr>
+                </a:solidFill>
+                <a:effectLst/>
+                <a:uLnTx/>
+                <a:uFillTx/>
+                <a:latin typeface="Arial" panose="020B0604020202020204" pitchFamily="34" charset="0"/>
+                <a:ea typeface="微软雅黑 Light" panose="020B0502040204020203" pitchFamily="34" charset="-122"/>
+                <a:cs typeface="微软雅黑" panose="020B0503020204020204" charset="-122"/>
+              </a:rPr>
+              <a:t>，</a:t>
+            </a:r>
+            <a:r>
+              <a:rPr kumimoji="0" altLang="zh-CN" sz="1800" b="0" i="0" spc="50" baseline="0" noProof="0" dirty="0">
+                <a:ln w="3175">
+                  <a:noFill/>
+                  <a:prstDash val="dash"/>
+                </a:ln>
+                <a:solidFill>
+                  <a:sysClr val="windowText" lastClr="000000">
+                    <a:lumMod val="65000"/>
+                    <a:lumOff val="35000"/>
+                  </a:sysClr>
+                </a:solidFill>
+                <a:effectLst/>
+                <a:uLnTx/>
+                <a:uFillTx/>
+                <a:latin typeface="Arial" panose="020B0604020202020204" pitchFamily="34" charset="0"/>
+                <a:ea typeface="微软雅黑 Light" panose="020B0502040204020203" pitchFamily="34" charset="-122"/>
+                <a:cs typeface="微软雅黑" panose="020B0503020204020204" charset="-122"/>
+              </a:rPr>
+              <a:t>Feign</a:t>
+            </a:r>
+            <a:r>
+              <a:rPr kumimoji="0" lang="zh-CN" altLang="en-US" sz="1800" b="0" i="0" spc="50" baseline="0" noProof="0" dirty="0">
+                <a:ln w="3175">
+                  <a:noFill/>
+                  <a:prstDash val="dash"/>
+                </a:ln>
+                <a:solidFill>
+                  <a:sysClr val="windowText" lastClr="000000">
+                    <a:lumMod val="65000"/>
+                    <a:lumOff val="35000"/>
+                  </a:sysClr>
+                </a:solidFill>
+                <a:effectLst/>
+                <a:uLnTx/>
+                <a:uFillTx/>
+                <a:latin typeface="Arial" panose="020B0604020202020204" pitchFamily="34" charset="0"/>
+                <a:ea typeface="微软雅黑 Light" panose="020B0502040204020203" pitchFamily="34" charset="-122"/>
+                <a:cs typeface="微软雅黑" panose="020B0503020204020204" charset="-122"/>
+              </a:rPr>
+              <a:t>客户端内置</a:t>
+            </a:r>
+            <a:r>
+              <a:rPr kumimoji="0" altLang="zh-CN" sz="1800" b="0" i="0" spc="50" baseline="0" noProof="0" dirty="0">
+                <a:ln w="3175">
+                  <a:noFill/>
+                  <a:prstDash val="dash"/>
+                </a:ln>
+                <a:solidFill>
+                  <a:sysClr val="windowText" lastClr="000000">
+                    <a:lumMod val="65000"/>
+                    <a:lumOff val="35000"/>
+                  </a:sysClr>
+                </a:solidFill>
+                <a:effectLst/>
+                <a:uLnTx/>
+                <a:uFillTx/>
+                <a:latin typeface="Arial" panose="020B0604020202020204" pitchFamily="34" charset="0"/>
+                <a:ea typeface="微软雅黑 Light" panose="020B0502040204020203" pitchFamily="34" charset="-122"/>
+                <a:cs typeface="微软雅黑" panose="020B0503020204020204" charset="-122"/>
+              </a:rPr>
+              <a:t>Ribbon</a:t>
+            </a:r>
+            <a:endParaRPr kumimoji="0" altLang="zh-CN" sz="1800" b="0" i="0" spc="50" baseline="0" noProof="0" dirty="0">
+              <a:ln w="3175">
+                <a:noFill/>
+                <a:prstDash val="dash"/>
+              </a:ln>
+              <a:solidFill>
+                <a:sysClr val="windowText" lastClr="000000">
+                  <a:lumMod val="65000"/>
+                  <a:lumOff val="35000"/>
+                </a:sysClr>
+              </a:solidFill>
+              <a:effectLst/>
+              <a:uLnTx/>
+              <a:uFillTx/>
+              <a:latin typeface="Arial" panose="020B0604020202020204" pitchFamily="34" charset="0"/>
+              <a:ea typeface="微软雅黑 Light" panose="020B0502040204020203" pitchFamily="34" charset="-122"/>
+              <a:cs typeface="微软雅黑" panose="020B0503020204020204" charset="-122"/>
+            </a:endParaRPr>
+          </a:p>
+          <a:p>
+            <a:pPr marR="0" lvl="0" indent="0" algn="just" defTabSz="914400" rtl="0" eaLnBrk="1" fontAlgn="auto" latinLnBrk="0" hangingPunct="1">
+              <a:lnSpc>
+                <a:spcPct val="130000"/>
+              </a:lnSpc>
+              <a:spcBef>
+                <a:spcPts val="0"/>
+              </a:spcBef>
+              <a:spcAft>
+                <a:spcPts val="800"/>
+              </a:spcAft>
+              <a:buClrTx/>
+              <a:buSzTx/>
+              <a:buFont typeface="Arial" panose="020B0604020202020204" pitchFamily="34" charset="0"/>
+              <a:defRPr/>
+            </a:pPr>
+            <a:r>
+              <a:rPr kumimoji="0" altLang="zh-CN" sz="1800" b="0" i="0" spc="50" baseline="0" noProof="0" dirty="0">
+                <a:ln w="3175">
+                  <a:noFill/>
+                  <a:prstDash val="dash"/>
+                </a:ln>
+                <a:solidFill>
+                  <a:sysClr val="windowText" lastClr="000000">
+                    <a:lumMod val="65000"/>
+                    <a:lumOff val="35000"/>
+                  </a:sysClr>
+                </a:solidFill>
+                <a:effectLst/>
+                <a:uLnTx/>
+                <a:uFillTx/>
+                <a:latin typeface="Arial" panose="020B0604020202020204" pitchFamily="34" charset="0"/>
+                <a:ea typeface="微软雅黑 Light" panose="020B0502040204020203" pitchFamily="34" charset="-122"/>
+                <a:cs typeface="微软雅黑" panose="020B0503020204020204" charset="-122"/>
+              </a:rPr>
+              <a:t>4</a:t>
+            </a:r>
+            <a:r>
+              <a:rPr kumimoji="0" lang="zh-CN" altLang="en-US" sz="1800" b="0" i="0" spc="50" baseline="0" noProof="0" dirty="0">
+                <a:ln w="3175">
+                  <a:noFill/>
+                  <a:prstDash val="dash"/>
+                </a:ln>
+                <a:solidFill>
+                  <a:sysClr val="windowText" lastClr="000000">
+                    <a:lumMod val="65000"/>
+                    <a:lumOff val="35000"/>
+                  </a:sysClr>
+                </a:solidFill>
+                <a:effectLst/>
+                <a:uLnTx/>
+                <a:uFillTx/>
+                <a:latin typeface="Arial" panose="020B0604020202020204" pitchFamily="34" charset="0"/>
+                <a:ea typeface="微软雅黑 Light" panose="020B0502040204020203" pitchFamily="34" charset="-122"/>
+                <a:cs typeface="微软雅黑" panose="020B0503020204020204" charset="-122"/>
+              </a:rPr>
+              <a:t>、</a:t>
+            </a:r>
+            <a:r>
+              <a:rPr lang="zh-CN" altLang="en-US" sz="1800" spc="50" noProof="0">
+                <a:ln w="3175">
+                  <a:noFill/>
+                  <a:prstDash val="dash"/>
+                </a:ln>
+                <a:solidFill>
+                  <a:sysClr val="windowText" lastClr="000000">
+                    <a:lumMod val="65000"/>
+                    <a:lumOff val="35000"/>
+                  </a:sysClr>
+                </a:solidFill>
+                <a:uLnTx/>
+                <a:uFillTx/>
+                <a:ea typeface="微软雅黑 Light" panose="020B0502040204020203" pitchFamily="34" charset="-122"/>
+                <a:cs typeface="微软雅黑" panose="020B0503020204020204" charset="-122"/>
+                <a:sym typeface="+mn-ea"/>
+              </a:rPr>
+              <a:t>服务器端负载均衡</a:t>
+            </a:r>
+            <a:r>
+              <a:rPr altLang="zh-CN" sz="1800" spc="50" noProof="0">
+                <a:ln w="3175">
+                  <a:noFill/>
+                  <a:prstDash val="dash"/>
+                </a:ln>
+                <a:solidFill>
+                  <a:sysClr val="windowText" lastClr="000000">
+                    <a:lumMod val="65000"/>
+                    <a:lumOff val="35000"/>
+                  </a:sysClr>
+                </a:solidFill>
+                <a:uLnTx/>
+                <a:uFillTx/>
+                <a:ea typeface="微软雅黑 Light" panose="020B0502040204020203" pitchFamily="34" charset="-122"/>
+                <a:cs typeface="微软雅黑" panose="020B0503020204020204" charset="-122"/>
+                <a:sym typeface="+mn-ea"/>
+              </a:rPr>
+              <a:t>Nginx</a:t>
+            </a:r>
+            <a:endParaRPr altLang="zh-CN" sz="1800" spc="50" noProof="0">
+              <a:ln w="3175">
+                <a:noFill/>
+                <a:prstDash val="dash"/>
+              </a:ln>
+              <a:solidFill>
+                <a:sysClr val="windowText" lastClr="000000">
+                  <a:lumMod val="65000"/>
+                  <a:lumOff val="35000"/>
+                </a:sysClr>
+              </a:solidFill>
+              <a:uLnTx/>
+              <a:uFillTx/>
+              <a:ea typeface="微软雅黑 Light" panose="020B0502040204020203" pitchFamily="34" charset="-122"/>
+              <a:cs typeface="微软雅黑" panose="020B0503020204020204" charset="-122"/>
+              <a:sym typeface="+mn-ea"/>
+            </a:endParaRPr>
+          </a:p>
+          <a:p>
+            <a:pPr marR="0" lvl="0" indent="0" algn="just" defTabSz="914400" rtl="0" eaLnBrk="1" fontAlgn="auto" latinLnBrk="0" hangingPunct="1">
+              <a:lnSpc>
+                <a:spcPct val="130000"/>
+              </a:lnSpc>
+              <a:spcBef>
+                <a:spcPts val="0"/>
+              </a:spcBef>
+              <a:spcAft>
+                <a:spcPts val="800"/>
+              </a:spcAft>
+              <a:buClrTx/>
+              <a:buSzTx/>
+              <a:buFont typeface="Arial" panose="020B0604020202020204" pitchFamily="34" charset="0"/>
+              <a:defRPr/>
+            </a:pPr>
+            <a:r>
+              <a:rPr altLang="zh-CN" sz="1800" spc="50" noProof="0">
+                <a:ln w="3175">
+                  <a:noFill/>
+                  <a:prstDash val="dash"/>
+                </a:ln>
+                <a:solidFill>
+                  <a:sysClr val="windowText" lastClr="000000">
+                    <a:lumMod val="65000"/>
+                    <a:lumOff val="35000"/>
+                  </a:sysClr>
+                </a:solidFill>
+                <a:uLnTx/>
+                <a:uFillTx/>
+                <a:ea typeface="微软雅黑 Light" panose="020B0502040204020203" pitchFamily="34" charset="-122"/>
+                <a:cs typeface="微软雅黑" panose="020B0503020204020204" charset="-122"/>
+                <a:sym typeface="+mn-ea"/>
+              </a:rPr>
+              <a:t>Nginx</a:t>
+            </a:r>
+            <a:r>
+              <a:rPr kumimoji="0" altLang="zh-CN" sz="1800" b="0" i="0" spc="50" baseline="0" noProof="0" dirty="0">
+                <a:ln w="3175">
+                  <a:noFill/>
+                  <a:prstDash val="dash"/>
+                </a:ln>
+                <a:solidFill>
+                  <a:sysClr val="windowText" lastClr="000000">
+                    <a:lumMod val="65000"/>
+                    <a:lumOff val="35000"/>
+                  </a:sysClr>
+                </a:solidFill>
+                <a:effectLst/>
+                <a:uLnTx/>
+                <a:uFillTx/>
+                <a:latin typeface="Arial" panose="020B0604020202020204" pitchFamily="34" charset="0"/>
+                <a:ea typeface="微软雅黑 Light" panose="020B0502040204020203" pitchFamily="34" charset="-122"/>
+                <a:cs typeface="微软雅黑" panose="020B0503020204020204" charset="-122"/>
+              </a:rPr>
+              <a:t>是客户端所有请求统一交给</a:t>
+            </a:r>
+            <a:r>
+              <a:rPr altLang="zh-CN" sz="1800" spc="50" noProof="0">
+                <a:ln w="3175">
+                  <a:noFill/>
+                  <a:prstDash val="dash"/>
+                </a:ln>
+                <a:solidFill>
+                  <a:sysClr val="windowText" lastClr="000000">
+                    <a:lumMod val="65000"/>
+                    <a:lumOff val="35000"/>
+                  </a:sysClr>
+                </a:solidFill>
+                <a:uLnTx/>
+                <a:uFillTx/>
+                <a:ea typeface="微软雅黑 Light" panose="020B0502040204020203" pitchFamily="34" charset="-122"/>
+                <a:cs typeface="微软雅黑" panose="020B0503020204020204" charset="-122"/>
+                <a:sym typeface="+mn-ea"/>
+              </a:rPr>
+              <a:t>Nginx</a:t>
+            </a:r>
+            <a:r>
+              <a:rPr kumimoji="0" altLang="zh-CN" sz="1800" b="0" i="0" spc="50" baseline="0" noProof="0" dirty="0">
+                <a:ln w="3175">
+                  <a:noFill/>
+                  <a:prstDash val="dash"/>
+                </a:ln>
+                <a:solidFill>
+                  <a:sysClr val="windowText" lastClr="000000">
+                    <a:lumMod val="65000"/>
+                    <a:lumOff val="35000"/>
+                  </a:sysClr>
+                </a:solidFill>
+                <a:effectLst/>
+                <a:uLnTx/>
+                <a:uFillTx/>
+                <a:latin typeface="Arial" panose="020B0604020202020204" pitchFamily="34" charset="0"/>
+                <a:ea typeface="微软雅黑 Light" panose="020B0502040204020203" pitchFamily="34" charset="-122"/>
+                <a:cs typeface="微软雅黑" panose="020B0503020204020204" charset="-122"/>
+              </a:rPr>
+              <a:t>，由</a:t>
+            </a:r>
+            <a:r>
+              <a:rPr altLang="zh-CN" sz="1800" spc="50" noProof="0">
+                <a:ln w="3175">
+                  <a:noFill/>
+                  <a:prstDash val="dash"/>
+                </a:ln>
+                <a:solidFill>
+                  <a:sysClr val="windowText" lastClr="000000">
+                    <a:lumMod val="65000"/>
+                    <a:lumOff val="35000"/>
+                  </a:sysClr>
+                </a:solidFill>
+                <a:uLnTx/>
+                <a:uFillTx/>
+                <a:ea typeface="微软雅黑 Light" panose="020B0502040204020203" pitchFamily="34" charset="-122"/>
+                <a:cs typeface="微软雅黑" panose="020B0503020204020204" charset="-122"/>
+                <a:sym typeface="+mn-ea"/>
+              </a:rPr>
+              <a:t>Nginx</a:t>
+            </a:r>
+            <a:r>
+              <a:rPr kumimoji="0" altLang="zh-CN" sz="1800" b="0" i="0" spc="50" baseline="0" noProof="0" dirty="0">
+                <a:ln w="3175">
+                  <a:noFill/>
+                  <a:prstDash val="dash"/>
+                </a:ln>
+                <a:solidFill>
+                  <a:sysClr val="windowText" lastClr="000000">
+                    <a:lumMod val="65000"/>
+                    <a:lumOff val="35000"/>
+                  </a:sysClr>
+                </a:solidFill>
+                <a:effectLst/>
+                <a:uLnTx/>
+                <a:uFillTx/>
+                <a:latin typeface="Arial" panose="020B0604020202020204" pitchFamily="34" charset="0"/>
+                <a:ea typeface="微软雅黑 Light" panose="020B0502040204020203" pitchFamily="34" charset="-122"/>
+                <a:cs typeface="微软雅黑" panose="020B0503020204020204" charset="-122"/>
+              </a:rPr>
+              <a:t>进行实现负载均衡请求转发，属于服务器端负载均衡,</a:t>
+            </a:r>
+            <a:endParaRPr kumimoji="0" altLang="zh-CN" sz="1800" b="0" i="0" spc="50" baseline="0" noProof="0" dirty="0">
+              <a:ln w="3175">
+                <a:noFill/>
+                <a:prstDash val="dash"/>
+              </a:ln>
+              <a:solidFill>
+                <a:sysClr val="windowText" lastClr="000000">
+                  <a:lumMod val="65000"/>
+                  <a:lumOff val="35000"/>
+                </a:sysClr>
+              </a:solidFill>
+              <a:effectLst/>
+              <a:uLnTx/>
+              <a:uFillTx/>
+              <a:latin typeface="Arial" panose="020B0604020202020204" pitchFamily="34" charset="0"/>
+              <a:ea typeface="微软雅黑 Light" panose="020B0502040204020203" pitchFamily="34" charset="-122"/>
+              <a:cs typeface="微软雅黑" panose="020B0503020204020204" charset="-122"/>
+            </a:endParaRPr>
+          </a:p>
+          <a:p>
+            <a:pPr marR="0" lvl="0" indent="0" algn="just" defTabSz="914400" rtl="0" eaLnBrk="1" fontAlgn="auto" latinLnBrk="0" hangingPunct="1">
+              <a:lnSpc>
+                <a:spcPct val="130000"/>
+              </a:lnSpc>
+              <a:spcBef>
+                <a:spcPts val="0"/>
+              </a:spcBef>
+              <a:spcAft>
+                <a:spcPts val="800"/>
+              </a:spcAft>
+              <a:buClrTx/>
+              <a:buSzTx/>
+              <a:buFont typeface="Arial" panose="020B0604020202020204" pitchFamily="34" charset="0"/>
+              <a:defRPr/>
+            </a:pPr>
+            <a:r>
+              <a:rPr kumimoji="0" lang="zh-CN" altLang="en-US" sz="1800" b="0" i="0" spc="50" baseline="0" noProof="0" dirty="0">
+                <a:ln w="3175">
+                  <a:noFill/>
+                  <a:prstDash val="dash"/>
+                </a:ln>
+                <a:solidFill>
+                  <a:sysClr val="windowText" lastClr="000000">
+                    <a:lumMod val="65000"/>
+                    <a:lumOff val="35000"/>
+                  </a:sysClr>
+                </a:solidFill>
+                <a:effectLst/>
+                <a:uLnTx/>
+                <a:uFillTx/>
+                <a:latin typeface="Arial" panose="020B0604020202020204" pitchFamily="34" charset="0"/>
+                <a:ea typeface="微软雅黑 Light" panose="020B0502040204020203" pitchFamily="34" charset="-122"/>
+                <a:cs typeface="微软雅黑" panose="020B0503020204020204" charset="-122"/>
+              </a:rPr>
+              <a:t>即</a:t>
+            </a:r>
+            <a:r>
+              <a:rPr kumimoji="0" altLang="zh-CN" sz="1800" b="0" i="0" spc="50" baseline="0" noProof="0" dirty="0">
+                <a:ln w="3175">
+                  <a:noFill/>
+                  <a:prstDash val="dash"/>
+                </a:ln>
+                <a:solidFill>
+                  <a:sysClr val="windowText" lastClr="000000">
+                    <a:lumMod val="65000"/>
+                    <a:lumOff val="35000"/>
+                  </a:sysClr>
+                </a:solidFill>
+                <a:effectLst/>
+                <a:uLnTx/>
+                <a:uFillTx/>
+                <a:latin typeface="Arial" panose="020B0604020202020204" pitchFamily="34" charset="0"/>
+                <a:ea typeface="微软雅黑 Light" panose="020B0502040204020203" pitchFamily="34" charset="-122"/>
+                <a:cs typeface="微软雅黑" panose="020B0503020204020204" charset="-122"/>
+              </a:rPr>
+              <a:t>请求</a:t>
+            </a:r>
+            <a:r>
+              <a:rPr kumimoji="0" lang="zh-CN" altLang="en-US" sz="1800" b="0" i="0" spc="50" baseline="0" noProof="0" dirty="0">
+                <a:ln w="3175">
+                  <a:noFill/>
+                  <a:prstDash val="dash"/>
+                </a:ln>
+                <a:solidFill>
+                  <a:sysClr val="windowText" lastClr="000000">
+                    <a:lumMod val="65000"/>
+                    <a:lumOff val="35000"/>
+                  </a:sysClr>
+                </a:solidFill>
+                <a:effectLst/>
+                <a:uLnTx/>
+                <a:uFillTx/>
+                <a:latin typeface="Arial" panose="020B0604020202020204" pitchFamily="34" charset="0"/>
+                <a:ea typeface="微软雅黑 Light" panose="020B0502040204020203" pitchFamily="34" charset="-122"/>
+                <a:cs typeface="微软雅黑" panose="020B0503020204020204" charset="-122"/>
+              </a:rPr>
+              <a:t>由</a:t>
+            </a:r>
+            <a:r>
+              <a:rPr altLang="zh-CN" sz="1800" spc="50" noProof="0">
+                <a:ln w="3175">
+                  <a:noFill/>
+                  <a:prstDash val="dash"/>
+                </a:ln>
+                <a:solidFill>
+                  <a:sysClr val="windowText" lastClr="000000">
+                    <a:lumMod val="65000"/>
+                    <a:lumOff val="35000"/>
+                  </a:sysClr>
+                </a:solidFill>
+                <a:uLnTx/>
+                <a:uFillTx/>
+                <a:ea typeface="微软雅黑 Light" panose="020B0502040204020203" pitchFamily="34" charset="-122"/>
+                <a:cs typeface="微软雅黑" panose="020B0503020204020204" charset="-122"/>
+                <a:sym typeface="+mn-ea"/>
+              </a:rPr>
+              <a:t>Nginx</a:t>
+            </a:r>
+            <a:r>
+              <a:rPr kumimoji="0" altLang="zh-CN" sz="1800" b="0" i="0" spc="50" baseline="0" noProof="0" dirty="0">
+                <a:ln w="3175">
+                  <a:noFill/>
+                  <a:prstDash val="dash"/>
+                </a:ln>
+                <a:solidFill>
+                  <a:sysClr val="windowText" lastClr="000000">
+                    <a:lumMod val="65000"/>
+                    <a:lumOff val="35000"/>
+                  </a:sysClr>
+                </a:solidFill>
+                <a:effectLst/>
+                <a:uLnTx/>
+                <a:uFillTx/>
+                <a:latin typeface="Arial" panose="020B0604020202020204" pitchFamily="34" charset="0"/>
+                <a:ea typeface="微软雅黑 Light" panose="020B0502040204020203" pitchFamily="34" charset="-122"/>
+                <a:cs typeface="微软雅黑" panose="020B0503020204020204" charset="-122"/>
+              </a:rPr>
+              <a:t>服务器端进行转发</a:t>
+            </a:r>
+            <a:r>
+              <a:rPr kumimoji="0" lang="zh-CN" altLang="en-US" sz="1800" b="0" i="0" spc="50" baseline="0" noProof="0" dirty="0">
+                <a:ln w="3175">
+                  <a:noFill/>
+                  <a:prstDash val="dash"/>
+                </a:ln>
+                <a:solidFill>
+                  <a:sysClr val="windowText" lastClr="000000">
+                    <a:lumMod val="65000"/>
+                    <a:lumOff val="35000"/>
+                  </a:sysClr>
+                </a:solidFill>
+                <a:effectLst/>
+                <a:uLnTx/>
+                <a:uFillTx/>
+                <a:latin typeface="Arial" panose="020B0604020202020204" pitchFamily="34" charset="0"/>
+                <a:ea typeface="微软雅黑 Light" panose="020B0502040204020203" pitchFamily="34" charset="-122"/>
+                <a:cs typeface="微软雅黑" panose="020B0503020204020204" charset="-122"/>
+              </a:rPr>
+              <a:t>； Ribbon是从</a:t>
+            </a:r>
+            <a:r>
+              <a:rPr kumimoji="0" altLang="zh-CN" sz="1800" b="0" i="0" spc="50" baseline="0" noProof="0" dirty="0">
+                <a:ln w="3175">
+                  <a:noFill/>
+                  <a:prstDash val="dash"/>
+                </a:ln>
+                <a:solidFill>
+                  <a:sysClr val="windowText" lastClr="000000">
+                    <a:lumMod val="65000"/>
+                    <a:lumOff val="35000"/>
+                  </a:sysClr>
+                </a:solidFill>
+                <a:effectLst/>
+                <a:uLnTx/>
+                <a:uFillTx/>
+                <a:latin typeface="Arial" panose="020B0604020202020204" pitchFamily="34" charset="0"/>
+                <a:ea typeface="微软雅黑 Light" panose="020B0502040204020203" pitchFamily="34" charset="-122"/>
+                <a:cs typeface="微软雅黑" panose="020B0503020204020204" charset="-122"/>
+              </a:rPr>
+              <a:t>E</a:t>
+            </a:r>
+            <a:r>
+              <a:rPr kumimoji="0" lang="zh-CN" altLang="en-US" sz="1800" b="0" i="0" spc="50" baseline="0" noProof="0" dirty="0">
+                <a:ln w="3175">
+                  <a:noFill/>
+                  <a:prstDash val="dash"/>
+                </a:ln>
+                <a:solidFill>
+                  <a:sysClr val="windowText" lastClr="000000">
+                    <a:lumMod val="65000"/>
+                    <a:lumOff val="35000"/>
+                  </a:sysClr>
+                </a:solidFill>
+                <a:effectLst/>
+                <a:uLnTx/>
+                <a:uFillTx/>
+                <a:latin typeface="Arial" panose="020B0604020202020204" pitchFamily="34" charset="0"/>
+                <a:ea typeface="微软雅黑 Light" panose="020B0502040204020203" pitchFamily="34" charset="-122"/>
+                <a:cs typeface="微软雅黑" panose="020B0503020204020204" charset="-122"/>
+              </a:rPr>
+              <a:t>ureka注册中心服务器上获取服务注册信息列表，缓存到本地，然后在本地实现轮询等负载均衡策略，即</a:t>
+            </a:r>
+            <a:r>
+              <a:rPr kumimoji="0" altLang="zh-CN" sz="1800" b="0" i="0" spc="50" baseline="0" noProof="0" dirty="0">
+                <a:ln w="3175">
+                  <a:noFill/>
+                  <a:prstDash val="dash"/>
+                </a:ln>
+                <a:solidFill>
+                  <a:sysClr val="windowText" lastClr="000000">
+                    <a:lumMod val="65000"/>
+                    <a:lumOff val="35000"/>
+                  </a:sysClr>
+                </a:solidFill>
+                <a:effectLst/>
+                <a:uLnTx/>
+                <a:uFillTx/>
+                <a:latin typeface="Arial" panose="020B0604020202020204" pitchFamily="34" charset="0"/>
+                <a:ea typeface="微软雅黑 Light" panose="020B0502040204020203" pitchFamily="34" charset="-122"/>
+                <a:cs typeface="微软雅黑" panose="020B0503020204020204" charset="-122"/>
+              </a:rPr>
+              <a:t>在客户端实现负载均衡。</a:t>
+            </a:r>
+            <a:endParaRPr kumimoji="0" altLang="zh-CN" sz="1800" b="0" i="0" spc="50" baseline="0" noProof="0" dirty="0">
+              <a:ln w="3175">
+                <a:noFill/>
+                <a:prstDash val="dash"/>
+              </a:ln>
+              <a:solidFill>
+                <a:sysClr val="windowText" lastClr="000000">
+                  <a:lumMod val="65000"/>
+                  <a:lumOff val="35000"/>
+                </a:sysClr>
+              </a:solidFill>
+              <a:effectLst/>
+              <a:uLnTx/>
+              <a:uFillTx/>
+              <a:latin typeface="Arial" panose="020B0604020202020204" pitchFamily="34" charset="0"/>
+              <a:ea typeface="微软雅黑 Light" panose="020B0502040204020203" pitchFamily="34" charset="-122"/>
+              <a:cs typeface="微软雅黑" panose="020B0503020204020204" charset="-122"/>
+            </a:endParaRPr>
+          </a:p>
+          <a:p>
+            <a:pPr marR="0" lvl="0" indent="0" algn="just" defTabSz="914400" rtl="0" eaLnBrk="1" fontAlgn="auto" latinLnBrk="0" hangingPunct="1">
+              <a:lnSpc>
+                <a:spcPct val="130000"/>
+              </a:lnSpc>
+              <a:spcBef>
+                <a:spcPts val="0"/>
+              </a:spcBef>
+              <a:spcAft>
+                <a:spcPts val="800"/>
+              </a:spcAft>
+              <a:buClrTx/>
+              <a:buSzTx/>
+              <a:buFont typeface="Arial" panose="020B0604020202020204" pitchFamily="34" charset="0"/>
+              <a:defRPr/>
+            </a:pPr>
+            <a:r>
+              <a:rPr kumimoji="0" altLang="zh-CN" sz="1800" b="0" i="0" spc="50" baseline="0" noProof="0" dirty="0">
+                <a:ln w="3175">
+                  <a:noFill/>
+                  <a:prstDash val="dash"/>
+                </a:ln>
+                <a:solidFill>
+                  <a:sysClr val="windowText" lastClr="000000">
+                    <a:lumMod val="65000"/>
+                    <a:lumOff val="35000"/>
+                  </a:sysClr>
+                </a:solidFill>
+                <a:effectLst/>
+                <a:uLnTx/>
+                <a:uFillTx/>
+                <a:latin typeface="Arial" panose="020B0604020202020204" pitchFamily="34" charset="0"/>
+                <a:ea typeface="微软雅黑 Light" panose="020B0502040204020203" pitchFamily="34" charset="-122"/>
+                <a:cs typeface="微软雅黑" panose="020B0503020204020204" charset="-122"/>
+              </a:rPr>
+              <a:t>5</a:t>
+            </a:r>
+            <a:r>
+              <a:rPr kumimoji="0" lang="zh-CN" altLang="en-US" sz="1800" b="0" i="0" spc="50" baseline="0" noProof="0" dirty="0">
+                <a:ln w="3175">
+                  <a:noFill/>
+                  <a:prstDash val="dash"/>
+                </a:ln>
+                <a:solidFill>
+                  <a:sysClr val="windowText" lastClr="000000">
+                    <a:lumMod val="65000"/>
+                    <a:lumOff val="35000"/>
+                  </a:sysClr>
+                </a:solidFill>
+                <a:effectLst/>
+                <a:uLnTx/>
+                <a:uFillTx/>
+                <a:latin typeface="Arial" panose="020B0604020202020204" pitchFamily="34" charset="0"/>
+                <a:ea typeface="微软雅黑 Light" panose="020B0502040204020203" pitchFamily="34" charset="-122"/>
+                <a:cs typeface="微软雅黑" panose="020B0503020204020204" charset="-122"/>
+              </a:rPr>
+              <a:t>、</a:t>
+            </a:r>
+            <a:r>
+              <a:rPr kumimoji="0" altLang="zh-CN" sz="1800" b="0" i="0" spc="50" baseline="0" noProof="0" dirty="0">
+                <a:ln w="3175">
+                  <a:noFill/>
+                  <a:prstDash val="dash"/>
+                </a:ln>
+                <a:solidFill>
+                  <a:sysClr val="windowText" lastClr="000000">
+                    <a:lumMod val="65000"/>
+                    <a:lumOff val="35000"/>
+                  </a:sysClr>
+                </a:solidFill>
+                <a:effectLst/>
+                <a:uLnTx/>
+                <a:uFillTx/>
+                <a:latin typeface="Arial" panose="020B0604020202020204" pitchFamily="34" charset="0"/>
+                <a:ea typeface="微软雅黑 Light" panose="020B0502040204020203" pitchFamily="34" charset="-122"/>
+                <a:cs typeface="微软雅黑" panose="020B0503020204020204" charset="-122"/>
+              </a:rPr>
+              <a:t>Nginx</a:t>
+            </a:r>
+            <a:r>
+              <a:rPr kumimoji="0" lang="zh-CN" altLang="en-US" sz="1800" b="0" i="0" spc="50" baseline="0" noProof="0" dirty="0">
+                <a:ln w="3175">
+                  <a:noFill/>
+                  <a:prstDash val="dash"/>
+                </a:ln>
+                <a:solidFill>
+                  <a:sysClr val="windowText" lastClr="000000">
+                    <a:lumMod val="65000"/>
+                    <a:lumOff val="35000"/>
+                  </a:sysClr>
+                </a:solidFill>
+                <a:effectLst/>
+                <a:uLnTx/>
+                <a:uFillTx/>
+                <a:latin typeface="Arial" panose="020B0604020202020204" pitchFamily="34" charset="0"/>
+                <a:ea typeface="微软雅黑 Light" panose="020B0502040204020203" pitchFamily="34" charset="-122"/>
+                <a:cs typeface="微软雅黑" panose="020B0503020204020204" charset="-122"/>
+              </a:rPr>
+              <a:t>负载均衡机制</a:t>
+            </a:r>
+            <a:endParaRPr kumimoji="0" lang="zh-CN" altLang="en-US" sz="1800" b="0" i="0" spc="50" baseline="0" noProof="0" dirty="0">
+              <a:ln w="3175">
+                <a:noFill/>
+                <a:prstDash val="dash"/>
+              </a:ln>
+              <a:solidFill>
+                <a:sysClr val="windowText" lastClr="000000">
+                  <a:lumMod val="65000"/>
+                  <a:lumOff val="35000"/>
+                </a:sysClr>
+              </a:solidFill>
+              <a:effectLst/>
+              <a:uLnTx/>
+              <a:uFillTx/>
+              <a:latin typeface="Arial" panose="020B0604020202020204" pitchFamily="34" charset="0"/>
+              <a:ea typeface="微软雅黑 Light" panose="020B0502040204020203" pitchFamily="34" charset="-122"/>
+              <a:cs typeface="微软雅黑" panose="020B0503020204020204" charset="-122"/>
+            </a:endParaRPr>
+          </a:p>
+          <a:p>
+            <a:pPr marR="0" lvl="0" indent="0" algn="just" defTabSz="914400" rtl="0" eaLnBrk="1" fontAlgn="auto" latinLnBrk="0" hangingPunct="1">
+              <a:lnSpc>
+                <a:spcPct val="130000"/>
+              </a:lnSpc>
+              <a:spcBef>
+                <a:spcPts val="0"/>
+              </a:spcBef>
+              <a:spcAft>
+                <a:spcPts val="800"/>
+              </a:spcAft>
+              <a:buClrTx/>
+              <a:buSzTx/>
+              <a:buFont typeface="Arial" panose="020B0604020202020204" pitchFamily="34" charset="0"/>
+              <a:defRPr/>
+            </a:pPr>
+            <a:r>
+              <a:rPr kumimoji="0" lang="zh-CN" altLang="en-US" sz="1800" b="0" i="0" spc="50" baseline="0" noProof="0" dirty="0">
+                <a:ln w="3175">
+                  <a:noFill/>
+                  <a:prstDash val="dash"/>
+                </a:ln>
+                <a:solidFill>
+                  <a:sysClr val="windowText" lastClr="000000">
+                    <a:lumMod val="65000"/>
+                    <a:lumOff val="35000"/>
+                  </a:sysClr>
+                </a:solidFill>
+                <a:effectLst/>
+                <a:uLnTx/>
+                <a:uFillTx/>
+                <a:latin typeface="Arial" panose="020B0604020202020204" pitchFamily="34" charset="0"/>
+                <a:ea typeface="微软雅黑 Light" panose="020B0502040204020203" pitchFamily="34" charset="-122"/>
+                <a:cs typeface="微软雅黑" panose="020B0503020204020204" charset="-122"/>
+              </a:rPr>
+              <a:t>（</a:t>
+            </a:r>
+            <a:r>
+              <a:rPr kumimoji="0" altLang="zh-CN" sz="1800" b="0" i="0" spc="50" baseline="0" noProof="0" dirty="0">
+                <a:ln w="3175">
+                  <a:noFill/>
+                  <a:prstDash val="dash"/>
+                </a:ln>
+                <a:solidFill>
+                  <a:sysClr val="windowText" lastClr="000000">
+                    <a:lumMod val="65000"/>
+                    <a:lumOff val="35000"/>
+                  </a:sysClr>
+                </a:solidFill>
+                <a:effectLst/>
+                <a:uLnTx/>
+                <a:uFillTx/>
+                <a:latin typeface="Arial" panose="020B0604020202020204" pitchFamily="34" charset="0"/>
+                <a:ea typeface="微软雅黑 Light" panose="020B0502040204020203" pitchFamily="34" charset="-122"/>
+                <a:cs typeface="微软雅黑" panose="020B0503020204020204" charset="-122"/>
+              </a:rPr>
+              <a:t>1</a:t>
+            </a:r>
+            <a:r>
+              <a:rPr kumimoji="0" lang="zh-CN" altLang="en-US" sz="1800" b="0" i="0" spc="50" baseline="0" noProof="0" dirty="0">
+                <a:ln w="3175">
+                  <a:noFill/>
+                  <a:prstDash val="dash"/>
+                </a:ln>
+                <a:solidFill>
+                  <a:sysClr val="windowText" lastClr="000000">
+                    <a:lumMod val="65000"/>
+                    <a:lumOff val="35000"/>
+                  </a:sysClr>
+                </a:solidFill>
+                <a:effectLst/>
+                <a:uLnTx/>
+                <a:uFillTx/>
+                <a:latin typeface="Arial" panose="020B0604020202020204" pitchFamily="34" charset="0"/>
+                <a:ea typeface="微软雅黑 Light" panose="020B0502040204020203" pitchFamily="34" charset="-122"/>
+                <a:cs typeface="微软雅黑" panose="020B0503020204020204" charset="-122"/>
+              </a:rPr>
+              <a:t>）轮询：默认方式，所有请求都按照时间顺序分配到不同的服务上，如果服务Down掉则自动剔除；</a:t>
+            </a:r>
+            <a:endParaRPr kumimoji="0" lang="zh-CN" altLang="en-US" sz="1800" b="0" i="0" spc="50" baseline="0" noProof="0" dirty="0">
+              <a:ln w="3175">
+                <a:noFill/>
+                <a:prstDash val="dash"/>
+              </a:ln>
+              <a:solidFill>
+                <a:sysClr val="windowText" lastClr="000000">
+                  <a:lumMod val="65000"/>
+                  <a:lumOff val="35000"/>
+                </a:sysClr>
+              </a:solidFill>
+              <a:effectLst/>
+              <a:uLnTx/>
+              <a:uFillTx/>
+              <a:latin typeface="Arial" panose="020B0604020202020204" pitchFamily="34" charset="0"/>
+              <a:ea typeface="微软雅黑 Light" panose="020B0502040204020203" pitchFamily="34" charset="-122"/>
+              <a:cs typeface="微软雅黑" panose="020B0503020204020204" charset="-122"/>
+            </a:endParaRPr>
+          </a:p>
+          <a:p>
+            <a:pPr marR="0" lvl="0" indent="0" algn="just" defTabSz="914400" rtl="0" eaLnBrk="1" fontAlgn="auto" latinLnBrk="0" hangingPunct="1">
+              <a:lnSpc>
+                <a:spcPct val="130000"/>
+              </a:lnSpc>
+              <a:spcBef>
+                <a:spcPts val="0"/>
+              </a:spcBef>
+              <a:spcAft>
+                <a:spcPts val="800"/>
+              </a:spcAft>
+              <a:buClrTx/>
+              <a:buSzTx/>
+              <a:buFont typeface="Arial" panose="020B0604020202020204" pitchFamily="34" charset="0"/>
+              <a:defRPr/>
+            </a:pPr>
+            <a:r>
+              <a:rPr kumimoji="0" lang="zh-CN" altLang="en-US" sz="1800" b="0" i="0" spc="50" baseline="0" noProof="0" dirty="0">
+                <a:ln w="3175">
+                  <a:noFill/>
+                  <a:prstDash val="dash"/>
+                </a:ln>
+                <a:solidFill>
+                  <a:sysClr val="windowText" lastClr="000000">
+                    <a:lumMod val="65000"/>
+                    <a:lumOff val="35000"/>
+                  </a:sysClr>
+                </a:solidFill>
+                <a:effectLst/>
+                <a:uLnTx/>
+                <a:uFillTx/>
+                <a:latin typeface="Arial" panose="020B0604020202020204" pitchFamily="34" charset="0"/>
+                <a:ea typeface="微软雅黑 Light" panose="020B0502040204020203" pitchFamily="34" charset="-122"/>
+                <a:cs typeface="微软雅黑" panose="020B0503020204020204" charset="-122"/>
+              </a:rPr>
+              <a:t>（</a:t>
+            </a:r>
+            <a:r>
+              <a:rPr kumimoji="0" altLang="zh-CN" sz="1800" b="0" i="0" spc="50" baseline="0" noProof="0" dirty="0">
+                <a:ln w="3175">
+                  <a:noFill/>
+                  <a:prstDash val="dash"/>
+                </a:ln>
+                <a:solidFill>
+                  <a:sysClr val="windowText" lastClr="000000">
+                    <a:lumMod val="65000"/>
+                    <a:lumOff val="35000"/>
+                  </a:sysClr>
+                </a:solidFill>
+                <a:effectLst/>
+                <a:uLnTx/>
+                <a:uFillTx/>
+                <a:latin typeface="Arial" panose="020B0604020202020204" pitchFamily="34" charset="0"/>
+                <a:ea typeface="微软雅黑 Light" panose="020B0502040204020203" pitchFamily="34" charset="-122"/>
+                <a:cs typeface="微软雅黑" panose="020B0503020204020204" charset="-122"/>
+              </a:rPr>
+              <a:t>2</a:t>
+            </a:r>
+            <a:r>
+              <a:rPr kumimoji="0" lang="zh-CN" altLang="en-US" sz="1800" b="0" i="0" spc="50" baseline="0" noProof="0" dirty="0">
+                <a:ln w="3175">
+                  <a:noFill/>
+                  <a:prstDash val="dash"/>
+                </a:ln>
+                <a:solidFill>
+                  <a:sysClr val="windowText" lastClr="000000">
+                    <a:lumMod val="65000"/>
+                    <a:lumOff val="35000"/>
+                  </a:sysClr>
+                </a:solidFill>
+                <a:effectLst/>
+                <a:uLnTx/>
+                <a:uFillTx/>
+                <a:latin typeface="Arial" panose="020B0604020202020204" pitchFamily="34" charset="0"/>
+                <a:ea typeface="微软雅黑 Light" panose="020B0502040204020203" pitchFamily="34" charset="-122"/>
+                <a:cs typeface="微软雅黑" panose="020B0503020204020204" charset="-122"/>
+              </a:rPr>
+              <a:t>）权重：指定每个服务的权重比例，weight和访问比率成正比，通常用于后端服务机器性能不统一，将性能好的分配权重高来发挥服务器最大性能；</a:t>
+            </a:r>
+            <a:endParaRPr kumimoji="0" lang="zh-CN" altLang="en-US" sz="1800" b="0" i="0" spc="50" baseline="0" noProof="0" dirty="0">
+              <a:ln w="3175">
+                <a:noFill/>
+                <a:prstDash val="dash"/>
+              </a:ln>
+              <a:solidFill>
+                <a:sysClr val="windowText" lastClr="000000">
+                  <a:lumMod val="65000"/>
+                  <a:lumOff val="35000"/>
+                </a:sysClr>
+              </a:solidFill>
+              <a:effectLst/>
+              <a:uLnTx/>
+              <a:uFillTx/>
+              <a:latin typeface="Arial" panose="020B0604020202020204" pitchFamily="34" charset="0"/>
+              <a:ea typeface="微软雅黑 Light" panose="020B0502040204020203" pitchFamily="34" charset="-122"/>
+              <a:cs typeface="微软雅黑" panose="020B0503020204020204" charset="-122"/>
+            </a:endParaRPr>
+          </a:p>
+          <a:p>
+            <a:pPr marR="0" lvl="0" indent="0" algn="just" defTabSz="914400" rtl="0" eaLnBrk="1" fontAlgn="auto" latinLnBrk="0" hangingPunct="1">
+              <a:lnSpc>
+                <a:spcPct val="130000"/>
+              </a:lnSpc>
+              <a:spcBef>
+                <a:spcPts val="0"/>
+              </a:spcBef>
+              <a:spcAft>
+                <a:spcPts val="800"/>
+              </a:spcAft>
+              <a:buClrTx/>
+              <a:buSzTx/>
+              <a:buFont typeface="Arial" panose="020B0604020202020204" pitchFamily="34" charset="0"/>
+              <a:defRPr/>
+            </a:pPr>
+            <a:r>
+              <a:rPr kumimoji="0" lang="zh-CN" altLang="en-US" sz="1800" b="0" i="0" spc="50" baseline="0" noProof="0" dirty="0">
+                <a:ln w="3175">
+                  <a:noFill/>
+                  <a:prstDash val="dash"/>
+                </a:ln>
+                <a:solidFill>
+                  <a:sysClr val="windowText" lastClr="000000">
+                    <a:lumMod val="65000"/>
+                    <a:lumOff val="35000"/>
+                  </a:sysClr>
+                </a:solidFill>
+                <a:effectLst/>
+                <a:uLnTx/>
+                <a:uFillTx/>
+                <a:latin typeface="Arial" panose="020B0604020202020204" pitchFamily="34" charset="0"/>
+                <a:ea typeface="微软雅黑 Light" panose="020B0502040204020203" pitchFamily="34" charset="-122"/>
+                <a:cs typeface="微软雅黑" panose="020B0503020204020204" charset="-122"/>
+              </a:rPr>
+              <a:t>（</a:t>
+            </a:r>
+            <a:r>
+              <a:rPr kumimoji="0" altLang="zh-CN" sz="1800" b="0" i="0" spc="50" baseline="0" noProof="0" dirty="0">
+                <a:ln w="3175">
+                  <a:noFill/>
+                  <a:prstDash val="dash"/>
+                </a:ln>
+                <a:solidFill>
+                  <a:sysClr val="windowText" lastClr="000000">
+                    <a:lumMod val="65000"/>
+                    <a:lumOff val="35000"/>
+                  </a:sysClr>
+                </a:solidFill>
+                <a:effectLst/>
+                <a:uLnTx/>
+                <a:uFillTx/>
+                <a:latin typeface="Arial" panose="020B0604020202020204" pitchFamily="34" charset="0"/>
+                <a:ea typeface="微软雅黑 Light" panose="020B0502040204020203" pitchFamily="34" charset="-122"/>
+                <a:cs typeface="微软雅黑" panose="020B0503020204020204" charset="-122"/>
+              </a:rPr>
+              <a:t>3</a:t>
+            </a:r>
+            <a:r>
+              <a:rPr kumimoji="0" lang="zh-CN" altLang="en-US" sz="1800" b="0" i="0" spc="50" baseline="0" noProof="0" dirty="0">
+                <a:ln w="3175">
+                  <a:noFill/>
+                  <a:prstDash val="dash"/>
+                </a:ln>
+                <a:solidFill>
+                  <a:sysClr val="windowText" lastClr="000000">
+                    <a:lumMod val="65000"/>
+                    <a:lumOff val="35000"/>
+                  </a:sysClr>
+                </a:solidFill>
+                <a:effectLst/>
+                <a:uLnTx/>
+                <a:uFillTx/>
+                <a:latin typeface="Arial" panose="020B0604020202020204" pitchFamily="34" charset="0"/>
+                <a:ea typeface="微软雅黑 Light" panose="020B0502040204020203" pitchFamily="34" charset="-122"/>
+                <a:cs typeface="微软雅黑" panose="020B0503020204020204" charset="-122"/>
+              </a:rPr>
+              <a:t>）iphash：每个请求都根据访问ip的hash结果分配，每个访客固定访问一个后端服务；</a:t>
+            </a:r>
+            <a:endParaRPr kumimoji="0" lang="zh-CN" altLang="en-US" sz="1800" b="0" i="0" spc="50" baseline="0" noProof="0" dirty="0">
+              <a:ln w="3175">
+                <a:noFill/>
+                <a:prstDash val="dash"/>
+              </a:ln>
+              <a:solidFill>
+                <a:sysClr val="windowText" lastClr="000000">
+                  <a:lumMod val="65000"/>
+                  <a:lumOff val="35000"/>
+                </a:sysClr>
+              </a:solidFill>
+              <a:effectLst/>
+              <a:uLnTx/>
+              <a:uFillTx/>
+              <a:latin typeface="Arial" panose="020B0604020202020204" pitchFamily="34" charset="0"/>
+              <a:ea typeface="微软雅黑 Light" panose="020B0502040204020203" pitchFamily="34" charset="-122"/>
+              <a:cs typeface="微软雅黑" panose="020B0503020204020204" charset="-122"/>
+            </a:endParaRPr>
+          </a:p>
+          <a:p>
+            <a:pPr marR="0" lvl="0" indent="0" algn="just" defTabSz="914400" rtl="0" eaLnBrk="1" fontAlgn="auto" latinLnBrk="0" hangingPunct="1">
+              <a:lnSpc>
+                <a:spcPct val="130000"/>
+              </a:lnSpc>
+              <a:spcBef>
+                <a:spcPts val="0"/>
+              </a:spcBef>
+              <a:spcAft>
+                <a:spcPts val="800"/>
+              </a:spcAft>
+              <a:buClrTx/>
+              <a:buSzTx/>
+              <a:buFont typeface="Arial" panose="020B0604020202020204" pitchFamily="34" charset="0"/>
+              <a:defRPr/>
+            </a:pPr>
+            <a:r>
+              <a:rPr kumimoji="0" lang="zh-CN" altLang="en-US" sz="1800" b="0" i="0" spc="50" baseline="0" noProof="0" dirty="0">
+                <a:ln w="3175">
+                  <a:noFill/>
+                  <a:prstDash val="dash"/>
+                </a:ln>
+                <a:solidFill>
+                  <a:sysClr val="windowText" lastClr="000000">
+                    <a:lumMod val="65000"/>
+                    <a:lumOff val="35000"/>
+                  </a:sysClr>
+                </a:solidFill>
+                <a:effectLst/>
+                <a:uLnTx/>
+                <a:uFillTx/>
+                <a:latin typeface="Arial" panose="020B0604020202020204" pitchFamily="34" charset="0"/>
+                <a:ea typeface="微软雅黑 Light" panose="020B0502040204020203" pitchFamily="34" charset="-122"/>
+                <a:cs typeface="微软雅黑" panose="020B0503020204020204" charset="-122"/>
+              </a:rPr>
+              <a:t>（</a:t>
+            </a:r>
+            <a:r>
+              <a:rPr kumimoji="0" altLang="zh-CN" sz="1800" b="0" i="0" spc="50" baseline="0" noProof="0" dirty="0">
+                <a:ln w="3175">
+                  <a:noFill/>
+                  <a:prstDash val="dash"/>
+                </a:ln>
+                <a:solidFill>
+                  <a:sysClr val="windowText" lastClr="000000">
+                    <a:lumMod val="65000"/>
+                    <a:lumOff val="35000"/>
+                  </a:sysClr>
+                </a:solidFill>
+                <a:effectLst/>
+                <a:uLnTx/>
+                <a:uFillTx/>
+                <a:latin typeface="Arial" panose="020B0604020202020204" pitchFamily="34" charset="0"/>
+                <a:ea typeface="微软雅黑 Light" panose="020B0502040204020203" pitchFamily="34" charset="-122"/>
+                <a:cs typeface="微软雅黑" panose="020B0503020204020204" charset="-122"/>
+              </a:rPr>
+              <a:t>4</a:t>
+            </a:r>
+            <a:r>
+              <a:rPr kumimoji="0" lang="zh-CN" altLang="en-US" sz="1800" b="0" i="0" spc="50" baseline="0" noProof="0" dirty="0">
+                <a:ln w="3175">
+                  <a:noFill/>
+                  <a:prstDash val="dash"/>
+                </a:ln>
+                <a:solidFill>
+                  <a:sysClr val="windowText" lastClr="000000">
+                    <a:lumMod val="65000"/>
+                    <a:lumOff val="35000"/>
+                  </a:sysClr>
+                </a:solidFill>
+                <a:effectLst/>
+                <a:uLnTx/>
+                <a:uFillTx/>
+                <a:latin typeface="Arial" panose="020B0604020202020204" pitchFamily="34" charset="0"/>
+                <a:ea typeface="微软雅黑 Light" panose="020B0502040204020203" pitchFamily="34" charset="-122"/>
+                <a:cs typeface="微软雅黑" panose="020B0503020204020204" charset="-122"/>
+              </a:rPr>
+              <a:t>）最少连接：将请求分配到连接数最少的服务上；</a:t>
+            </a:r>
+            <a:endParaRPr kumimoji="0" lang="zh-CN" altLang="en-US" sz="1800" b="0" i="0" spc="50" baseline="0" noProof="0" dirty="0">
+              <a:ln w="3175">
+                <a:noFill/>
+                <a:prstDash val="dash"/>
+              </a:ln>
+              <a:solidFill>
+                <a:sysClr val="windowText" lastClr="000000">
+                  <a:lumMod val="65000"/>
+                  <a:lumOff val="35000"/>
+                </a:sysClr>
+              </a:solidFill>
+              <a:effectLst/>
+              <a:uLnTx/>
+              <a:uFillTx/>
+              <a:latin typeface="Arial" panose="020B0604020202020204" pitchFamily="34" charset="0"/>
+              <a:ea typeface="微软雅黑 Light" panose="020B0502040204020203" pitchFamily="34" charset="-122"/>
+              <a:cs typeface="微软雅黑" panose="020B0503020204020204" charset="-122"/>
+            </a:endParaRPr>
+          </a:p>
+          <a:p>
+            <a:pPr marR="0" lvl="0" indent="0" algn="just" defTabSz="914400" rtl="0" eaLnBrk="1" fontAlgn="auto" latinLnBrk="0" hangingPunct="1">
+              <a:lnSpc>
+                <a:spcPct val="130000"/>
+              </a:lnSpc>
+              <a:spcBef>
+                <a:spcPts val="0"/>
+              </a:spcBef>
+              <a:spcAft>
+                <a:spcPts val="800"/>
+              </a:spcAft>
+              <a:buClrTx/>
+              <a:buSzTx/>
+              <a:buFont typeface="Arial" panose="020B0604020202020204" pitchFamily="34" charset="0"/>
+              <a:defRPr/>
+            </a:pPr>
+            <a:r>
+              <a:rPr kumimoji="0" lang="zh-CN" altLang="en-US" sz="1800" b="0" i="0" spc="50" baseline="0" noProof="0" dirty="0">
+                <a:ln w="3175">
+                  <a:noFill/>
+                  <a:prstDash val="dash"/>
+                </a:ln>
+                <a:solidFill>
+                  <a:sysClr val="windowText" lastClr="000000">
+                    <a:lumMod val="65000"/>
+                    <a:lumOff val="35000"/>
+                  </a:sysClr>
+                </a:solidFill>
+                <a:effectLst/>
+                <a:uLnTx/>
+                <a:uFillTx/>
+                <a:latin typeface="Arial" panose="020B0604020202020204" pitchFamily="34" charset="0"/>
+                <a:ea typeface="微软雅黑 Light" panose="020B0502040204020203" pitchFamily="34" charset="-122"/>
+                <a:cs typeface="微软雅黑" panose="020B0503020204020204" charset="-122"/>
+              </a:rPr>
+              <a:t>（</a:t>
+            </a:r>
+            <a:r>
+              <a:rPr kumimoji="0" altLang="zh-CN" sz="1800" b="0" i="0" spc="50" baseline="0" noProof="0" dirty="0">
+                <a:ln w="3175">
+                  <a:noFill/>
+                  <a:prstDash val="dash"/>
+                </a:ln>
+                <a:solidFill>
+                  <a:sysClr val="windowText" lastClr="000000">
+                    <a:lumMod val="65000"/>
+                    <a:lumOff val="35000"/>
+                  </a:sysClr>
+                </a:solidFill>
+                <a:effectLst/>
+                <a:uLnTx/>
+                <a:uFillTx/>
+                <a:latin typeface="Arial" panose="020B0604020202020204" pitchFamily="34" charset="0"/>
+                <a:ea typeface="微软雅黑 Light" panose="020B0502040204020203" pitchFamily="34" charset="-122"/>
+                <a:cs typeface="微软雅黑" panose="020B0503020204020204" charset="-122"/>
+              </a:rPr>
+              <a:t>5</a:t>
+            </a:r>
+            <a:r>
+              <a:rPr kumimoji="0" lang="zh-CN" altLang="en-US" sz="1800" b="0" i="0" spc="50" baseline="0" noProof="0" dirty="0">
+                <a:ln w="3175">
+                  <a:noFill/>
+                  <a:prstDash val="dash"/>
+                </a:ln>
+                <a:solidFill>
+                  <a:sysClr val="windowText" lastClr="000000">
+                    <a:lumMod val="65000"/>
+                    <a:lumOff val="35000"/>
+                  </a:sysClr>
+                </a:solidFill>
+                <a:effectLst/>
+                <a:uLnTx/>
+                <a:uFillTx/>
+                <a:latin typeface="Arial" panose="020B0604020202020204" pitchFamily="34" charset="0"/>
+                <a:ea typeface="微软雅黑 Light" panose="020B0502040204020203" pitchFamily="34" charset="-122"/>
+                <a:cs typeface="微软雅黑" panose="020B0503020204020204" charset="-122"/>
+              </a:rPr>
+              <a:t>）</a:t>
+            </a:r>
+            <a:r>
+              <a:rPr kumimoji="0" altLang="zh-CN" sz="1800" b="0" i="0" spc="50" baseline="0" noProof="0" dirty="0">
+                <a:ln w="3175">
+                  <a:noFill/>
+                  <a:prstDash val="dash"/>
+                </a:ln>
+                <a:solidFill>
+                  <a:sysClr val="windowText" lastClr="000000">
+                    <a:lumMod val="65000"/>
+                    <a:lumOff val="35000"/>
+                  </a:sysClr>
+                </a:solidFill>
+                <a:effectLst/>
+                <a:uLnTx/>
+                <a:uFillTx/>
+                <a:latin typeface="Arial" panose="020B0604020202020204" pitchFamily="34" charset="0"/>
+                <a:ea typeface="微软雅黑 Light" panose="020B0502040204020203" pitchFamily="34" charset="-122"/>
+                <a:cs typeface="微软雅黑" panose="020B0503020204020204" charset="-122"/>
+              </a:rPr>
+              <a:t>fair</a:t>
+            </a:r>
+            <a:r>
+              <a:rPr kumimoji="0" lang="zh-CN" altLang="en-US" sz="1800" b="0" i="0" spc="50" baseline="0" noProof="0" dirty="0">
+                <a:ln w="3175">
+                  <a:noFill/>
+                  <a:prstDash val="dash"/>
+                </a:ln>
+                <a:solidFill>
+                  <a:sysClr val="windowText" lastClr="000000">
+                    <a:lumMod val="65000"/>
+                    <a:lumOff val="35000"/>
+                  </a:sysClr>
+                </a:solidFill>
+                <a:effectLst/>
+                <a:uLnTx/>
+                <a:uFillTx/>
+                <a:latin typeface="Arial" panose="020B0604020202020204" pitchFamily="34" charset="0"/>
+                <a:ea typeface="微软雅黑 Light" panose="020B0502040204020203" pitchFamily="34" charset="-122"/>
+                <a:cs typeface="微软雅黑" panose="020B0503020204020204" charset="-122"/>
+              </a:rPr>
+              <a:t>：按后端服务器的响应时间来分配请求，响应时间短的优先分配。</a:t>
             </a:r>
             <a:endParaRPr kumimoji="0" lang="zh-CN" altLang="en-US" sz="1800" b="0" i="0" spc="50" baseline="0" noProof="0" dirty="0">
               <a:ln w="3175">
@@ -5812,6 +7271,1252 @@
                 <a:sym typeface="+mn-ea"/>
               </a:rPr>
               <a:t>Ribbon</a:t>
+            </a:r>
+            <a:endParaRPr lang="zh-CN" altLang="en-US" sz="2400" dirty="0">
+              <a:latin typeface="微软雅黑" panose="020B0503020204020204" charset="-122"/>
+              <a:ea typeface="微软雅黑" panose="020B0503020204020204" charset="-122"/>
+              <a:sym typeface="+mn-ea"/>
+            </a:endParaRPr>
+          </a:p>
+          <a:p>
+            <a:pPr marL="0" marR="0" lvl="0" indent="0" algn="l" defTabSz="913765" rtl="0" eaLnBrk="1" fontAlgn="auto" latinLnBrk="0" hangingPunct="1">
+              <a:lnSpc>
+                <a:spcPct val="90000"/>
+              </a:lnSpc>
+              <a:spcBef>
+                <a:spcPct val="0"/>
+              </a:spcBef>
+              <a:spcAft>
+                <a:spcPts val="800"/>
+              </a:spcAft>
+              <a:buClrTx/>
+              <a:buSzTx/>
+              <a:buFontTx/>
+              <a:buNone/>
+              <a:defRPr/>
+            </a:pPr>
+            <a:endParaRPr kumimoji="0" lang="zh-CN" altLang="en-US" sz="2400" b="1" i="0" spc="300" baseline="0" noProof="0" dirty="0">
+              <a:ln w="3175">
+                <a:noFill/>
+                <a:prstDash val="dash"/>
+              </a:ln>
+              <a:solidFill>
+                <a:sysClr val="windowText" lastClr="000000">
+                  <a:lumMod val="75000"/>
+                  <a:lumOff val="25000"/>
+                </a:sysClr>
+              </a:solidFill>
+              <a:effectLst/>
+              <a:uLnTx/>
+              <a:uFillTx/>
+              <a:latin typeface="Arial" panose="020B0604020202020204" pitchFamily="34" charset="0"/>
+              <a:ea typeface="微软雅黑" panose="020B0503020204020204" charset="-122"/>
+              <a:cs typeface="微软雅黑" panose="020B0503020204020204" charset="-122"/>
+            </a:endParaRPr>
+          </a:p>
+        </p:txBody>
+      </p:sp>
+    </p:spTree>
+    <p:custDataLst>
+      <p:tags r:id="rId3"/>
+    </p:custDataLst>
+  </p:cSld>
+  <p:clrMapOvr>
+    <a:masterClrMapping/>
+  </p:clrMapOvr>
+  <mc:AlternateContent xmlns:mc="http://schemas.openxmlformats.org/markup-compatibility/2006">
+    <mc:Choice xmlns:p14="http://schemas.microsoft.com/office/powerpoint/2010/main" Requires="p14">
+      <p:transition p14:dur="500"/>
+    </mc:Choice>
+    <mc:Fallback>
+      <p:transition/>
+    </mc:Fallback>
+  </mc:AlternateContent>
+</p:sld>
+</file>
+
+<file path=ppt/slides/slide5.xml><?xml version="1.0" encoding="utf-8"?>
+<p:sld xmlns:a="http://schemas.openxmlformats.org/drawingml/2006/main" xmlns:r="http://schemas.openxmlformats.org/officeDocument/2006/relationships" xmlns:p="http://schemas.openxmlformats.org/presentationml/2006/main">
+  <p:cSld>
+    <p:spTree>
+      <p:nvGrpSpPr>
+        <p:cNvPr id="1" name=""/>
+        <p:cNvGrpSpPr/>
+        <p:nvPr/>
+      </p:nvGrpSpPr>
+      <p:grpSpPr/>
+      <p:sp>
+        <p:nvSpPr>
+          <p:cNvPr id="8" name="Title 6"/>
+          <p:cNvSpPr txBox="1"/>
+          <p:nvPr>
+            <p:custDataLst>
+              <p:tags r:id="rId1"/>
+            </p:custDataLst>
+          </p:nvPr>
+        </p:nvSpPr>
+        <p:spPr>
+          <a:xfrm>
+            <a:off x="608330" y="1075690"/>
+            <a:ext cx="10975340" cy="5126990"/>
+          </a:xfrm>
+          <a:prstGeom prst="rect">
+            <a:avLst/>
+          </a:prstGeom>
+          <a:noFill/>
+          <a:ln w="3175">
+            <a:noFill/>
+            <a:prstDash val="sysDash"/>
+          </a:ln>
+        </p:spPr>
+        <p:txBody>
+          <a:bodyPr wrap="square" lIns="72000" tIns="36000" rIns="72000" bIns="36000" anchor="t" anchorCtr="0">
+            <a:noAutofit/>
+          </a:bodyPr>
+          <a:lstStyle>
+            <a:lvl1pPr algn="l" defTabSz="913765" rtl="0" eaLnBrk="1" latinLnBrk="0" hangingPunct="1">
+              <a:lnSpc>
+                <a:spcPct val="90000"/>
+              </a:lnSpc>
+              <a:spcBef>
+                <a:spcPct val="0"/>
+              </a:spcBef>
+              <a:buNone/>
+              <a:defRPr lang="en-US" sz="2745" b="0" kern="1200" cap="none" spc="-49" baseline="0" dirty="0" smtClean="0">
+                <a:ln w="3175">
+                  <a:noFill/>
+                </a:ln>
+                <a:solidFill>
+                  <a:sysClr val="windowText" lastClr="000000"/>
+                </a:solidFill>
+                <a:effectLst/>
+                <a:latin typeface="Arial" panose="020B0604020202020204" pitchFamily="34" charset="0"/>
+                <a:ea typeface="微软雅黑" panose="020B0503020204020204" charset="-122"/>
+                <a:cs typeface="Segoe UI" panose="020B0502040204020203" pitchFamily="34" charset="0"/>
+              </a:defRPr>
+            </a:lvl1pPr>
+          </a:lstStyle>
+          <a:p>
+            <a:pPr marR="0" lvl="0" indent="0" algn="just" defTabSz="914400" rtl="0" eaLnBrk="1" fontAlgn="auto" latinLnBrk="0" hangingPunct="1">
+              <a:lnSpc>
+                <a:spcPct val="130000"/>
+              </a:lnSpc>
+              <a:spcBef>
+                <a:spcPts val="0"/>
+              </a:spcBef>
+              <a:spcAft>
+                <a:spcPts val="800"/>
+              </a:spcAft>
+              <a:buClrTx/>
+              <a:buSzTx/>
+              <a:buFont typeface="Arial" panose="020B0604020202020204" pitchFamily="34" charset="0"/>
+              <a:defRPr/>
+            </a:pPr>
+            <a:r>
+              <a:rPr kumimoji="0" lang="zh-CN" altLang="en-US" sz="1800" b="0" i="0" spc="50" baseline="0" noProof="0" dirty="0">
+                <a:ln w="3175">
+                  <a:noFill/>
+                  <a:prstDash val="dash"/>
+                </a:ln>
+                <a:solidFill>
+                  <a:sysClr val="windowText" lastClr="000000">
+                    <a:lumMod val="65000"/>
+                    <a:lumOff val="35000"/>
+                  </a:sysClr>
+                </a:solidFill>
+                <a:effectLst/>
+                <a:uLnTx/>
+                <a:uFillTx/>
+                <a:latin typeface="Arial" panose="020B0604020202020204" pitchFamily="34" charset="0"/>
+                <a:ea typeface="微软雅黑 Light" panose="020B0502040204020203" pitchFamily="34" charset="-122"/>
+                <a:cs typeface="微软雅黑" panose="020B0503020204020204" charset="-122"/>
+              </a:rPr>
+              <a:t>RandomRule，随机选取；</a:t>
+            </a:r>
+            <a:endParaRPr kumimoji="0" lang="zh-CN" altLang="en-US" sz="1800" b="0" i="0" spc="50" baseline="0" noProof="0" dirty="0">
+              <a:ln w="3175">
+                <a:noFill/>
+                <a:prstDash val="dash"/>
+              </a:ln>
+              <a:solidFill>
+                <a:sysClr val="windowText" lastClr="000000">
+                  <a:lumMod val="65000"/>
+                  <a:lumOff val="35000"/>
+                </a:sysClr>
+              </a:solidFill>
+              <a:effectLst/>
+              <a:uLnTx/>
+              <a:uFillTx/>
+              <a:latin typeface="Arial" panose="020B0604020202020204" pitchFamily="34" charset="0"/>
+              <a:ea typeface="微软雅黑 Light" panose="020B0502040204020203" pitchFamily="34" charset="-122"/>
+              <a:cs typeface="微软雅黑" panose="020B0503020204020204" charset="-122"/>
+            </a:endParaRPr>
+          </a:p>
+          <a:p>
+            <a:pPr marR="0" lvl="0" indent="0" algn="just" defTabSz="914400" rtl="0" eaLnBrk="1" fontAlgn="auto" latinLnBrk="0" hangingPunct="1">
+              <a:lnSpc>
+                <a:spcPct val="130000"/>
+              </a:lnSpc>
+              <a:spcBef>
+                <a:spcPts val="0"/>
+              </a:spcBef>
+              <a:spcAft>
+                <a:spcPts val="800"/>
+              </a:spcAft>
+              <a:buClrTx/>
+              <a:buSzTx/>
+              <a:buFont typeface="Arial" panose="020B0604020202020204" pitchFamily="34" charset="0"/>
+              <a:defRPr/>
+            </a:pPr>
+            <a:r>
+              <a:rPr kumimoji="0" lang="zh-CN" altLang="en-US" sz="1800" b="0" i="0" spc="50" baseline="0" noProof="0" dirty="0">
+                <a:ln w="3175">
+                  <a:noFill/>
+                  <a:prstDash val="dash"/>
+                </a:ln>
+                <a:solidFill>
+                  <a:sysClr val="windowText" lastClr="000000">
+                    <a:lumMod val="65000"/>
+                    <a:lumOff val="35000"/>
+                  </a:sysClr>
+                </a:solidFill>
+                <a:effectLst/>
+                <a:uLnTx/>
+                <a:uFillTx/>
+                <a:latin typeface="Arial" panose="020B0604020202020204" pitchFamily="34" charset="0"/>
+                <a:ea typeface="微软雅黑 Light" panose="020B0502040204020203" pitchFamily="34" charset="-122"/>
+                <a:cs typeface="微软雅黑" panose="020B0503020204020204" charset="-122"/>
+              </a:rPr>
+              <a:t>RoundRobinRule，线性轮询；</a:t>
+            </a:r>
+            <a:endParaRPr kumimoji="0" lang="zh-CN" altLang="en-US" sz="1800" b="0" i="0" spc="50" baseline="0" noProof="0" dirty="0">
+              <a:ln w="3175">
+                <a:noFill/>
+                <a:prstDash val="dash"/>
+              </a:ln>
+              <a:solidFill>
+                <a:sysClr val="windowText" lastClr="000000">
+                  <a:lumMod val="65000"/>
+                  <a:lumOff val="35000"/>
+                </a:sysClr>
+              </a:solidFill>
+              <a:effectLst/>
+              <a:uLnTx/>
+              <a:uFillTx/>
+              <a:latin typeface="Arial" panose="020B0604020202020204" pitchFamily="34" charset="0"/>
+              <a:ea typeface="微软雅黑 Light" panose="020B0502040204020203" pitchFamily="34" charset="-122"/>
+              <a:cs typeface="微软雅黑" panose="020B0503020204020204" charset="-122"/>
+            </a:endParaRPr>
+          </a:p>
+          <a:p>
+            <a:pPr marR="0" lvl="0" indent="0" algn="just" defTabSz="914400" rtl="0" eaLnBrk="1" fontAlgn="auto" latinLnBrk="0" hangingPunct="1">
+              <a:lnSpc>
+                <a:spcPct val="130000"/>
+              </a:lnSpc>
+              <a:spcBef>
+                <a:spcPts val="0"/>
+              </a:spcBef>
+              <a:spcAft>
+                <a:spcPts val="800"/>
+              </a:spcAft>
+              <a:buClrTx/>
+              <a:buSzTx/>
+              <a:buFont typeface="Arial" panose="020B0604020202020204" pitchFamily="34" charset="0"/>
+              <a:defRPr/>
+            </a:pPr>
+            <a:r>
+              <a:rPr kumimoji="0" lang="zh-CN" altLang="en-US" sz="1800" b="0" i="0" spc="50" baseline="0" noProof="0" dirty="0">
+                <a:ln w="3175">
+                  <a:noFill/>
+                  <a:prstDash val="dash"/>
+                </a:ln>
+                <a:solidFill>
+                  <a:sysClr val="windowText" lastClr="000000">
+                    <a:lumMod val="65000"/>
+                    <a:lumOff val="35000"/>
+                  </a:sysClr>
+                </a:solidFill>
+                <a:effectLst/>
+                <a:uLnTx/>
+                <a:uFillTx/>
+                <a:latin typeface="Arial" panose="020B0604020202020204" pitchFamily="34" charset="0"/>
+                <a:ea typeface="微软雅黑 Light" panose="020B0502040204020203" pitchFamily="34" charset="-122"/>
+                <a:cs typeface="微软雅黑" panose="020B0503020204020204" charset="-122"/>
+              </a:rPr>
+              <a:t>RetryRule，默认用RoundRobinRule策略选取服务；</a:t>
+            </a:r>
+            <a:endParaRPr kumimoji="0" lang="zh-CN" altLang="en-US" sz="1800" b="0" i="0" spc="50" baseline="0" noProof="0" dirty="0">
+              <a:ln w="3175">
+                <a:noFill/>
+                <a:prstDash val="dash"/>
+              </a:ln>
+              <a:solidFill>
+                <a:sysClr val="windowText" lastClr="000000">
+                  <a:lumMod val="65000"/>
+                  <a:lumOff val="35000"/>
+                </a:sysClr>
+              </a:solidFill>
+              <a:effectLst/>
+              <a:uLnTx/>
+              <a:uFillTx/>
+              <a:latin typeface="Arial" panose="020B0604020202020204" pitchFamily="34" charset="0"/>
+              <a:ea typeface="微软雅黑 Light" panose="020B0502040204020203" pitchFamily="34" charset="-122"/>
+              <a:cs typeface="微软雅黑" panose="020B0503020204020204" charset="-122"/>
+            </a:endParaRPr>
+          </a:p>
+          <a:p>
+            <a:pPr marR="0" lvl="0" indent="0" algn="just" defTabSz="914400" rtl="0" eaLnBrk="1" fontAlgn="auto" latinLnBrk="0" hangingPunct="1">
+              <a:lnSpc>
+                <a:spcPct val="130000"/>
+              </a:lnSpc>
+              <a:spcBef>
+                <a:spcPts val="0"/>
+              </a:spcBef>
+              <a:spcAft>
+                <a:spcPts val="800"/>
+              </a:spcAft>
+              <a:buClrTx/>
+              <a:buSzTx/>
+              <a:buFont typeface="Arial" panose="020B0604020202020204" pitchFamily="34" charset="0"/>
+              <a:defRPr/>
+            </a:pPr>
+            <a:r>
+              <a:rPr kumimoji="0" lang="zh-CN" altLang="en-US" sz="1800" b="0" i="0" spc="50" baseline="0" noProof="0" dirty="0">
+                <a:ln w="3175">
+                  <a:noFill/>
+                  <a:prstDash val="dash"/>
+                </a:ln>
+                <a:solidFill>
+                  <a:sysClr val="windowText" lastClr="000000">
+                    <a:lumMod val="65000"/>
+                    <a:lumOff val="35000"/>
+                  </a:sysClr>
+                </a:solidFill>
+                <a:effectLst/>
+                <a:uLnTx/>
+                <a:uFillTx/>
+                <a:latin typeface="Arial" panose="020B0604020202020204" pitchFamily="34" charset="0"/>
+                <a:ea typeface="微软雅黑 Light" panose="020B0502040204020203" pitchFamily="34" charset="-122"/>
+                <a:cs typeface="微软雅黑" panose="020B0503020204020204" charset="-122"/>
+              </a:rPr>
+              <a:t>WeightedResponseTimeRule，响应时间作为选取权重，响应时间越短的服务被选中的可能性大；</a:t>
+            </a:r>
+            <a:endParaRPr kumimoji="0" lang="zh-CN" altLang="en-US" sz="1800" b="0" i="0" spc="50" baseline="0" noProof="0" dirty="0">
+              <a:ln w="3175">
+                <a:noFill/>
+                <a:prstDash val="dash"/>
+              </a:ln>
+              <a:solidFill>
+                <a:sysClr val="windowText" lastClr="000000">
+                  <a:lumMod val="65000"/>
+                  <a:lumOff val="35000"/>
+                </a:sysClr>
+              </a:solidFill>
+              <a:effectLst/>
+              <a:uLnTx/>
+              <a:uFillTx/>
+              <a:latin typeface="Arial" panose="020B0604020202020204" pitchFamily="34" charset="0"/>
+              <a:ea typeface="微软雅黑 Light" panose="020B0502040204020203" pitchFamily="34" charset="-122"/>
+              <a:cs typeface="微软雅黑" panose="020B0503020204020204" charset="-122"/>
+            </a:endParaRPr>
+          </a:p>
+          <a:p>
+            <a:pPr marR="0" lvl="0" indent="0" algn="just" defTabSz="914400" rtl="0" eaLnBrk="1" fontAlgn="auto" latinLnBrk="0" hangingPunct="1">
+              <a:lnSpc>
+                <a:spcPct val="130000"/>
+              </a:lnSpc>
+              <a:spcBef>
+                <a:spcPts val="0"/>
+              </a:spcBef>
+              <a:spcAft>
+                <a:spcPts val="800"/>
+              </a:spcAft>
+              <a:buClrTx/>
+              <a:buSzTx/>
+              <a:buFont typeface="Arial" panose="020B0604020202020204" pitchFamily="34" charset="0"/>
+              <a:defRPr/>
+            </a:pPr>
+            <a:r>
+              <a:rPr kumimoji="0" lang="zh-CN" altLang="en-US" sz="1800" b="0" i="0" spc="50" baseline="0" noProof="0" dirty="0">
+                <a:ln w="3175">
+                  <a:noFill/>
+                  <a:prstDash val="dash"/>
+                </a:ln>
+                <a:solidFill>
+                  <a:sysClr val="windowText" lastClr="000000">
+                    <a:lumMod val="65000"/>
+                    <a:lumOff val="35000"/>
+                  </a:sysClr>
+                </a:solidFill>
+                <a:effectLst/>
+                <a:uLnTx/>
+                <a:uFillTx/>
+                <a:latin typeface="Arial" panose="020B0604020202020204" pitchFamily="34" charset="0"/>
+                <a:ea typeface="微软雅黑 Light" panose="020B0502040204020203" pitchFamily="34" charset="-122"/>
+                <a:cs typeface="微软雅黑" panose="020B0503020204020204" charset="-122"/>
+              </a:rPr>
+              <a:t>ClientConfigEnabledRoundRobinRule，默认通过RoundRobinRule策略选取服务；</a:t>
+            </a:r>
+            <a:endParaRPr kumimoji="0" lang="zh-CN" altLang="en-US" sz="1800" b="0" i="0" spc="50" baseline="0" noProof="0" dirty="0">
+              <a:ln w="3175">
+                <a:noFill/>
+                <a:prstDash val="dash"/>
+              </a:ln>
+              <a:solidFill>
+                <a:sysClr val="windowText" lastClr="000000">
+                  <a:lumMod val="65000"/>
+                  <a:lumOff val="35000"/>
+                </a:sysClr>
+              </a:solidFill>
+              <a:effectLst/>
+              <a:uLnTx/>
+              <a:uFillTx/>
+              <a:latin typeface="Arial" panose="020B0604020202020204" pitchFamily="34" charset="0"/>
+              <a:ea typeface="微软雅黑 Light" panose="020B0502040204020203" pitchFamily="34" charset="-122"/>
+              <a:cs typeface="微软雅黑" panose="020B0503020204020204" charset="-122"/>
+            </a:endParaRPr>
+          </a:p>
+          <a:p>
+            <a:pPr marR="0" lvl="0" indent="0" algn="just" defTabSz="914400" rtl="0" eaLnBrk="1" fontAlgn="auto" latinLnBrk="0" hangingPunct="1">
+              <a:lnSpc>
+                <a:spcPct val="130000"/>
+              </a:lnSpc>
+              <a:spcBef>
+                <a:spcPts val="0"/>
+              </a:spcBef>
+              <a:spcAft>
+                <a:spcPts val="800"/>
+              </a:spcAft>
+              <a:buClrTx/>
+              <a:buSzTx/>
+              <a:buFont typeface="Arial" panose="020B0604020202020204" pitchFamily="34" charset="0"/>
+              <a:defRPr/>
+            </a:pPr>
+            <a:r>
+              <a:rPr kumimoji="0" lang="zh-CN" altLang="en-US" sz="1800" b="0" i="0" spc="50" baseline="0" noProof="0" dirty="0">
+                <a:ln w="3175">
+                  <a:noFill/>
+                  <a:prstDash val="dash"/>
+                </a:ln>
+                <a:solidFill>
+                  <a:sysClr val="windowText" lastClr="000000">
+                    <a:lumMod val="65000"/>
+                    <a:lumOff val="35000"/>
+                  </a:sysClr>
+                </a:solidFill>
+                <a:effectLst/>
+                <a:uLnTx/>
+                <a:uFillTx/>
+                <a:latin typeface="Arial" panose="020B0604020202020204" pitchFamily="34" charset="0"/>
+                <a:ea typeface="微软雅黑 Light" panose="020B0502040204020203" pitchFamily="34" charset="-122"/>
+                <a:cs typeface="微软雅黑" panose="020B0503020204020204" charset="-122"/>
+              </a:rPr>
+              <a:t>BestAvailableRule，从所有没有断开的服务中，找到到目前为止，请求数量最小的服务；</a:t>
+            </a:r>
+            <a:endParaRPr kumimoji="0" lang="zh-CN" altLang="en-US" sz="1800" b="0" i="0" spc="50" baseline="0" noProof="0" dirty="0">
+              <a:ln w="3175">
+                <a:noFill/>
+                <a:prstDash val="dash"/>
+              </a:ln>
+              <a:solidFill>
+                <a:sysClr val="windowText" lastClr="000000">
+                  <a:lumMod val="65000"/>
+                  <a:lumOff val="35000"/>
+                </a:sysClr>
+              </a:solidFill>
+              <a:effectLst/>
+              <a:uLnTx/>
+              <a:uFillTx/>
+              <a:latin typeface="Arial" panose="020B0604020202020204" pitchFamily="34" charset="0"/>
+              <a:ea typeface="微软雅黑 Light" panose="020B0502040204020203" pitchFamily="34" charset="-122"/>
+              <a:cs typeface="微软雅黑" panose="020B0503020204020204" charset="-122"/>
+            </a:endParaRPr>
+          </a:p>
+          <a:p>
+            <a:pPr marR="0" lvl="0" indent="0" algn="just" defTabSz="914400" rtl="0" eaLnBrk="1" fontAlgn="auto" latinLnBrk="0" hangingPunct="1">
+              <a:lnSpc>
+                <a:spcPct val="130000"/>
+              </a:lnSpc>
+              <a:spcBef>
+                <a:spcPts val="0"/>
+              </a:spcBef>
+              <a:spcAft>
+                <a:spcPts val="800"/>
+              </a:spcAft>
+              <a:buClrTx/>
+              <a:buSzTx/>
+              <a:buFont typeface="Arial" panose="020B0604020202020204" pitchFamily="34" charset="0"/>
+              <a:defRPr/>
+            </a:pPr>
+            <a:r>
+              <a:rPr kumimoji="0" lang="zh-CN" altLang="en-US" sz="1800" b="0" i="0" spc="50" baseline="0" noProof="0" dirty="0">
+                <a:ln w="3175">
+                  <a:noFill/>
+                  <a:prstDash val="dash"/>
+                </a:ln>
+                <a:solidFill>
+                  <a:sysClr val="windowText" lastClr="000000">
+                    <a:lumMod val="65000"/>
+                    <a:lumOff val="35000"/>
+                  </a:sysClr>
+                </a:solidFill>
+                <a:effectLst/>
+                <a:uLnTx/>
+                <a:uFillTx/>
+                <a:latin typeface="Arial" panose="020B0604020202020204" pitchFamily="34" charset="0"/>
+                <a:ea typeface="微软雅黑 Light" panose="020B0502040204020203" pitchFamily="34" charset="-122"/>
+                <a:cs typeface="微软雅黑" panose="020B0503020204020204" charset="-122"/>
+              </a:rPr>
+              <a:t>PredicateBasedRule，抽象类，提供choose模板，通过调用AbstractServerPredicate实现类的过滤方法来过滤出目标的服务，再通过轮询方法选出一个服务；</a:t>
+            </a:r>
+            <a:endParaRPr kumimoji="0" lang="zh-CN" altLang="en-US" sz="1800" b="0" i="0" spc="50" baseline="0" noProof="0" dirty="0">
+              <a:ln w="3175">
+                <a:noFill/>
+                <a:prstDash val="dash"/>
+              </a:ln>
+              <a:solidFill>
+                <a:sysClr val="windowText" lastClr="000000">
+                  <a:lumMod val="65000"/>
+                  <a:lumOff val="35000"/>
+                </a:sysClr>
+              </a:solidFill>
+              <a:effectLst/>
+              <a:uLnTx/>
+              <a:uFillTx/>
+              <a:latin typeface="Arial" panose="020B0604020202020204" pitchFamily="34" charset="0"/>
+              <a:ea typeface="微软雅黑 Light" panose="020B0502040204020203" pitchFamily="34" charset="-122"/>
+              <a:cs typeface="微软雅黑" panose="020B0503020204020204" charset="-122"/>
+            </a:endParaRPr>
+          </a:p>
+          <a:p>
+            <a:pPr marR="0" lvl="0" indent="0" algn="just" defTabSz="914400" rtl="0" eaLnBrk="1" fontAlgn="auto" latinLnBrk="0" hangingPunct="1">
+              <a:lnSpc>
+                <a:spcPct val="130000"/>
+              </a:lnSpc>
+              <a:spcBef>
+                <a:spcPts val="0"/>
+              </a:spcBef>
+              <a:spcAft>
+                <a:spcPts val="800"/>
+              </a:spcAft>
+              <a:buClrTx/>
+              <a:buSzTx/>
+              <a:buFont typeface="Arial" panose="020B0604020202020204" pitchFamily="34" charset="0"/>
+              <a:defRPr/>
+            </a:pPr>
+            <a:r>
+              <a:rPr kumimoji="0" lang="zh-CN" altLang="en-US" sz="1800" b="0" i="0" spc="50" baseline="0" noProof="0" dirty="0">
+                <a:ln w="3175">
+                  <a:noFill/>
+                  <a:prstDash val="dash"/>
+                </a:ln>
+                <a:solidFill>
+                  <a:sysClr val="windowText" lastClr="000000">
+                    <a:lumMod val="65000"/>
+                    <a:lumOff val="35000"/>
+                  </a:sysClr>
+                </a:solidFill>
+                <a:effectLst/>
+                <a:uLnTx/>
+                <a:uFillTx/>
+                <a:latin typeface="Arial" panose="020B0604020202020204" pitchFamily="34" charset="0"/>
+                <a:ea typeface="微软雅黑 Light" panose="020B0502040204020203" pitchFamily="34" charset="-122"/>
+                <a:cs typeface="微软雅黑" panose="020B0503020204020204" charset="-122"/>
+              </a:rPr>
+              <a:t>AvailabilityFilteringRule，按可用性进行过滤服务，先用线性轮询策略选出一个服务，通过predicate对象判断是否符合可用性要求，符合的就作为目标服务，先选择后过滤；</a:t>
+            </a:r>
+            <a:endParaRPr kumimoji="0" lang="zh-CN" altLang="en-US" sz="1800" b="0" i="0" spc="50" baseline="0" noProof="0" dirty="0">
+              <a:ln w="3175">
+                <a:noFill/>
+                <a:prstDash val="dash"/>
+              </a:ln>
+              <a:solidFill>
+                <a:sysClr val="windowText" lastClr="000000">
+                  <a:lumMod val="65000"/>
+                  <a:lumOff val="35000"/>
+                </a:sysClr>
+              </a:solidFill>
+              <a:effectLst/>
+              <a:uLnTx/>
+              <a:uFillTx/>
+              <a:latin typeface="Arial" panose="020B0604020202020204" pitchFamily="34" charset="0"/>
+              <a:ea typeface="微软雅黑 Light" panose="020B0502040204020203" pitchFamily="34" charset="-122"/>
+              <a:cs typeface="微软雅黑" panose="020B0503020204020204" charset="-122"/>
+            </a:endParaRPr>
+          </a:p>
+          <a:p>
+            <a:pPr marR="0" lvl="0" indent="0" algn="just" defTabSz="914400" rtl="0" eaLnBrk="1" fontAlgn="auto" latinLnBrk="0" hangingPunct="1">
+              <a:lnSpc>
+                <a:spcPct val="130000"/>
+              </a:lnSpc>
+              <a:spcBef>
+                <a:spcPts val="0"/>
+              </a:spcBef>
+              <a:spcAft>
+                <a:spcPts val="800"/>
+              </a:spcAft>
+              <a:buClrTx/>
+              <a:buSzTx/>
+              <a:buFont typeface="Arial" panose="020B0604020202020204" pitchFamily="34" charset="0"/>
+              <a:defRPr/>
+            </a:pPr>
+            <a:r>
+              <a:rPr kumimoji="0" lang="zh-CN" altLang="en-US" sz="1800" b="0" i="0" spc="50" baseline="0" noProof="0" dirty="0">
+                <a:ln w="3175">
+                  <a:noFill/>
+                  <a:prstDash val="dash"/>
+                </a:ln>
+                <a:solidFill>
+                  <a:sysClr val="windowText" lastClr="000000">
+                    <a:lumMod val="65000"/>
+                    <a:lumOff val="35000"/>
+                  </a:sysClr>
+                </a:solidFill>
+                <a:effectLst/>
+                <a:uLnTx/>
+                <a:uFillTx/>
+                <a:latin typeface="Arial" panose="020B0604020202020204" pitchFamily="34" charset="0"/>
+                <a:ea typeface="微软雅黑 Light" panose="020B0502040204020203" pitchFamily="34" charset="-122"/>
+                <a:cs typeface="微软雅黑" panose="020B0503020204020204" charset="-122"/>
+              </a:rPr>
+              <a:t>ZoneAvoidanceRule，获取可用区域，判断服务是否在可用区中。</a:t>
+            </a:r>
+            <a:endParaRPr kumimoji="0" lang="zh-CN" altLang="en-US" sz="1800" b="0" i="0" spc="50" baseline="0" noProof="0" dirty="0">
+              <a:ln w="3175">
+                <a:noFill/>
+                <a:prstDash val="dash"/>
+              </a:ln>
+              <a:solidFill>
+                <a:sysClr val="windowText" lastClr="000000">
+                  <a:lumMod val="65000"/>
+                  <a:lumOff val="35000"/>
+                </a:sysClr>
+              </a:solidFill>
+              <a:effectLst/>
+              <a:uLnTx/>
+              <a:uFillTx/>
+              <a:latin typeface="Arial" panose="020B0604020202020204" pitchFamily="34" charset="0"/>
+              <a:ea typeface="微软雅黑 Light" panose="020B0502040204020203" pitchFamily="34" charset="-122"/>
+              <a:cs typeface="微软雅黑" panose="020B0503020204020204" charset="-122"/>
+            </a:endParaRPr>
+          </a:p>
+        </p:txBody>
+      </p:sp>
+      <p:sp>
+        <p:nvSpPr>
+          <p:cNvPr id="4" name="Title 6"/>
+          <p:cNvSpPr txBox="1"/>
+          <p:nvPr>
+            <p:custDataLst>
+              <p:tags r:id="rId2"/>
+            </p:custDataLst>
+          </p:nvPr>
+        </p:nvSpPr>
+        <p:spPr>
+          <a:xfrm>
+            <a:off x="608330" y="179705"/>
+            <a:ext cx="10975340" cy="677545"/>
+          </a:xfrm>
+          <a:prstGeom prst="rect">
+            <a:avLst/>
+          </a:prstGeom>
+          <a:noFill/>
+          <a:ln w="3175">
+            <a:noFill/>
+            <a:prstDash val="sysDash"/>
+          </a:ln>
+        </p:spPr>
+        <p:txBody>
+          <a:bodyPr wrap="square" lIns="72000" tIns="36000" rIns="72000" bIns="108000" anchor="ctr" anchorCtr="0">
+            <a:noAutofit/>
+          </a:bodyPr>
+          <a:lstStyle>
+            <a:lvl1pPr algn="l" defTabSz="913765" rtl="0" eaLnBrk="1" latinLnBrk="0" hangingPunct="1">
+              <a:lnSpc>
+                <a:spcPct val="90000"/>
+              </a:lnSpc>
+              <a:spcBef>
+                <a:spcPct val="0"/>
+              </a:spcBef>
+              <a:buNone/>
+              <a:defRPr lang="en-US" sz="2745" b="0" kern="1200" cap="none" spc="-49" baseline="0" dirty="0" smtClean="0">
+                <a:ln w="3175">
+                  <a:noFill/>
+                </a:ln>
+                <a:solidFill>
+                  <a:sysClr val="windowText" lastClr="000000"/>
+                </a:solidFill>
+                <a:effectLst/>
+                <a:latin typeface="Arial" panose="020B0604020202020204" pitchFamily="34" charset="0"/>
+                <a:ea typeface="微软雅黑" panose="020B0503020204020204" charset="-122"/>
+                <a:cs typeface="Segoe UI" panose="020B0502040204020203" pitchFamily="34" charset="0"/>
+              </a:defRPr>
+            </a:lvl1pPr>
+          </a:lstStyle>
+          <a:p>
+            <a:pPr marL="0" marR="0" lvl="0" indent="0" algn="l" defTabSz="913765" rtl="0" eaLnBrk="1" fontAlgn="auto" latinLnBrk="0" hangingPunct="1">
+              <a:lnSpc>
+                <a:spcPct val="90000"/>
+              </a:lnSpc>
+              <a:spcBef>
+                <a:spcPct val="0"/>
+              </a:spcBef>
+              <a:spcAft>
+                <a:spcPts val="800"/>
+              </a:spcAft>
+              <a:buClrTx/>
+              <a:buSzTx/>
+              <a:buFontTx/>
+              <a:buNone/>
+              <a:defRPr/>
+            </a:pPr>
+            <a:r>
+              <a:rPr lang="zh-CN" altLang="en-US" sz="2400">
+                <a:latin typeface="微软雅黑" panose="020B0503020204020204" charset="-122"/>
+                <a:sym typeface="+mn-ea"/>
+              </a:rPr>
+              <a:t>R</a:t>
+            </a:r>
+            <a:r>
+              <a:rPr altLang="zh-CN" sz="2400">
+                <a:latin typeface="微软雅黑" panose="020B0503020204020204" charset="-122"/>
+                <a:sym typeface="+mn-ea"/>
+              </a:rPr>
+              <a:t>ibbon</a:t>
+            </a:r>
+            <a:r>
+              <a:rPr lang="zh-CN" altLang="en-US" sz="2400">
+                <a:latin typeface="微软雅黑" panose="020B0503020204020204" charset="-122"/>
+                <a:sym typeface="+mn-ea"/>
+              </a:rPr>
+              <a:t>负载均衡策略</a:t>
+            </a:r>
+            <a:endParaRPr kumimoji="0" lang="zh-CN" altLang="en-US" sz="2400" b="1" i="0" spc="300" baseline="0" noProof="0" dirty="0">
+              <a:ln w="3175">
+                <a:noFill/>
+                <a:prstDash val="dash"/>
+              </a:ln>
+              <a:solidFill>
+                <a:sysClr val="windowText" lastClr="000000">
+                  <a:lumMod val="75000"/>
+                  <a:lumOff val="25000"/>
+                </a:sysClr>
+              </a:solidFill>
+              <a:effectLst/>
+              <a:uLnTx/>
+              <a:uFillTx/>
+              <a:latin typeface="微软雅黑" panose="020B0503020204020204" charset="-122"/>
+              <a:ea typeface="微软雅黑" panose="020B0503020204020204" charset="-122"/>
+              <a:cs typeface="微软雅黑" panose="020B0503020204020204" charset="-122"/>
+              <a:sym typeface="+mn-ea"/>
+            </a:endParaRPr>
+          </a:p>
+        </p:txBody>
+      </p:sp>
+    </p:spTree>
+    <p:custDataLst>
+      <p:tags r:id="rId3"/>
+    </p:custDataLst>
+  </p:cSld>
+  <p:clrMapOvr>
+    <a:masterClrMapping/>
+  </p:clrMapOvr>
+  <mc:AlternateContent xmlns:mc="http://schemas.openxmlformats.org/markup-compatibility/2006">
+    <mc:Choice xmlns:p14="http://schemas.microsoft.com/office/powerpoint/2010/main" Requires="p14">
+      <p:transition p14:dur="500"/>
+    </mc:Choice>
+    <mc:Fallback>
+      <p:transition/>
+    </mc:Fallback>
+  </mc:AlternateContent>
+</p:sld>
+</file>
+
+<file path=ppt/slides/slide6.xml><?xml version="1.0" encoding="utf-8"?>
+<p:sld xmlns:a="http://schemas.openxmlformats.org/drawingml/2006/main" xmlns:r="http://schemas.openxmlformats.org/officeDocument/2006/relationships" xmlns:p="http://schemas.openxmlformats.org/presentationml/2006/main">
+  <p:cSld>
+    <p:spTree>
+      <p:nvGrpSpPr>
+        <p:cNvPr id="1" name=""/>
+        <p:cNvGrpSpPr/>
+        <p:nvPr/>
+      </p:nvGrpSpPr>
+      <p:grpSpPr/>
+      <p:sp>
+        <p:nvSpPr>
+          <p:cNvPr id="8" name="Title 6"/>
+          <p:cNvSpPr txBox="1"/>
+          <p:nvPr>
+            <p:custDataLst>
+              <p:tags r:id="rId1"/>
+            </p:custDataLst>
+          </p:nvPr>
+        </p:nvSpPr>
+        <p:spPr>
+          <a:xfrm>
+            <a:off x="608330" y="612140"/>
+            <a:ext cx="10975340" cy="6091555"/>
+          </a:xfrm>
+          <a:prstGeom prst="rect">
+            <a:avLst/>
+          </a:prstGeom>
+          <a:noFill/>
+          <a:ln w="3175">
+            <a:noFill/>
+            <a:prstDash val="sysDash"/>
+          </a:ln>
+        </p:spPr>
+        <p:txBody>
+          <a:bodyPr wrap="square" lIns="72000" tIns="36000" rIns="72000" bIns="36000" anchor="t" anchorCtr="0">
+            <a:noAutofit/>
+          </a:bodyPr>
+          <a:lstStyle>
+            <a:lvl1pPr algn="l" defTabSz="913765" rtl="0" eaLnBrk="1" latinLnBrk="0" hangingPunct="1">
+              <a:lnSpc>
+                <a:spcPct val="90000"/>
+              </a:lnSpc>
+              <a:spcBef>
+                <a:spcPct val="0"/>
+              </a:spcBef>
+              <a:buNone/>
+              <a:defRPr lang="en-US" sz="2745" b="0" kern="1200" cap="none" spc="-49" baseline="0" dirty="0" smtClean="0">
+                <a:ln w="3175">
+                  <a:noFill/>
+                </a:ln>
+                <a:solidFill>
+                  <a:sysClr val="windowText" lastClr="000000"/>
+                </a:solidFill>
+                <a:effectLst/>
+                <a:latin typeface="Arial" panose="020B0604020202020204" pitchFamily="34" charset="0"/>
+                <a:ea typeface="微软雅黑" panose="020B0503020204020204" charset="-122"/>
+                <a:cs typeface="Segoe UI" panose="020B0502040204020203" pitchFamily="34" charset="0"/>
+              </a:defRPr>
+            </a:lvl1pPr>
+          </a:lstStyle>
+          <a:p>
+            <a:pPr marR="0" lvl="0" indent="0" algn="just" defTabSz="914400" rtl="0" eaLnBrk="1" fontAlgn="auto" latinLnBrk="0" hangingPunct="1">
+              <a:lnSpc>
+                <a:spcPct val="130000"/>
+              </a:lnSpc>
+              <a:spcBef>
+                <a:spcPts val="0"/>
+              </a:spcBef>
+              <a:spcAft>
+                <a:spcPts val="800"/>
+              </a:spcAft>
+              <a:buClrTx/>
+              <a:buSzTx/>
+              <a:buFont typeface="Arial" panose="020B0604020202020204" pitchFamily="34" charset="0"/>
+              <a:defRPr/>
+            </a:pPr>
+            <a:r>
+              <a:rPr kumimoji="0" lang="zh-CN" altLang="en-US" sz="1800" b="0" i="0" spc="50" baseline="0" noProof="0" dirty="0">
+                <a:ln w="3175">
+                  <a:noFill/>
+                  <a:prstDash val="dash"/>
+                </a:ln>
+                <a:solidFill>
+                  <a:sysClr val="windowText" lastClr="000000">
+                    <a:lumMod val="65000"/>
+                    <a:lumOff val="35000"/>
+                  </a:sysClr>
+                </a:solidFill>
+                <a:effectLst/>
+                <a:uLnTx/>
+                <a:uFillTx/>
+                <a:latin typeface="Arial" panose="020B0604020202020204" pitchFamily="34" charset="0"/>
+                <a:ea typeface="微软雅黑 Light" panose="020B0502040204020203" pitchFamily="34" charset="-122"/>
+                <a:cs typeface="微软雅黑" panose="020B0503020204020204" charset="-122"/>
+              </a:rPr>
+              <a:t>点击输入正文</a:t>
+            </a:r>
+            <a:endParaRPr kumimoji="0" lang="zh-CN" altLang="en-US" sz="1800" b="0" i="0" spc="50" baseline="0" noProof="0" dirty="0">
+              <a:ln w="3175">
+                <a:noFill/>
+                <a:prstDash val="dash"/>
+              </a:ln>
+              <a:solidFill>
+                <a:sysClr val="windowText" lastClr="000000">
+                  <a:lumMod val="65000"/>
+                  <a:lumOff val="35000"/>
+                </a:sysClr>
+              </a:solidFill>
+              <a:effectLst/>
+              <a:uLnTx/>
+              <a:uFillTx/>
+              <a:latin typeface="Arial" panose="020B0604020202020204" pitchFamily="34" charset="0"/>
+              <a:ea typeface="微软雅黑 Light" panose="020B0502040204020203" pitchFamily="34" charset="-122"/>
+              <a:cs typeface="微软雅黑" panose="020B0503020204020204" charset="-122"/>
+            </a:endParaRPr>
+          </a:p>
+        </p:txBody>
+      </p:sp>
+      <p:sp>
+        <p:nvSpPr>
+          <p:cNvPr id="4" name="Title 6"/>
+          <p:cNvSpPr txBox="1"/>
+          <p:nvPr>
+            <p:custDataLst>
+              <p:tags r:id="rId2"/>
+            </p:custDataLst>
+          </p:nvPr>
+        </p:nvSpPr>
+        <p:spPr>
+          <a:xfrm>
+            <a:off x="608330" y="179705"/>
+            <a:ext cx="10975340" cy="677545"/>
+          </a:xfrm>
+          <a:prstGeom prst="rect">
+            <a:avLst/>
+          </a:prstGeom>
+          <a:noFill/>
+          <a:ln w="3175">
+            <a:noFill/>
+            <a:prstDash val="sysDash"/>
+          </a:ln>
+        </p:spPr>
+        <p:txBody>
+          <a:bodyPr wrap="square" lIns="72000" tIns="36000" rIns="72000" bIns="108000" anchor="ctr" anchorCtr="0">
+            <a:noAutofit/>
+          </a:bodyPr>
+          <a:lstStyle>
+            <a:lvl1pPr algn="l" defTabSz="913765" rtl="0" eaLnBrk="1" latinLnBrk="0" hangingPunct="1">
+              <a:lnSpc>
+                <a:spcPct val="90000"/>
+              </a:lnSpc>
+              <a:spcBef>
+                <a:spcPct val="0"/>
+              </a:spcBef>
+              <a:buNone/>
+              <a:defRPr lang="en-US" sz="2745" b="0" kern="1200" cap="none" spc="-49" baseline="0" dirty="0" smtClean="0">
+                <a:ln w="3175">
+                  <a:noFill/>
+                </a:ln>
+                <a:solidFill>
+                  <a:sysClr val="windowText" lastClr="000000"/>
+                </a:solidFill>
+                <a:effectLst/>
+                <a:latin typeface="Arial" panose="020B0604020202020204" pitchFamily="34" charset="0"/>
+                <a:ea typeface="微软雅黑" panose="020B0503020204020204" charset="-122"/>
+                <a:cs typeface="Segoe UI" panose="020B0502040204020203" pitchFamily="34" charset="0"/>
+              </a:defRPr>
+            </a:lvl1pPr>
+          </a:lstStyle>
+          <a:p>
+            <a:pPr marL="0" marR="0" lvl="0" indent="0" algn="l" defTabSz="913765" rtl="0" eaLnBrk="1" fontAlgn="auto" latinLnBrk="0" hangingPunct="1">
+              <a:lnSpc>
+                <a:spcPct val="90000"/>
+              </a:lnSpc>
+              <a:spcBef>
+                <a:spcPct val="0"/>
+              </a:spcBef>
+              <a:spcAft>
+                <a:spcPts val="800"/>
+              </a:spcAft>
+              <a:buClrTx/>
+              <a:buSzTx/>
+              <a:buFontTx/>
+              <a:buNone/>
+              <a:defRPr/>
+            </a:pPr>
+            <a:r>
+              <a:rPr kumimoji="0" lang="zh-CN" altLang="en-US" sz="2400" b="1" i="0" spc="300" baseline="0" noProof="0" dirty="0">
+                <a:ln w="3175">
+                  <a:noFill/>
+                  <a:prstDash val="dash"/>
+                </a:ln>
+                <a:solidFill>
+                  <a:sysClr val="windowText" lastClr="000000">
+                    <a:lumMod val="75000"/>
+                    <a:lumOff val="25000"/>
+                  </a:sysClr>
+                </a:solidFill>
+                <a:effectLst/>
+                <a:uLnTx/>
+                <a:uFillTx/>
+                <a:latin typeface="微软雅黑" panose="020B0503020204020204" charset="-122"/>
+                <a:ea typeface="微软雅黑" panose="020B0503020204020204" charset="-122"/>
+                <a:cs typeface="微软雅黑" panose="020B0503020204020204" charset="-122"/>
+                <a:sym typeface="+mn-ea"/>
+              </a:rPr>
+              <a:t>点击输入大标题</a:t>
+            </a:r>
+            <a:endParaRPr kumimoji="0" lang="zh-CN" altLang="en-US" sz="2400" b="1" i="0" spc="300" baseline="0" noProof="0" dirty="0">
+              <a:ln w="3175">
+                <a:noFill/>
+                <a:prstDash val="dash"/>
+              </a:ln>
+              <a:solidFill>
+                <a:sysClr val="windowText" lastClr="000000">
+                  <a:lumMod val="75000"/>
+                  <a:lumOff val="25000"/>
+                </a:sysClr>
+              </a:solidFill>
+              <a:effectLst/>
+              <a:uLnTx/>
+              <a:uFillTx/>
+              <a:latin typeface="微软雅黑" panose="020B0503020204020204" charset="-122"/>
+              <a:ea typeface="微软雅黑" panose="020B0503020204020204" charset="-122"/>
+              <a:cs typeface="微软雅黑" panose="020B0503020204020204" charset="-122"/>
+              <a:sym typeface="+mn-ea"/>
+            </a:endParaRPr>
+          </a:p>
+        </p:txBody>
+      </p:sp>
+      <p:pic>
+        <p:nvPicPr>
+          <p:cNvPr id="2" name="图片 1"/>
+          <p:cNvPicPr>
+            <a:picLocks noChangeAspect="1"/>
+          </p:cNvPicPr>
+          <p:nvPr>
+            <p:custDataLst>
+              <p:tags r:id="rId3"/>
+            </p:custDataLst>
+          </p:nvPr>
+        </p:nvPicPr>
+        <p:blipFill>
+          <a:blip r:embed="rId4"/>
+          <a:stretch>
+            <a:fillRect/>
+          </a:stretch>
+        </p:blipFill>
+        <p:spPr>
+          <a:xfrm>
+            <a:off x="693420" y="82550"/>
+            <a:ext cx="10444480" cy="6693535"/>
+          </a:xfrm>
+          <a:prstGeom prst="rect">
+            <a:avLst/>
+          </a:prstGeom>
+        </p:spPr>
+      </p:pic>
+    </p:spTree>
+    <p:custDataLst>
+      <p:tags r:id="rId5"/>
+    </p:custDataLst>
+  </p:cSld>
+  <p:clrMapOvr>
+    <a:masterClrMapping/>
+  </p:clrMapOvr>
+  <mc:AlternateContent xmlns:mc="http://schemas.openxmlformats.org/markup-compatibility/2006">
+    <mc:Choice xmlns:p14="http://schemas.microsoft.com/office/powerpoint/2010/main" Requires="p14">
+      <p:transition p14:dur="500"/>
+    </mc:Choice>
+    <mc:Fallback>
+      <p:transition/>
+    </mc:Fallback>
+  </mc:AlternateContent>
+</p:sld>
+</file>
+
+<file path=ppt/slides/slide7.xml><?xml version="1.0" encoding="utf-8"?>
+<p:sld xmlns:a="http://schemas.openxmlformats.org/drawingml/2006/main" xmlns:r="http://schemas.openxmlformats.org/officeDocument/2006/relationships" xmlns:p="http://schemas.openxmlformats.org/presentationml/2006/main">
+  <p:cSld>
+    <p:spTree>
+      <p:nvGrpSpPr>
+        <p:cNvPr id="1" name=""/>
+        <p:cNvGrpSpPr/>
+        <p:nvPr/>
+      </p:nvGrpSpPr>
+      <p:grpSpPr/>
+      <p:sp>
+        <p:nvSpPr>
+          <p:cNvPr id="8" name="Title 6"/>
+          <p:cNvSpPr txBox="1"/>
+          <p:nvPr>
+            <p:custDataLst>
+              <p:tags r:id="rId1"/>
+            </p:custDataLst>
+          </p:nvPr>
+        </p:nvSpPr>
+        <p:spPr>
+          <a:xfrm>
+            <a:off x="608330" y="612140"/>
+            <a:ext cx="10975340" cy="6091555"/>
+          </a:xfrm>
+          <a:prstGeom prst="rect">
+            <a:avLst/>
+          </a:prstGeom>
+          <a:noFill/>
+          <a:ln w="3175">
+            <a:noFill/>
+            <a:prstDash val="sysDash"/>
+          </a:ln>
+        </p:spPr>
+        <p:txBody>
+          <a:bodyPr wrap="square" lIns="72000" tIns="36000" rIns="72000" bIns="36000" anchor="t" anchorCtr="0">
+            <a:noAutofit/>
+          </a:bodyPr>
+          <a:lstStyle>
+            <a:lvl1pPr algn="l" defTabSz="913765" rtl="0" eaLnBrk="1" latinLnBrk="0" hangingPunct="1">
+              <a:lnSpc>
+                <a:spcPct val="90000"/>
+              </a:lnSpc>
+              <a:spcBef>
+                <a:spcPct val="0"/>
+              </a:spcBef>
+              <a:buNone/>
+              <a:defRPr lang="en-US" sz="2745" b="0" kern="1200" cap="none" spc="-49" baseline="0" dirty="0" smtClean="0">
+                <a:ln w="3175">
+                  <a:noFill/>
+                </a:ln>
+                <a:solidFill>
+                  <a:sysClr val="windowText" lastClr="000000"/>
+                </a:solidFill>
+                <a:effectLst/>
+                <a:latin typeface="Arial" panose="020B0604020202020204" pitchFamily="34" charset="0"/>
+                <a:ea typeface="微软雅黑" panose="020B0503020204020204" charset="-122"/>
+                <a:cs typeface="Segoe UI" panose="020B0502040204020203" pitchFamily="34" charset="0"/>
+              </a:defRPr>
+            </a:lvl1pPr>
+          </a:lstStyle>
+          <a:p>
+            <a:pPr marR="0" lvl="0" indent="0" algn="just" defTabSz="914400" rtl="0" eaLnBrk="1" fontAlgn="auto" latinLnBrk="0" hangingPunct="1">
+              <a:lnSpc>
+                <a:spcPct val="130000"/>
+              </a:lnSpc>
+              <a:spcBef>
+                <a:spcPts val="0"/>
+              </a:spcBef>
+              <a:spcAft>
+                <a:spcPts val="800"/>
+              </a:spcAft>
+              <a:buClrTx/>
+              <a:buSzTx/>
+              <a:buFont typeface="Arial" panose="020B0604020202020204" pitchFamily="34" charset="0"/>
+              <a:defRPr/>
+            </a:pPr>
+            <a:r>
+              <a:rPr kumimoji="0" lang="zh-CN" altLang="en-US" sz="1800" b="0" i="0" spc="50" baseline="0" noProof="0" dirty="0">
+                <a:ln w="3175">
+                  <a:noFill/>
+                  <a:prstDash val="dash"/>
+                </a:ln>
+                <a:solidFill>
+                  <a:sysClr val="windowText" lastClr="000000">
+                    <a:lumMod val="65000"/>
+                    <a:lumOff val="35000"/>
+                  </a:sysClr>
+                </a:solidFill>
+                <a:effectLst/>
+                <a:uLnTx/>
+                <a:uFillTx/>
+                <a:latin typeface="Arial" panose="020B0604020202020204" pitchFamily="34" charset="0"/>
+                <a:ea typeface="微软雅黑 Light" panose="020B0502040204020203" pitchFamily="34" charset="-122"/>
+                <a:cs typeface="微软雅黑" panose="020B0503020204020204" charset="-122"/>
+              </a:rPr>
+              <a:t>点击输入正文</a:t>
+            </a:r>
+            <a:endParaRPr kumimoji="0" lang="zh-CN" altLang="en-US" sz="1800" b="0" i="0" spc="50" baseline="0" noProof="0" dirty="0">
+              <a:ln w="3175">
+                <a:noFill/>
+                <a:prstDash val="dash"/>
+              </a:ln>
+              <a:solidFill>
+                <a:sysClr val="windowText" lastClr="000000">
+                  <a:lumMod val="65000"/>
+                  <a:lumOff val="35000"/>
+                </a:sysClr>
+              </a:solidFill>
+              <a:effectLst/>
+              <a:uLnTx/>
+              <a:uFillTx/>
+              <a:latin typeface="Arial" panose="020B0604020202020204" pitchFamily="34" charset="0"/>
+              <a:ea typeface="微软雅黑 Light" panose="020B0502040204020203" pitchFamily="34" charset="-122"/>
+              <a:cs typeface="微软雅黑" panose="020B0503020204020204" charset="-122"/>
+            </a:endParaRPr>
+          </a:p>
+        </p:txBody>
+      </p:sp>
+      <p:sp>
+        <p:nvSpPr>
+          <p:cNvPr id="4" name="Title 6"/>
+          <p:cNvSpPr txBox="1"/>
+          <p:nvPr>
+            <p:custDataLst>
+              <p:tags r:id="rId2"/>
+            </p:custDataLst>
+          </p:nvPr>
+        </p:nvSpPr>
+        <p:spPr>
+          <a:xfrm>
+            <a:off x="608330" y="288925"/>
+            <a:ext cx="10975340" cy="677545"/>
+          </a:xfrm>
+          <a:prstGeom prst="rect">
+            <a:avLst/>
+          </a:prstGeom>
+          <a:noFill/>
+          <a:ln w="3175">
+            <a:noFill/>
+            <a:prstDash val="sysDash"/>
+          </a:ln>
+        </p:spPr>
+        <p:txBody>
+          <a:bodyPr wrap="square" lIns="72000" tIns="36000" rIns="72000" bIns="108000" anchor="ctr" anchorCtr="0">
+            <a:noAutofit/>
+          </a:bodyPr>
+          <a:lstStyle>
+            <a:lvl1pPr algn="l" defTabSz="913765" rtl="0" eaLnBrk="1" latinLnBrk="0" hangingPunct="1">
+              <a:lnSpc>
+                <a:spcPct val="90000"/>
+              </a:lnSpc>
+              <a:spcBef>
+                <a:spcPct val="0"/>
+              </a:spcBef>
+              <a:buNone/>
+              <a:defRPr lang="en-US" sz="2745" b="0" kern="1200" cap="none" spc="-49" baseline="0" dirty="0" smtClean="0">
+                <a:ln w="3175">
+                  <a:noFill/>
+                </a:ln>
+                <a:solidFill>
+                  <a:sysClr val="windowText" lastClr="000000"/>
+                </a:solidFill>
+                <a:effectLst/>
+                <a:latin typeface="Arial" panose="020B0604020202020204" pitchFamily="34" charset="0"/>
+                <a:ea typeface="微软雅黑" panose="020B0503020204020204" charset="-122"/>
+                <a:cs typeface="Segoe UI" panose="020B0502040204020203" pitchFamily="34" charset="0"/>
+              </a:defRPr>
+            </a:lvl1pPr>
+          </a:lstStyle>
+          <a:p>
+            <a:pPr marL="0" marR="0" lvl="0" indent="0" algn="l" defTabSz="913765" rtl="0" eaLnBrk="1" fontAlgn="auto" latinLnBrk="0" hangingPunct="1">
+              <a:lnSpc>
+                <a:spcPct val="90000"/>
+              </a:lnSpc>
+              <a:spcBef>
+                <a:spcPct val="0"/>
+              </a:spcBef>
+              <a:spcAft>
+                <a:spcPts val="800"/>
+              </a:spcAft>
+              <a:buClrTx/>
+              <a:buSzTx/>
+              <a:buFontTx/>
+              <a:buNone/>
+              <a:defRPr/>
+            </a:pPr>
+            <a:r>
+              <a:rPr lang="zh-CN" altLang="en-US" sz="2400">
+                <a:latin typeface="微软雅黑" panose="020B0503020204020204" charset="-122"/>
+                <a:sym typeface="+mn-ea"/>
+              </a:rPr>
+              <a:t>三、</a:t>
+            </a:r>
+            <a:r>
+              <a:rPr lang="zh-CN" altLang="en-US" sz="2400">
+                <a:latin typeface="微软雅黑" panose="020B0503020204020204" charset="-122"/>
+                <a:sym typeface="+mn-ea"/>
+              </a:rPr>
+              <a:t>分布式配置中心</a:t>
+            </a:r>
+            <a:r>
+              <a:rPr altLang="zh-CN" sz="2400">
+                <a:latin typeface="微软雅黑" panose="020B0503020204020204" charset="-122"/>
+                <a:sym typeface="+mn-ea"/>
+              </a:rPr>
+              <a:t>Config</a:t>
             </a:r>
             <a:endParaRPr lang="zh-CN" altLang="en-US" sz="2400" dirty="0">
               <a:latin typeface="微软雅黑" panose="020B0503020204020204" charset="-122"/>
@@ -5897,6 +8602,240 @@
   <p:tag name="KSO_WM_UNIT_DEFAULT_FONT" val="14;18;2"/>
   <p:tag name="KSO_WM_UNIT_BLOCK" val="0"/>
   <p:tag name="KSO_WM_UNIT_PLACING_PICTURE_MD4" val="0"/>
+</p:tagLst>
+</file>
+
+<file path=ppt/tags/tag10.xml><?xml version="1.0" encoding="utf-8"?>
+<p:tagLst xmlns:p="http://schemas.openxmlformats.org/presentationml/2006/main">
+  <p:tag name="KSO_WM_UNIT_PRESET_TEXT" val="点击输入正文"/>
+  <p:tag name="KSO_WM_UNIT_NOCLEAR" val="0"/>
+  <p:tag name="KSO_WM_UNIT_SHOW_EDIT_AREA_INDICATION" val="1"/>
+  <p:tag name="KSO_WM_UNIT_VALUE" val="564"/>
+  <p:tag name="KSO_WM_UNIT_HIGHLIGHT" val="0"/>
+  <p:tag name="KSO_WM_UNIT_COMPATIBLE" val="0"/>
+  <p:tag name="KSO_WM_UNIT_DIAGRAM_ISNUMVISUAL" val="0"/>
+  <p:tag name="KSO_WM_UNIT_DIAGRAM_ISREFERUNIT" val="0"/>
+  <p:tag name="KSO_WM_UNIT_TYPE" val="f"/>
+  <p:tag name="KSO_WM_UNIT_INDEX" val="1"/>
+  <p:tag name="KSO_WM_UNIT_ID" val="diagram20200864_1*f*1"/>
+  <p:tag name="KSO_WM_TEMPLATE_CATEGORY" val="diagram"/>
+  <p:tag name="KSO_WM_TEMPLATE_INDEX" val="20200864"/>
+  <p:tag name="KSO_WM_UNIT_LAYERLEVEL" val="1"/>
+  <p:tag name="KSO_WM_TAG_VERSION" val="1.0"/>
+  <p:tag name="KSO_WM_BEAUTIFY_FLAG" val="#wm#"/>
+  <p:tag name="KSO_WM_UNIT_DEFAULT_FONT" val="14;18;2"/>
+  <p:tag name="KSO_WM_UNIT_BLOCK" val="0"/>
+  <p:tag name="KSO_WM_UNIT_PLACING_PICTURE_MD4" val="0"/>
+</p:tagLst>
+</file>
+
+<file path=ppt/tags/tag11.xml><?xml version="1.0" encoding="utf-8"?>
+<p:tagLst xmlns:p="http://schemas.openxmlformats.org/presentationml/2006/main">
+  <p:tag name="KSO_WM_UNIT_ISCONTENTSTITLE" val="0"/>
+  <p:tag name="KSO_WM_UNIT_PRESET_TEXT" val="点击输入大标题"/>
+  <p:tag name="KSO_WM_UNIT_NOCLEAR" val="0"/>
+  <p:tag name="KSO_WM_UNIT_SHOW_EDIT_AREA_INDICATION" val="1"/>
+  <p:tag name="KSO_WM_UNIT_VALUE" val="52"/>
+  <p:tag name="KSO_WM_UNIT_HIGHLIGHT" val="0"/>
+  <p:tag name="KSO_WM_UNIT_COMPATIBLE" val="0"/>
+  <p:tag name="KSO_WM_UNIT_DIAGRAM_ISNUMVISUAL" val="0"/>
+  <p:tag name="KSO_WM_UNIT_DIAGRAM_ISREFERUNIT" val="0"/>
+  <p:tag name="KSO_WM_UNIT_TYPE" val="a"/>
+  <p:tag name="KSO_WM_UNIT_INDEX" val="1"/>
+  <p:tag name="KSO_WM_UNIT_ID" val="diagram20200864_1*a*1"/>
+  <p:tag name="KSO_WM_TEMPLATE_CATEGORY" val="diagram"/>
+  <p:tag name="KSO_WM_TEMPLATE_INDEX" val="20200864"/>
+  <p:tag name="KSO_WM_UNIT_LAYERLEVEL" val="1"/>
+  <p:tag name="KSO_WM_TAG_VERSION" val="1.0"/>
+  <p:tag name="KSO_WM_BEAUTIFY_FLAG" val="#wm#"/>
+  <p:tag name="KSO_WM_UNIT_DEFAULT_FONT" val="32;36;4"/>
+  <p:tag name="KSO_WM_UNIT_BLOCK" val="0"/>
+  <p:tag name="KSO_WM_UNIT_ISNUMDGMTITLE" val="0"/>
+  <p:tag name="KSO_WM_UNIT_PLACING_PICTURE_MD4" val="0"/>
+</p:tagLst>
+</file>
+
+<file path=ppt/tags/tag12.xml><?xml version="1.0" encoding="utf-8"?>
+<p:tagLst xmlns:p="http://schemas.openxmlformats.org/presentationml/2006/main">
+  <p:tag name="KSO_WM_SLIDE_ID" val="diagram20200864_1"/>
+  <p:tag name="KSO_WM_TEMPLATE_SUBCATEGORY" val="11"/>
+  <p:tag name="KSO_WM_SLIDE_TYPE" val="text"/>
+  <p:tag name="KSO_WM_SLIDE_SUBTYPE" val="pureTxt"/>
+  <p:tag name="KSO_WM_SLIDE_ITEM_CNT" val="0"/>
+  <p:tag name="KSO_WM_SLIDE_INDEX" val="1"/>
+  <p:tag name="KSO_WM_UNIT_SHOW_EDIT_AREA_INDICATION" val="1"/>
+  <p:tag name="KSO_WM_SLIDE_SIZE" val="864*454"/>
+  <p:tag name="KSO_WM_SLIDE_POSITION" val="47*37"/>
+  <p:tag name="KSO_WM_TAG_VERSION" val="1.0"/>
+  <p:tag name="KSO_WM_BEAUTIFY_FLAG" val="#wm#"/>
+  <p:tag name="KSO_WM_TEMPLATE_CATEGORY" val="diagram"/>
+  <p:tag name="KSO_WM_TEMPLATE_INDEX" val="20200864"/>
+  <p:tag name="KSO_WM_SLIDE_LAYOUT" val="a_f"/>
+  <p:tag name="KSO_WM_SLIDE_LAYOUT_CNT" val="1_1"/>
+  <p:tag name="KSO_WM_SLIDE_LAYOUT_INFO" val="{&quot;direction&quot;:0,&quot;horizontalAlign&quot;:-1,&quot;verticalAlign&quot;:-1,&quot;type&quot;:0,&quot;diagramDirection&quot;:0,&quot;canSetOverLayout&quot;:0,&quot;isOverLayout&quot;:0,&quot;normalSize&quot;:{&quot;size1&quot;:26.0},&quot;minSize&quot;:{&quot;size1&quot;:26.0},&quot;maxSize&quot;:{&quot;size1&quot;:26.0},&quot;edge&quot;:{&quot;left&quot;:true,&quot;top&quot;:true,&quot;right&quot;:true,&quot;bottom&quot;:true},&quot;backgroundInfo&quot;:[{&quot;type&quot;:&quot;general&quot;,&quot;left&quot;:0.0,&quot;top&quot;:0.0,&quot;right&quot;:0.0,&quot;bottom&quot;:0.0},{&quot;type&quot;:&quot;frame&quot;,&quot;left&quot;:0.0,&quot;top&quot;:0.0,&quot;right&quot;:0.0,&quot;bottom&quot;:0.0}],&quot;subLayout&quot;:[{&quot;direction&quot;:0,&quot;horizontalAlign&quot;:0,&quot;verticalAlign&quot;:1,&quot;type&quot;:0,&quot;diagramDirection&quot;:0,&quot;canSetOverLayout&quot;:0,&quot;isOverLayout&quot;:0,&quot;margin&quot;:{&quot;left&quot;:1.69,&quot;top&quot;:1.319,&quot;right&quot;:1.69,&quot;bottom&quot;:0.163},&quot;edge&quot;:{&quot;left&quot;:true,&quot;top&quot;:true,&quot;right&quot;:true,&quot;bottom&quot;:false}},{&quot;direction&quot;:0,&quot;horizontalAlign&quot;:0,&quot;verticalAlign&quot;:1,&quot;type&quot;:0,&quot;diagramDirection&quot;:0,&quot;canSetOverLayout&quot;:0,&quot;isOverLayout&quot;:0,&quot;margin&quot;:{&quot;left&quot;:1.69,&quot;top&quot;:0.026,&quot;right&quot;:1.69,&quot;bottom&quot;:1.69},&quot;edge&quot;:{&quot;left&quot;:true,&quot;top&quot;:false,&quot;right&quot;:true,&quot;bottom&quot;:true}}]}"/>
+  <p:tag name="KSO_WM_SLIDE_CAN_ADD_NAVIGATION" val="1"/>
+  <p:tag name="KSO_WM_SLIDE_BACKGROUND" val="[&quot;general&quot;,&quot;frame&quot;]"/>
+  <p:tag name="KSO_WM_SLIDE_RATIO" val="1.777778"/>
+  <p:tag name="KSO_WM_TEMPLATE_MASTER_TYPE" val="0"/>
+  <p:tag name="KSO_WM_TEMPLATE_COLOR_TYPE" val="1"/>
+</p:tagLst>
+</file>
+
+<file path=ppt/tags/tag13.xml><?xml version="1.0" encoding="utf-8"?>
+<p:tagLst xmlns:p="http://schemas.openxmlformats.org/presentationml/2006/main">
+  <p:tag name="KSO_WM_UNIT_PRESET_TEXT" val="点击输入正文"/>
+  <p:tag name="KSO_WM_UNIT_NOCLEAR" val="0"/>
+  <p:tag name="KSO_WM_UNIT_SHOW_EDIT_AREA_INDICATION" val="1"/>
+  <p:tag name="KSO_WM_UNIT_VALUE" val="564"/>
+  <p:tag name="KSO_WM_UNIT_HIGHLIGHT" val="0"/>
+  <p:tag name="KSO_WM_UNIT_COMPATIBLE" val="0"/>
+  <p:tag name="KSO_WM_UNIT_DIAGRAM_ISNUMVISUAL" val="0"/>
+  <p:tag name="KSO_WM_UNIT_DIAGRAM_ISREFERUNIT" val="0"/>
+  <p:tag name="KSO_WM_UNIT_TYPE" val="f"/>
+  <p:tag name="KSO_WM_UNIT_INDEX" val="1"/>
+  <p:tag name="KSO_WM_UNIT_ID" val="diagram20200864_1*f*1"/>
+  <p:tag name="KSO_WM_TEMPLATE_CATEGORY" val="diagram"/>
+  <p:tag name="KSO_WM_TEMPLATE_INDEX" val="20200864"/>
+  <p:tag name="KSO_WM_UNIT_LAYERLEVEL" val="1"/>
+  <p:tag name="KSO_WM_TAG_VERSION" val="1.0"/>
+  <p:tag name="KSO_WM_BEAUTIFY_FLAG" val="#wm#"/>
+  <p:tag name="KSO_WM_UNIT_DEFAULT_FONT" val="14;18;2"/>
+  <p:tag name="KSO_WM_UNIT_BLOCK" val="0"/>
+  <p:tag name="KSO_WM_UNIT_PLACING_PICTURE_MD4" val="0"/>
+</p:tagLst>
+</file>
+
+<file path=ppt/tags/tag14.xml><?xml version="1.0" encoding="utf-8"?>
+<p:tagLst xmlns:p="http://schemas.openxmlformats.org/presentationml/2006/main">
+  <p:tag name="KSO_WM_UNIT_ISCONTENTSTITLE" val="0"/>
+  <p:tag name="KSO_WM_UNIT_PRESET_TEXT" val="点击输入大标题"/>
+  <p:tag name="KSO_WM_UNIT_NOCLEAR" val="0"/>
+  <p:tag name="KSO_WM_UNIT_SHOW_EDIT_AREA_INDICATION" val="1"/>
+  <p:tag name="KSO_WM_UNIT_VALUE" val="52"/>
+  <p:tag name="KSO_WM_UNIT_HIGHLIGHT" val="0"/>
+  <p:tag name="KSO_WM_UNIT_COMPATIBLE" val="0"/>
+  <p:tag name="KSO_WM_UNIT_DIAGRAM_ISNUMVISUAL" val="0"/>
+  <p:tag name="KSO_WM_UNIT_DIAGRAM_ISREFERUNIT" val="0"/>
+  <p:tag name="KSO_WM_UNIT_TYPE" val="a"/>
+  <p:tag name="KSO_WM_UNIT_INDEX" val="1"/>
+  <p:tag name="KSO_WM_UNIT_ID" val="diagram20200864_1*a*1"/>
+  <p:tag name="KSO_WM_TEMPLATE_CATEGORY" val="diagram"/>
+  <p:tag name="KSO_WM_TEMPLATE_INDEX" val="20200864"/>
+  <p:tag name="KSO_WM_UNIT_LAYERLEVEL" val="1"/>
+  <p:tag name="KSO_WM_TAG_VERSION" val="1.0"/>
+  <p:tag name="KSO_WM_BEAUTIFY_FLAG" val="#wm#"/>
+  <p:tag name="KSO_WM_UNIT_DEFAULT_FONT" val="32;36;4"/>
+  <p:tag name="KSO_WM_UNIT_BLOCK" val="0"/>
+  <p:tag name="KSO_WM_UNIT_ISNUMDGMTITLE" val="0"/>
+  <p:tag name="KSO_WM_UNIT_PLACING_PICTURE_MD4" val="0"/>
+</p:tagLst>
+</file>
+
+<file path=ppt/tags/tag15.xml><?xml version="1.0" encoding="utf-8"?>
+<p:tagLst xmlns:p="http://schemas.openxmlformats.org/presentationml/2006/main">
+  <p:tag name="KSO_WM_UNIT_PLACING_PICTURE_USER_VIEWPORT" val="{&quot;height&quot;:8676,&quot;width&quot;:10080}"/>
+</p:tagLst>
+</file>
+
+<file path=ppt/tags/tag16.xml><?xml version="1.0" encoding="utf-8"?>
+<p:tagLst xmlns:p="http://schemas.openxmlformats.org/presentationml/2006/main">
+  <p:tag name="KSO_WM_SLIDE_ID" val="diagram20200864_1"/>
+  <p:tag name="KSO_WM_TEMPLATE_SUBCATEGORY" val="11"/>
+  <p:tag name="KSO_WM_SLIDE_TYPE" val="text"/>
+  <p:tag name="KSO_WM_SLIDE_SUBTYPE" val="pureTxt"/>
+  <p:tag name="KSO_WM_SLIDE_ITEM_CNT" val="0"/>
+  <p:tag name="KSO_WM_SLIDE_INDEX" val="1"/>
+  <p:tag name="KSO_WM_UNIT_SHOW_EDIT_AREA_INDICATION" val="1"/>
+  <p:tag name="KSO_WM_SLIDE_SIZE" val="864*454"/>
+  <p:tag name="KSO_WM_SLIDE_POSITION" val="47*37"/>
+  <p:tag name="KSO_WM_TAG_VERSION" val="1.0"/>
+  <p:tag name="KSO_WM_BEAUTIFY_FLAG" val="#wm#"/>
+  <p:tag name="KSO_WM_TEMPLATE_CATEGORY" val="diagram"/>
+  <p:tag name="KSO_WM_TEMPLATE_INDEX" val="20200864"/>
+  <p:tag name="KSO_WM_SLIDE_LAYOUT" val="a_f"/>
+  <p:tag name="KSO_WM_SLIDE_LAYOUT_CNT" val="1_1"/>
+  <p:tag name="KSO_WM_SLIDE_LAYOUT_INFO" val="{&quot;direction&quot;:0,&quot;horizontalAlign&quot;:-1,&quot;verticalAlign&quot;:-1,&quot;type&quot;:0,&quot;diagramDirection&quot;:0,&quot;canSetOverLayout&quot;:0,&quot;isOverLayout&quot;:0,&quot;normalSize&quot;:{&quot;size1&quot;:26.0},&quot;minSize&quot;:{&quot;size1&quot;:26.0},&quot;maxSize&quot;:{&quot;size1&quot;:26.0},&quot;edge&quot;:{&quot;left&quot;:true,&quot;top&quot;:true,&quot;right&quot;:true,&quot;bottom&quot;:true},&quot;backgroundInfo&quot;:[{&quot;type&quot;:&quot;general&quot;,&quot;left&quot;:0.0,&quot;top&quot;:0.0,&quot;right&quot;:0.0,&quot;bottom&quot;:0.0},{&quot;type&quot;:&quot;frame&quot;,&quot;left&quot;:0.0,&quot;top&quot;:0.0,&quot;right&quot;:0.0,&quot;bottom&quot;:0.0}],&quot;subLayout&quot;:[{&quot;direction&quot;:0,&quot;horizontalAlign&quot;:0,&quot;verticalAlign&quot;:1,&quot;type&quot;:0,&quot;diagramDirection&quot;:0,&quot;canSetOverLayout&quot;:0,&quot;isOverLayout&quot;:0,&quot;margin&quot;:{&quot;left&quot;:1.69,&quot;top&quot;:1.319,&quot;right&quot;:1.69,&quot;bottom&quot;:0.163},&quot;edge&quot;:{&quot;left&quot;:true,&quot;top&quot;:true,&quot;right&quot;:true,&quot;bottom&quot;:false}},{&quot;direction&quot;:0,&quot;horizontalAlign&quot;:0,&quot;verticalAlign&quot;:1,&quot;type&quot;:0,&quot;diagramDirection&quot;:0,&quot;canSetOverLayout&quot;:0,&quot;isOverLayout&quot;:0,&quot;margin&quot;:{&quot;left&quot;:1.69,&quot;top&quot;:0.026,&quot;right&quot;:1.69,&quot;bottom&quot;:1.69},&quot;edge&quot;:{&quot;left&quot;:true,&quot;top&quot;:false,&quot;right&quot;:true,&quot;bottom&quot;:true}}]}"/>
+  <p:tag name="KSO_WM_SLIDE_CAN_ADD_NAVIGATION" val="1"/>
+  <p:tag name="KSO_WM_SLIDE_BACKGROUND" val="[&quot;general&quot;,&quot;frame&quot;]"/>
+  <p:tag name="KSO_WM_SLIDE_RATIO" val="1.777778"/>
+  <p:tag name="KSO_WM_TEMPLATE_MASTER_TYPE" val="0"/>
+  <p:tag name="KSO_WM_TEMPLATE_COLOR_TYPE" val="1"/>
+</p:tagLst>
+</file>
+
+<file path=ppt/tags/tag17.xml><?xml version="1.0" encoding="utf-8"?>
+<p:tagLst xmlns:p="http://schemas.openxmlformats.org/presentationml/2006/main">
+  <p:tag name="KSO_WM_UNIT_PRESET_TEXT" val="点击输入正文"/>
+  <p:tag name="KSO_WM_UNIT_NOCLEAR" val="0"/>
+  <p:tag name="KSO_WM_UNIT_SHOW_EDIT_AREA_INDICATION" val="1"/>
+  <p:tag name="KSO_WM_UNIT_VALUE" val="564"/>
+  <p:tag name="KSO_WM_UNIT_HIGHLIGHT" val="0"/>
+  <p:tag name="KSO_WM_UNIT_COMPATIBLE" val="0"/>
+  <p:tag name="KSO_WM_UNIT_DIAGRAM_ISNUMVISUAL" val="0"/>
+  <p:tag name="KSO_WM_UNIT_DIAGRAM_ISREFERUNIT" val="0"/>
+  <p:tag name="KSO_WM_UNIT_TYPE" val="f"/>
+  <p:tag name="KSO_WM_UNIT_INDEX" val="1"/>
+  <p:tag name="KSO_WM_UNIT_ID" val="diagram20200864_1*f*1"/>
+  <p:tag name="KSO_WM_TEMPLATE_CATEGORY" val="diagram"/>
+  <p:tag name="KSO_WM_TEMPLATE_INDEX" val="20200864"/>
+  <p:tag name="KSO_WM_UNIT_LAYERLEVEL" val="1"/>
+  <p:tag name="KSO_WM_TAG_VERSION" val="1.0"/>
+  <p:tag name="KSO_WM_BEAUTIFY_FLAG" val="#wm#"/>
+  <p:tag name="KSO_WM_UNIT_DEFAULT_FONT" val="14;18;2"/>
+  <p:tag name="KSO_WM_UNIT_BLOCK" val="0"/>
+  <p:tag name="KSO_WM_UNIT_PLACING_PICTURE_MD4" val="0"/>
+</p:tagLst>
+</file>
+
+<file path=ppt/tags/tag18.xml><?xml version="1.0" encoding="utf-8"?>
+<p:tagLst xmlns:p="http://schemas.openxmlformats.org/presentationml/2006/main">
+  <p:tag name="KSO_WM_UNIT_ISCONTENTSTITLE" val="0"/>
+  <p:tag name="KSO_WM_UNIT_PRESET_TEXT" val="点击输入大标题"/>
+  <p:tag name="KSO_WM_UNIT_NOCLEAR" val="0"/>
+  <p:tag name="KSO_WM_UNIT_SHOW_EDIT_AREA_INDICATION" val="1"/>
+  <p:tag name="KSO_WM_UNIT_VALUE" val="52"/>
+  <p:tag name="KSO_WM_UNIT_HIGHLIGHT" val="0"/>
+  <p:tag name="KSO_WM_UNIT_COMPATIBLE" val="0"/>
+  <p:tag name="KSO_WM_UNIT_DIAGRAM_ISNUMVISUAL" val="0"/>
+  <p:tag name="KSO_WM_UNIT_DIAGRAM_ISREFERUNIT" val="0"/>
+  <p:tag name="KSO_WM_UNIT_TYPE" val="a"/>
+  <p:tag name="KSO_WM_UNIT_INDEX" val="1"/>
+  <p:tag name="KSO_WM_UNIT_ID" val="diagram20200864_1*a*1"/>
+  <p:tag name="KSO_WM_TEMPLATE_CATEGORY" val="diagram"/>
+  <p:tag name="KSO_WM_TEMPLATE_INDEX" val="20200864"/>
+  <p:tag name="KSO_WM_UNIT_LAYERLEVEL" val="1"/>
+  <p:tag name="KSO_WM_TAG_VERSION" val="1.0"/>
+  <p:tag name="KSO_WM_BEAUTIFY_FLAG" val="#wm#"/>
+  <p:tag name="KSO_WM_UNIT_DEFAULT_FONT" val="32;36;4"/>
+  <p:tag name="KSO_WM_UNIT_BLOCK" val="0"/>
+  <p:tag name="KSO_WM_UNIT_ISNUMDGMTITLE" val="0"/>
+  <p:tag name="KSO_WM_UNIT_PLACING_PICTURE_MD4" val="0"/>
+</p:tagLst>
+</file>
+
+<file path=ppt/tags/tag19.xml><?xml version="1.0" encoding="utf-8"?>
+<p:tagLst xmlns:p="http://schemas.openxmlformats.org/presentationml/2006/main">
+  <p:tag name="KSO_WM_SLIDE_ID" val="diagram20200864_1"/>
+  <p:tag name="KSO_WM_TEMPLATE_SUBCATEGORY" val="11"/>
+  <p:tag name="KSO_WM_SLIDE_TYPE" val="text"/>
+  <p:tag name="KSO_WM_SLIDE_SUBTYPE" val="pureTxt"/>
+  <p:tag name="KSO_WM_SLIDE_ITEM_CNT" val="0"/>
+  <p:tag name="KSO_WM_SLIDE_INDEX" val="1"/>
+  <p:tag name="KSO_WM_UNIT_SHOW_EDIT_AREA_INDICATION" val="1"/>
+  <p:tag name="KSO_WM_SLIDE_SIZE" val="864*454"/>
+  <p:tag name="KSO_WM_SLIDE_POSITION" val="47*37"/>
+  <p:tag name="KSO_WM_TAG_VERSION" val="1.0"/>
+  <p:tag name="KSO_WM_BEAUTIFY_FLAG" val="#wm#"/>
+  <p:tag name="KSO_WM_TEMPLATE_CATEGORY" val="diagram"/>
+  <p:tag name="KSO_WM_TEMPLATE_INDEX" val="20200864"/>
+  <p:tag name="KSO_WM_SLIDE_LAYOUT" val="a_f"/>
+  <p:tag name="KSO_WM_SLIDE_LAYOUT_CNT" val="1_1"/>
+  <p:tag name="KSO_WM_SLIDE_LAYOUT_INFO" val="{&quot;direction&quot;:0,&quot;horizontalAlign&quot;:-1,&quot;verticalAlign&quot;:-1,&quot;type&quot;:0,&quot;diagramDirection&quot;:0,&quot;canSetOverLayout&quot;:0,&quot;isOverLayout&quot;:0,&quot;normalSize&quot;:{&quot;size1&quot;:26.0},&quot;minSize&quot;:{&quot;size1&quot;:26.0},&quot;maxSize&quot;:{&quot;size1&quot;:26.0},&quot;edge&quot;:{&quot;left&quot;:true,&quot;top&quot;:true,&quot;right&quot;:true,&quot;bottom&quot;:true},&quot;backgroundInfo&quot;:[{&quot;type&quot;:&quot;general&quot;,&quot;left&quot;:0.0,&quot;top&quot;:0.0,&quot;right&quot;:0.0,&quot;bottom&quot;:0.0},{&quot;type&quot;:&quot;frame&quot;,&quot;left&quot;:0.0,&quot;top&quot;:0.0,&quot;right&quot;:0.0,&quot;bottom&quot;:0.0}],&quot;subLayout&quot;:[{&quot;direction&quot;:0,&quot;horizontalAlign&quot;:0,&quot;verticalAlign&quot;:1,&quot;type&quot;:0,&quot;diagramDirection&quot;:0,&quot;canSetOverLayout&quot;:0,&quot;isOverLayout&quot;:0,&quot;margin&quot;:{&quot;left&quot;:1.69,&quot;top&quot;:1.319,&quot;right&quot;:1.69,&quot;bottom&quot;:0.163},&quot;edge&quot;:{&quot;left&quot;:true,&quot;top&quot;:true,&quot;right&quot;:true,&quot;bottom&quot;:false}},{&quot;direction&quot;:0,&quot;horizontalAlign&quot;:0,&quot;verticalAlign&quot;:1,&quot;type&quot;:0,&quot;diagramDirection&quot;:0,&quot;canSetOverLayout&quot;:0,&quot;isOverLayout&quot;:0,&quot;margin&quot;:{&quot;left&quot;:1.69,&quot;top&quot;:0.026,&quot;right&quot;:1.69,&quot;bottom&quot;:1.69},&quot;edge&quot;:{&quot;left&quot;:true,&quot;top&quot;:false,&quot;right&quot;:true,&quot;bottom&quot;:true}}]}"/>
+  <p:tag name="KSO_WM_SLIDE_CAN_ADD_NAVIGATION" val="1"/>
+  <p:tag name="KSO_WM_SLIDE_BACKGROUND" val="[&quot;general&quot;,&quot;frame&quot;]"/>
+  <p:tag name="KSO_WM_SLIDE_RATIO" val="1.777778"/>
+  <p:tag name="KSO_WM_TEMPLATE_MASTER_TYPE" val="0"/>
+  <p:tag name="KSO_WM_TEMPLATE_COLOR_TYPE" val="1"/>
 </p:tagLst>
 </file>
 

--- a/document/springcloud实践.pptx
+++ b/document/springcloud实践.pptx
@@ -12,6 +12,7 @@
     <p:sldId id="261" r:id="rId7"/>
     <p:sldId id="262" r:id="rId8"/>
     <p:sldId id="263" r:id="rId9"/>
+    <p:sldId id="264" r:id="rId10"/>
   </p:sldIdLst>
   <p:sldSz cx="12192000" cy="6858000"/>
   <p:notesSz cx="6858000" cy="9144000"/>
@@ -8332,8 +8333,8 @@
         </p:nvSpPr>
         <p:spPr>
           <a:xfrm>
-            <a:off x="608330" y="612140"/>
-            <a:ext cx="10975340" cy="6091555"/>
+            <a:off x="608330" y="966470"/>
+            <a:ext cx="10975340" cy="5316220"/>
           </a:xfrm>
           <a:prstGeom prst="rect">
             <a:avLst/>
@@ -8388,6 +8389,27 @@
               <a:defRPr/>
             </a:pPr>
             <a:r>
+              <a:rPr kumimoji="0" altLang="zh-CN" sz="1800" b="0" i="0" spc="50" baseline="0" noProof="0" dirty="0">
+                <a:ln w="3175">
+                  <a:noFill/>
+                  <a:prstDash val="dash"/>
+                </a:ln>
+                <a:solidFill>
+                  <a:sysClr val="windowText" lastClr="000000">
+                    <a:lumMod val="65000"/>
+                    <a:lumOff val="35000"/>
+                  </a:sysClr>
+                </a:solidFill>
+                <a:effectLst/>
+                <a:uLnTx/>
+                <a:uFillTx/>
+                <a:latin typeface="Arial" panose="020B0604020202020204" pitchFamily="34" charset="0"/>
+                <a:ea typeface="微软雅黑 Light" panose="020B0502040204020203" pitchFamily="34" charset="-122"/>
+                <a:cs typeface="微软雅黑" panose="020B0503020204020204" charset="-122"/>
+              </a:rPr>
+              <a:t>1</a:t>
+            </a:r>
+            <a:r>
               <a:rPr kumimoji="0" lang="zh-CN" altLang="en-US" sz="1800" b="0" i="0" spc="50" baseline="0" noProof="0" dirty="0">
                 <a:ln w="3175">
                   <a:noFill/>
@@ -8406,9 +8428,632 @@
                 <a:ea typeface="微软雅黑 Light" panose="020B0502040204020203" pitchFamily="34" charset="-122"/>
                 <a:cs typeface="微软雅黑" panose="020B0503020204020204" charset="-122"/>
               </a:rPr>
-              <a:t>点击输入正文</a:t>
+              <a:t>、搭建</a:t>
+            </a:r>
+            <a:r>
+              <a:rPr kumimoji="0" altLang="zh-CN" sz="1800" b="0" i="0" spc="50" baseline="0" noProof="0" dirty="0">
+                <a:ln w="3175">
+                  <a:noFill/>
+                  <a:prstDash val="dash"/>
+                </a:ln>
+                <a:solidFill>
+                  <a:sysClr val="windowText" lastClr="000000">
+                    <a:lumMod val="65000"/>
+                    <a:lumOff val="35000"/>
+                  </a:sysClr>
+                </a:solidFill>
+                <a:effectLst/>
+                <a:uLnTx/>
+                <a:uFillTx/>
+                <a:latin typeface="Arial" panose="020B0604020202020204" pitchFamily="34" charset="0"/>
+                <a:ea typeface="微软雅黑 Light" panose="020B0502040204020203" pitchFamily="34" charset="-122"/>
+                <a:cs typeface="微软雅黑" panose="020B0503020204020204" charset="-122"/>
+              </a:rPr>
+              <a:t>config server</a:t>
+            </a:r>
+            <a:endParaRPr kumimoji="0" altLang="zh-CN" sz="1800" b="0" i="0" spc="50" baseline="0" noProof="0" dirty="0">
+              <a:ln w="3175">
+                <a:noFill/>
+                <a:prstDash val="dash"/>
+              </a:ln>
+              <a:solidFill>
+                <a:sysClr val="windowText" lastClr="000000">
+                  <a:lumMod val="65000"/>
+                  <a:lumOff val="35000"/>
+                </a:sysClr>
+              </a:solidFill>
+              <a:effectLst/>
+              <a:uLnTx/>
+              <a:uFillTx/>
+              <a:latin typeface="Arial" panose="020B0604020202020204" pitchFamily="34" charset="0"/>
+              <a:ea typeface="微软雅黑 Light" panose="020B0502040204020203" pitchFamily="34" charset="-122"/>
+              <a:cs typeface="微软雅黑" panose="020B0503020204020204" charset="-122"/>
+            </a:endParaRPr>
+          </a:p>
+          <a:p>
+            <a:pPr marR="0" lvl="0" indent="0" algn="just" defTabSz="914400" rtl="0" eaLnBrk="1" fontAlgn="auto" latinLnBrk="0" hangingPunct="1">
+              <a:lnSpc>
+                <a:spcPct val="130000"/>
+              </a:lnSpc>
+              <a:spcBef>
+                <a:spcPts val="0"/>
+              </a:spcBef>
+              <a:spcAft>
+                <a:spcPts val="800"/>
+              </a:spcAft>
+              <a:buClrTx/>
+              <a:buSzTx/>
+              <a:buFont typeface="Arial" panose="020B0604020202020204" pitchFamily="34" charset="0"/>
+              <a:defRPr/>
+            </a:pPr>
+            <a:r>
+              <a:rPr kumimoji="0" lang="zh-CN" altLang="en-US" sz="1800" b="0" i="0" spc="50" baseline="0" noProof="0" dirty="0">
+                <a:ln w="3175">
+                  <a:noFill/>
+                  <a:prstDash val="dash"/>
+                </a:ln>
+                <a:solidFill>
+                  <a:sysClr val="windowText" lastClr="000000">
+                    <a:lumMod val="65000"/>
+                    <a:lumOff val="35000"/>
+                  </a:sysClr>
+                </a:solidFill>
+                <a:effectLst/>
+                <a:uLnTx/>
+                <a:uFillTx/>
+                <a:latin typeface="Arial" panose="020B0604020202020204" pitchFamily="34" charset="0"/>
+                <a:ea typeface="微软雅黑 Light" panose="020B0502040204020203" pitchFamily="34" charset="-122"/>
+                <a:cs typeface="微软雅黑" panose="020B0503020204020204" charset="-122"/>
+              </a:rPr>
+              <a:t>访问规则：</a:t>
             </a:r>
             <a:endParaRPr kumimoji="0" lang="zh-CN" altLang="en-US" sz="1800" b="0" i="0" spc="50" baseline="0" noProof="0" dirty="0">
+              <a:ln w="3175">
+                <a:noFill/>
+                <a:prstDash val="dash"/>
+              </a:ln>
+              <a:solidFill>
+                <a:sysClr val="windowText" lastClr="000000">
+                  <a:lumMod val="65000"/>
+                  <a:lumOff val="35000"/>
+                </a:sysClr>
+              </a:solidFill>
+              <a:effectLst/>
+              <a:uLnTx/>
+              <a:uFillTx/>
+              <a:latin typeface="Arial" panose="020B0604020202020204" pitchFamily="34" charset="0"/>
+              <a:ea typeface="微软雅黑 Light" panose="020B0502040204020203" pitchFamily="34" charset="-122"/>
+              <a:cs typeface="微软雅黑" panose="020B0503020204020204" charset="-122"/>
+            </a:endParaRPr>
+          </a:p>
+          <a:p>
+            <a:pPr marR="0" lvl="0" indent="0" algn="just" defTabSz="914400" rtl="0" eaLnBrk="1" fontAlgn="auto" latinLnBrk="0" hangingPunct="1">
+              <a:lnSpc>
+                <a:spcPct val="130000"/>
+              </a:lnSpc>
+              <a:spcBef>
+                <a:spcPts val="0"/>
+              </a:spcBef>
+              <a:spcAft>
+                <a:spcPts val="800"/>
+              </a:spcAft>
+              <a:buClrTx/>
+              <a:buSzTx/>
+              <a:buFont typeface="Arial" panose="020B0604020202020204" pitchFamily="34" charset="0"/>
+              <a:defRPr/>
+            </a:pPr>
+            <a:r>
+              <a:rPr kumimoji="0" altLang="zh-CN" sz="1800" b="0" i="0" spc="50" baseline="0" noProof="0" dirty="0">
+                <a:ln w="3175">
+                  <a:noFill/>
+                  <a:prstDash val="dash"/>
+                </a:ln>
+                <a:solidFill>
+                  <a:sysClr val="windowText" lastClr="000000">
+                    <a:lumMod val="65000"/>
+                    <a:lumOff val="35000"/>
+                  </a:sysClr>
+                </a:solidFill>
+                <a:effectLst/>
+                <a:uLnTx/>
+                <a:uFillTx/>
+                <a:latin typeface="Arial" panose="020B0604020202020204" pitchFamily="34" charset="0"/>
+                <a:ea typeface="微软雅黑 Light" panose="020B0502040204020203" pitchFamily="34" charset="-122"/>
+                <a:cs typeface="微软雅黑" panose="020B0503020204020204" charset="-122"/>
+              </a:rPr>
+              <a:t>　/{appication}/{profile}/[{label}]</a:t>
+            </a:r>
+            <a:endParaRPr kumimoji="0" altLang="zh-CN" sz="1800" b="0" i="0" spc="50" baseline="0" noProof="0" dirty="0">
+              <a:ln w="3175">
+                <a:noFill/>
+                <a:prstDash val="dash"/>
+              </a:ln>
+              <a:solidFill>
+                <a:sysClr val="windowText" lastClr="000000">
+                  <a:lumMod val="65000"/>
+                  <a:lumOff val="35000"/>
+                </a:sysClr>
+              </a:solidFill>
+              <a:effectLst/>
+              <a:uLnTx/>
+              <a:uFillTx/>
+              <a:latin typeface="Arial" panose="020B0604020202020204" pitchFamily="34" charset="0"/>
+              <a:ea typeface="微软雅黑 Light" panose="020B0502040204020203" pitchFamily="34" charset="-122"/>
+              <a:cs typeface="微软雅黑" panose="020B0503020204020204" charset="-122"/>
+            </a:endParaRPr>
+          </a:p>
+          <a:p>
+            <a:pPr marR="0" lvl="0" indent="0" algn="just" defTabSz="914400" rtl="0" eaLnBrk="1" fontAlgn="auto" latinLnBrk="0" hangingPunct="1">
+              <a:lnSpc>
+                <a:spcPct val="130000"/>
+              </a:lnSpc>
+              <a:spcBef>
+                <a:spcPts val="0"/>
+              </a:spcBef>
+              <a:spcAft>
+                <a:spcPts val="800"/>
+              </a:spcAft>
+              <a:buClrTx/>
+              <a:buSzTx/>
+              <a:buFont typeface="Arial" panose="020B0604020202020204" pitchFamily="34" charset="0"/>
+              <a:defRPr/>
+            </a:pPr>
+            <a:r>
+              <a:rPr kumimoji="0" altLang="zh-CN" sz="1800" b="0" i="0" spc="50" baseline="0" noProof="0" dirty="0">
+                <a:ln w="3175">
+                  <a:noFill/>
+                  <a:prstDash val="dash"/>
+                </a:ln>
+                <a:solidFill>
+                  <a:sysClr val="windowText" lastClr="000000">
+                    <a:lumMod val="65000"/>
+                    <a:lumOff val="35000"/>
+                  </a:sysClr>
+                </a:solidFill>
+                <a:effectLst/>
+                <a:uLnTx/>
+                <a:uFillTx/>
+                <a:latin typeface="Arial" panose="020B0604020202020204" pitchFamily="34" charset="0"/>
+                <a:ea typeface="微软雅黑 Light" panose="020B0502040204020203" pitchFamily="34" charset="-122"/>
+                <a:cs typeface="微软雅黑" panose="020B0503020204020204" charset="-122"/>
+              </a:rPr>
+              <a:t>　/{application}-{profile}.yml</a:t>
+            </a:r>
+            <a:endParaRPr kumimoji="0" altLang="zh-CN" sz="1800" b="0" i="0" spc="50" baseline="0" noProof="0" dirty="0">
+              <a:ln w="3175">
+                <a:noFill/>
+                <a:prstDash val="dash"/>
+              </a:ln>
+              <a:solidFill>
+                <a:sysClr val="windowText" lastClr="000000">
+                  <a:lumMod val="65000"/>
+                  <a:lumOff val="35000"/>
+                </a:sysClr>
+              </a:solidFill>
+              <a:effectLst/>
+              <a:uLnTx/>
+              <a:uFillTx/>
+              <a:latin typeface="Arial" panose="020B0604020202020204" pitchFamily="34" charset="0"/>
+              <a:ea typeface="微软雅黑 Light" panose="020B0502040204020203" pitchFamily="34" charset="-122"/>
+              <a:cs typeface="微软雅黑" panose="020B0503020204020204" charset="-122"/>
+            </a:endParaRPr>
+          </a:p>
+          <a:p>
+            <a:pPr marR="0" lvl="0" indent="0" algn="just" defTabSz="914400" rtl="0" eaLnBrk="1" fontAlgn="auto" latinLnBrk="0" hangingPunct="1">
+              <a:lnSpc>
+                <a:spcPct val="130000"/>
+              </a:lnSpc>
+              <a:spcBef>
+                <a:spcPts val="0"/>
+              </a:spcBef>
+              <a:spcAft>
+                <a:spcPts val="800"/>
+              </a:spcAft>
+              <a:buClrTx/>
+              <a:buSzTx/>
+              <a:buFont typeface="Arial" panose="020B0604020202020204" pitchFamily="34" charset="0"/>
+              <a:defRPr/>
+            </a:pPr>
+            <a:r>
+              <a:rPr kumimoji="0" altLang="zh-CN" sz="1800" b="0" i="0" spc="50" baseline="0" noProof="0" dirty="0">
+                <a:ln w="3175">
+                  <a:noFill/>
+                  <a:prstDash val="dash"/>
+                </a:ln>
+                <a:solidFill>
+                  <a:sysClr val="windowText" lastClr="000000">
+                    <a:lumMod val="65000"/>
+                    <a:lumOff val="35000"/>
+                  </a:sysClr>
+                </a:solidFill>
+                <a:effectLst/>
+                <a:uLnTx/>
+                <a:uFillTx/>
+                <a:latin typeface="Arial" panose="020B0604020202020204" pitchFamily="34" charset="0"/>
+                <a:ea typeface="微软雅黑 Light" panose="020B0502040204020203" pitchFamily="34" charset="-122"/>
+                <a:cs typeface="微软雅黑" panose="020B0503020204020204" charset="-122"/>
+              </a:rPr>
+              <a:t>　/{application}-{profile}.properties</a:t>
+            </a:r>
+            <a:endParaRPr kumimoji="0" altLang="zh-CN" sz="1800" b="0" i="0" spc="50" baseline="0" noProof="0" dirty="0">
+              <a:ln w="3175">
+                <a:noFill/>
+                <a:prstDash val="dash"/>
+              </a:ln>
+              <a:solidFill>
+                <a:sysClr val="windowText" lastClr="000000">
+                  <a:lumMod val="65000"/>
+                  <a:lumOff val="35000"/>
+                </a:sysClr>
+              </a:solidFill>
+              <a:effectLst/>
+              <a:uLnTx/>
+              <a:uFillTx/>
+              <a:latin typeface="Arial" panose="020B0604020202020204" pitchFamily="34" charset="0"/>
+              <a:ea typeface="微软雅黑 Light" panose="020B0502040204020203" pitchFamily="34" charset="-122"/>
+              <a:cs typeface="微软雅黑" panose="020B0503020204020204" charset="-122"/>
+            </a:endParaRPr>
+          </a:p>
+          <a:p>
+            <a:pPr marR="0" lvl="0" indent="0" algn="just" defTabSz="914400" rtl="0" eaLnBrk="1" fontAlgn="auto" latinLnBrk="0" hangingPunct="1">
+              <a:lnSpc>
+                <a:spcPct val="130000"/>
+              </a:lnSpc>
+              <a:spcBef>
+                <a:spcPts val="0"/>
+              </a:spcBef>
+              <a:spcAft>
+                <a:spcPts val="800"/>
+              </a:spcAft>
+              <a:buClrTx/>
+              <a:buSzTx/>
+              <a:buFont typeface="Arial" panose="020B0604020202020204" pitchFamily="34" charset="0"/>
+              <a:defRPr/>
+            </a:pPr>
+            <a:r>
+              <a:rPr kumimoji="0" altLang="zh-CN" sz="1800" b="0" i="0" spc="50" baseline="0" noProof="0" dirty="0">
+                <a:ln w="3175">
+                  <a:noFill/>
+                  <a:prstDash val="dash"/>
+                </a:ln>
+                <a:solidFill>
+                  <a:sysClr val="windowText" lastClr="000000">
+                    <a:lumMod val="65000"/>
+                    <a:lumOff val="35000"/>
+                  </a:sysClr>
+                </a:solidFill>
+                <a:effectLst/>
+                <a:uLnTx/>
+                <a:uFillTx/>
+                <a:latin typeface="Arial" panose="020B0604020202020204" pitchFamily="34" charset="0"/>
+                <a:ea typeface="微软雅黑 Light" panose="020B0502040204020203" pitchFamily="34" charset="-122"/>
+                <a:cs typeface="微软雅黑" panose="020B0503020204020204" charset="-122"/>
+              </a:rPr>
+              <a:t>　/{label}/{application}-{profile}.properties　</a:t>
+            </a:r>
+            <a:endParaRPr kumimoji="0" altLang="zh-CN" sz="1800" b="0" i="0" spc="50" baseline="0" noProof="0" dirty="0">
+              <a:ln w="3175">
+                <a:noFill/>
+                <a:prstDash val="dash"/>
+              </a:ln>
+              <a:solidFill>
+                <a:sysClr val="windowText" lastClr="000000">
+                  <a:lumMod val="65000"/>
+                  <a:lumOff val="35000"/>
+                </a:sysClr>
+              </a:solidFill>
+              <a:effectLst/>
+              <a:uLnTx/>
+              <a:uFillTx/>
+              <a:latin typeface="Arial" panose="020B0604020202020204" pitchFamily="34" charset="0"/>
+              <a:ea typeface="微软雅黑 Light" panose="020B0502040204020203" pitchFamily="34" charset="-122"/>
+              <a:cs typeface="微软雅黑" panose="020B0503020204020204" charset="-122"/>
+            </a:endParaRPr>
+          </a:p>
+          <a:p>
+            <a:pPr marR="0" lvl="0" indent="0" algn="just" defTabSz="914400" rtl="0" eaLnBrk="1" fontAlgn="auto" latinLnBrk="0" hangingPunct="1">
+              <a:lnSpc>
+                <a:spcPct val="130000"/>
+              </a:lnSpc>
+              <a:spcBef>
+                <a:spcPts val="0"/>
+              </a:spcBef>
+              <a:spcAft>
+                <a:spcPts val="800"/>
+              </a:spcAft>
+              <a:buClrTx/>
+              <a:buSzTx/>
+              <a:buFont typeface="Arial" panose="020B0604020202020204" pitchFamily="34" charset="0"/>
+              <a:defRPr/>
+            </a:pPr>
+            <a:r>
+              <a:rPr kumimoji="0" altLang="zh-CN" sz="1800" b="0" i="0" spc="50" baseline="0" noProof="0" dirty="0">
+                <a:ln w="3175">
+                  <a:noFill/>
+                  <a:prstDash val="dash"/>
+                </a:ln>
+                <a:solidFill>
+                  <a:sysClr val="windowText" lastClr="000000">
+                    <a:lumMod val="65000"/>
+                    <a:lumOff val="35000"/>
+                  </a:sysClr>
+                </a:solidFill>
+                <a:effectLst/>
+                <a:uLnTx/>
+                <a:uFillTx/>
+                <a:latin typeface="Arial" panose="020B0604020202020204" pitchFamily="34" charset="0"/>
+                <a:ea typeface="微软雅黑 Light" panose="020B0502040204020203" pitchFamily="34" charset="-122"/>
+                <a:cs typeface="微软雅黑" panose="020B0503020204020204" charset="-122"/>
+              </a:rPr>
+              <a:t>   /{label}/{application}-{profile}.yml</a:t>
+            </a:r>
+            <a:endParaRPr kumimoji="0" altLang="zh-CN" sz="1800" b="0" i="0" spc="50" baseline="0" noProof="0" dirty="0">
+              <a:ln w="3175">
+                <a:noFill/>
+                <a:prstDash val="dash"/>
+              </a:ln>
+              <a:solidFill>
+                <a:sysClr val="windowText" lastClr="000000">
+                  <a:lumMod val="65000"/>
+                  <a:lumOff val="35000"/>
+                </a:sysClr>
+              </a:solidFill>
+              <a:effectLst/>
+              <a:uLnTx/>
+              <a:uFillTx/>
+              <a:latin typeface="Arial" panose="020B0604020202020204" pitchFamily="34" charset="0"/>
+              <a:ea typeface="微软雅黑 Light" panose="020B0502040204020203" pitchFamily="34" charset="-122"/>
+              <a:cs typeface="微软雅黑" panose="020B0503020204020204" charset="-122"/>
+            </a:endParaRPr>
+          </a:p>
+          <a:p>
+            <a:pPr marR="0" lvl="0" indent="0" algn="just" defTabSz="914400" rtl="0" eaLnBrk="1" fontAlgn="auto" latinLnBrk="0" hangingPunct="1">
+              <a:lnSpc>
+                <a:spcPct val="130000"/>
+              </a:lnSpc>
+              <a:spcBef>
+                <a:spcPts val="0"/>
+              </a:spcBef>
+              <a:spcAft>
+                <a:spcPts val="800"/>
+              </a:spcAft>
+              <a:buClrTx/>
+              <a:buSzTx/>
+              <a:buFont typeface="Arial" panose="020B0604020202020204" pitchFamily="34" charset="0"/>
+              <a:defRPr/>
+            </a:pPr>
+            <a:endParaRPr kumimoji="0" altLang="zh-CN" sz="1800" b="0" i="0" spc="50" baseline="0" noProof="0" dirty="0">
+              <a:ln w="3175">
+                <a:noFill/>
+                <a:prstDash val="dash"/>
+              </a:ln>
+              <a:solidFill>
+                <a:sysClr val="windowText" lastClr="000000">
+                  <a:lumMod val="65000"/>
+                  <a:lumOff val="35000"/>
+                </a:sysClr>
+              </a:solidFill>
+              <a:effectLst/>
+              <a:uLnTx/>
+              <a:uFillTx/>
+              <a:latin typeface="Arial" panose="020B0604020202020204" pitchFamily="34" charset="0"/>
+              <a:ea typeface="微软雅黑 Light" panose="020B0502040204020203" pitchFamily="34" charset="-122"/>
+              <a:cs typeface="微软雅黑" panose="020B0503020204020204" charset="-122"/>
+            </a:endParaRPr>
+          </a:p>
+          <a:p>
+            <a:pPr marR="0" lvl="0" indent="0" algn="just" defTabSz="914400" rtl="0" eaLnBrk="1" fontAlgn="auto" latinLnBrk="0" hangingPunct="1">
+              <a:lnSpc>
+                <a:spcPct val="130000"/>
+              </a:lnSpc>
+              <a:spcBef>
+                <a:spcPts val="0"/>
+              </a:spcBef>
+              <a:spcAft>
+                <a:spcPts val="800"/>
+              </a:spcAft>
+              <a:buClrTx/>
+              <a:buSzTx/>
+              <a:buFont typeface="Arial" panose="020B0604020202020204" pitchFamily="34" charset="0"/>
+              <a:defRPr/>
+            </a:pPr>
+            <a:r>
+              <a:rPr kumimoji="0" altLang="zh-CN" sz="1800" b="0" i="0" spc="50" baseline="0" noProof="0" dirty="0">
+                <a:ln w="3175">
+                  <a:noFill/>
+                  <a:prstDash val="dash"/>
+                </a:ln>
+                <a:solidFill>
+                  <a:sysClr val="windowText" lastClr="000000">
+                    <a:lumMod val="65000"/>
+                    <a:lumOff val="35000"/>
+                  </a:sysClr>
+                </a:solidFill>
+                <a:effectLst/>
+                <a:uLnTx/>
+                <a:uFillTx/>
+                <a:latin typeface="Arial" panose="020B0604020202020204" pitchFamily="34" charset="0"/>
+                <a:ea typeface="微软雅黑 Light" panose="020B0502040204020203" pitchFamily="34" charset="-122"/>
+                <a:cs typeface="微软雅黑" panose="020B0503020204020204" charset="-122"/>
+              </a:rPr>
+              <a:t>2</a:t>
+            </a:r>
+            <a:r>
+              <a:rPr kumimoji="0" lang="zh-CN" altLang="en-US" sz="1800" b="0" i="0" spc="50" baseline="0" noProof="0" dirty="0">
+                <a:ln w="3175">
+                  <a:noFill/>
+                  <a:prstDash val="dash"/>
+                </a:ln>
+                <a:solidFill>
+                  <a:sysClr val="windowText" lastClr="000000">
+                    <a:lumMod val="65000"/>
+                    <a:lumOff val="35000"/>
+                  </a:sysClr>
+                </a:solidFill>
+                <a:effectLst/>
+                <a:uLnTx/>
+                <a:uFillTx/>
+                <a:latin typeface="Arial" panose="020B0604020202020204" pitchFamily="34" charset="0"/>
+                <a:ea typeface="微软雅黑 Light" panose="020B0502040204020203" pitchFamily="34" charset="-122"/>
+                <a:cs typeface="微软雅黑" panose="020B0503020204020204" charset="-122"/>
+              </a:rPr>
+              <a:t>、配合 eureke 实现服务发现</a:t>
+            </a:r>
+            <a:endParaRPr kumimoji="0" lang="zh-CN" altLang="en-US" sz="1800" b="0" i="0" spc="50" baseline="0" noProof="0" dirty="0">
+              <a:ln w="3175">
+                <a:noFill/>
+                <a:prstDash val="dash"/>
+              </a:ln>
+              <a:solidFill>
+                <a:sysClr val="windowText" lastClr="000000">
+                  <a:lumMod val="65000"/>
+                  <a:lumOff val="35000"/>
+                </a:sysClr>
+              </a:solidFill>
+              <a:effectLst/>
+              <a:uLnTx/>
+              <a:uFillTx/>
+              <a:latin typeface="Arial" panose="020B0604020202020204" pitchFamily="34" charset="0"/>
+              <a:ea typeface="微软雅黑 Light" panose="020B0502040204020203" pitchFamily="34" charset="-122"/>
+              <a:cs typeface="微软雅黑" panose="020B0503020204020204" charset="-122"/>
+            </a:endParaRPr>
+          </a:p>
+          <a:p>
+            <a:pPr marR="0" lvl="0" indent="0" algn="just" defTabSz="914400" rtl="0" eaLnBrk="1" fontAlgn="auto" latinLnBrk="0" hangingPunct="1">
+              <a:lnSpc>
+                <a:spcPct val="130000"/>
+              </a:lnSpc>
+              <a:spcBef>
+                <a:spcPts val="0"/>
+              </a:spcBef>
+              <a:spcAft>
+                <a:spcPts val="800"/>
+              </a:spcAft>
+              <a:buClrTx/>
+              <a:buSzTx/>
+              <a:buFont typeface="Arial" panose="020B0604020202020204" pitchFamily="34" charset="0"/>
+              <a:defRPr/>
+            </a:pPr>
+            <a:endParaRPr kumimoji="0" lang="zh-CN" altLang="en-US" sz="1800" b="0" i="0" spc="50" baseline="0" noProof="0" dirty="0">
+              <a:ln w="3175">
+                <a:noFill/>
+                <a:prstDash val="dash"/>
+              </a:ln>
+              <a:solidFill>
+                <a:sysClr val="windowText" lastClr="000000">
+                  <a:lumMod val="65000"/>
+                  <a:lumOff val="35000"/>
+                </a:sysClr>
+              </a:solidFill>
+              <a:effectLst/>
+              <a:uLnTx/>
+              <a:uFillTx/>
+              <a:latin typeface="Arial" panose="020B0604020202020204" pitchFamily="34" charset="0"/>
+              <a:ea typeface="微软雅黑 Light" panose="020B0502040204020203" pitchFamily="34" charset="-122"/>
+              <a:cs typeface="微软雅黑" panose="020B0503020204020204" charset="-122"/>
+            </a:endParaRPr>
+          </a:p>
+          <a:p>
+            <a:pPr marR="0" lvl="0" indent="0" algn="just" defTabSz="914400" rtl="0" eaLnBrk="1" fontAlgn="auto" latinLnBrk="0" hangingPunct="1">
+              <a:lnSpc>
+                <a:spcPct val="130000"/>
+              </a:lnSpc>
+              <a:spcBef>
+                <a:spcPts val="0"/>
+              </a:spcBef>
+              <a:spcAft>
+                <a:spcPts val="800"/>
+              </a:spcAft>
+              <a:buClrTx/>
+              <a:buSzTx/>
+              <a:buFont typeface="Arial" panose="020B0604020202020204" pitchFamily="34" charset="0"/>
+              <a:defRPr/>
+            </a:pPr>
+            <a:r>
+              <a:rPr kumimoji="0" altLang="zh-CN" sz="1800" b="0" i="0" spc="50" baseline="0" noProof="0" dirty="0">
+                <a:ln w="3175">
+                  <a:noFill/>
+                  <a:prstDash val="dash"/>
+                </a:ln>
+                <a:solidFill>
+                  <a:sysClr val="windowText" lastClr="000000">
+                    <a:lumMod val="65000"/>
+                    <a:lumOff val="35000"/>
+                  </a:sysClr>
+                </a:solidFill>
+                <a:effectLst/>
+                <a:uLnTx/>
+                <a:uFillTx/>
+                <a:latin typeface="Arial" panose="020B0604020202020204" pitchFamily="34" charset="0"/>
+                <a:ea typeface="微软雅黑 Light" panose="020B0502040204020203" pitchFamily="34" charset="-122"/>
+                <a:cs typeface="微软雅黑" panose="020B0503020204020204" charset="-122"/>
+              </a:rPr>
+              <a:t>3</a:t>
+            </a:r>
+            <a:r>
+              <a:rPr kumimoji="0" lang="zh-CN" altLang="en-US" sz="1800" b="0" i="0" spc="50" baseline="0" noProof="0" dirty="0">
+                <a:ln w="3175">
+                  <a:noFill/>
+                  <a:prstDash val="dash"/>
+                </a:ln>
+                <a:solidFill>
+                  <a:sysClr val="windowText" lastClr="000000">
+                    <a:lumMod val="65000"/>
+                    <a:lumOff val="35000"/>
+                  </a:sysClr>
+                </a:solidFill>
+                <a:effectLst/>
+                <a:uLnTx/>
+                <a:uFillTx/>
+                <a:latin typeface="Arial" panose="020B0604020202020204" pitchFamily="34" charset="0"/>
+                <a:ea typeface="微软雅黑 Light" panose="020B0502040204020203" pitchFamily="34" charset="-122"/>
+                <a:cs typeface="微软雅黑" panose="020B0503020204020204" charset="-122"/>
+              </a:rPr>
+              <a:t>、配合 </a:t>
+            </a:r>
+            <a:r>
+              <a:rPr kumimoji="0" altLang="zh-CN" sz="1800" b="0" i="0" spc="50" baseline="0" noProof="0" dirty="0">
+                <a:ln w="3175">
+                  <a:noFill/>
+                  <a:prstDash val="dash"/>
+                </a:ln>
+                <a:solidFill>
+                  <a:sysClr val="windowText" lastClr="000000">
+                    <a:lumMod val="65000"/>
+                    <a:lumOff val="35000"/>
+                  </a:sysClr>
+                </a:solidFill>
+                <a:effectLst/>
+                <a:uLnTx/>
+                <a:uFillTx/>
+                <a:latin typeface="Arial" panose="020B0604020202020204" pitchFamily="34" charset="0"/>
+                <a:ea typeface="微软雅黑 Light" panose="020B0502040204020203" pitchFamily="34" charset="-122"/>
+                <a:cs typeface="微软雅黑" panose="020B0503020204020204" charset="-122"/>
+              </a:rPr>
+              <a:t>spring </a:t>
+            </a:r>
+            <a:r>
+              <a:rPr kumimoji="0" lang="zh-CN" altLang="en-US" sz="1800" b="0" i="0" spc="50" baseline="0" noProof="0" dirty="0">
+                <a:ln w="3175">
+                  <a:noFill/>
+                  <a:prstDash val="dash"/>
+                </a:ln>
+                <a:solidFill>
+                  <a:sysClr val="windowText" lastClr="000000">
+                    <a:lumMod val="65000"/>
+                    <a:lumOff val="35000"/>
+                  </a:sysClr>
+                </a:solidFill>
+                <a:effectLst/>
+                <a:uLnTx/>
+                <a:uFillTx/>
+                <a:latin typeface="Arial" panose="020B0604020202020204" pitchFamily="34" charset="0"/>
+                <a:ea typeface="微软雅黑 Light" panose="020B0502040204020203" pitchFamily="34" charset="-122"/>
+                <a:cs typeface="微软雅黑" panose="020B0503020204020204" charset="-122"/>
+              </a:rPr>
+              <a:t>cloud bus 实现配置推送更新</a:t>
+            </a:r>
+            <a:endParaRPr kumimoji="0" altLang="zh-CN" sz="1800" b="0" i="0" spc="50" baseline="0" noProof="0" dirty="0">
               <a:ln w="3175">
                 <a:noFill/>
                 <a:prstDash val="dash"/>
@@ -8517,6 +9162,270 @@
                 <a:sym typeface="+mn-ea"/>
               </a:rPr>
               <a:t>Config</a:t>
+            </a:r>
+            <a:endParaRPr lang="zh-CN" altLang="en-US" sz="2400" dirty="0">
+              <a:latin typeface="微软雅黑" panose="020B0503020204020204" charset="-122"/>
+              <a:ea typeface="微软雅黑" panose="020B0503020204020204" charset="-122"/>
+              <a:sym typeface="+mn-ea"/>
+            </a:endParaRPr>
+          </a:p>
+          <a:p>
+            <a:pPr marL="0" marR="0" lvl="0" indent="0" algn="l" defTabSz="913765" rtl="0" eaLnBrk="1" fontAlgn="auto" latinLnBrk="0" hangingPunct="1">
+              <a:lnSpc>
+                <a:spcPct val="90000"/>
+              </a:lnSpc>
+              <a:spcBef>
+                <a:spcPct val="0"/>
+              </a:spcBef>
+              <a:spcAft>
+                <a:spcPts val="800"/>
+              </a:spcAft>
+              <a:buClrTx/>
+              <a:buSzTx/>
+              <a:buFontTx/>
+              <a:buNone/>
+              <a:defRPr/>
+            </a:pPr>
+            <a:endParaRPr kumimoji="0" lang="zh-CN" altLang="en-US" sz="2400" b="1" i="0" spc="300" baseline="0" noProof="0" dirty="0">
+              <a:ln w="3175">
+                <a:noFill/>
+                <a:prstDash val="dash"/>
+              </a:ln>
+              <a:solidFill>
+                <a:sysClr val="windowText" lastClr="000000">
+                  <a:lumMod val="75000"/>
+                  <a:lumOff val="25000"/>
+                </a:sysClr>
+              </a:solidFill>
+              <a:effectLst/>
+              <a:uLnTx/>
+              <a:uFillTx/>
+              <a:latin typeface="Arial" panose="020B0604020202020204" pitchFamily="34" charset="0"/>
+              <a:ea typeface="微软雅黑" panose="020B0503020204020204" charset="-122"/>
+              <a:cs typeface="微软雅黑" panose="020B0503020204020204" charset="-122"/>
+            </a:endParaRPr>
+          </a:p>
+        </p:txBody>
+      </p:sp>
+    </p:spTree>
+    <p:custDataLst>
+      <p:tags r:id="rId3"/>
+    </p:custDataLst>
+  </p:cSld>
+  <p:clrMapOvr>
+    <a:masterClrMapping/>
+  </p:clrMapOvr>
+  <mc:AlternateContent xmlns:mc="http://schemas.openxmlformats.org/markup-compatibility/2006">
+    <mc:Choice xmlns:p14="http://schemas.microsoft.com/office/powerpoint/2010/main" Requires="p14">
+      <p:transition p14:dur="500"/>
+    </mc:Choice>
+    <mc:Fallback>
+      <p:transition/>
+    </mc:Fallback>
+  </mc:AlternateContent>
+</p:sld>
+</file>
+
+<file path=ppt/slides/slide8.xml><?xml version="1.0" encoding="utf-8"?>
+<p:sld xmlns:a="http://schemas.openxmlformats.org/drawingml/2006/main" xmlns:r="http://schemas.openxmlformats.org/officeDocument/2006/relationships" xmlns:p="http://schemas.openxmlformats.org/presentationml/2006/main">
+  <p:cSld>
+    <p:spTree>
+      <p:nvGrpSpPr>
+        <p:cNvPr id="1" name=""/>
+        <p:cNvGrpSpPr/>
+        <p:nvPr/>
+      </p:nvGrpSpPr>
+      <p:grpSpPr/>
+      <p:sp>
+        <p:nvSpPr>
+          <p:cNvPr id="8" name="Title 6"/>
+          <p:cNvSpPr txBox="1"/>
+          <p:nvPr>
+            <p:custDataLst>
+              <p:tags r:id="rId1"/>
+            </p:custDataLst>
+          </p:nvPr>
+        </p:nvSpPr>
+        <p:spPr>
+          <a:xfrm>
+            <a:off x="608330" y="966470"/>
+            <a:ext cx="10975340" cy="5316220"/>
+          </a:xfrm>
+          <a:prstGeom prst="rect">
+            <a:avLst/>
+          </a:prstGeom>
+          <a:noFill/>
+          <a:ln w="3175">
+            <a:noFill/>
+            <a:prstDash val="sysDash"/>
+          </a:ln>
+        </p:spPr>
+        <p:txBody>
+          <a:bodyPr wrap="square" lIns="72000" tIns="36000" rIns="72000" bIns="36000" anchor="t" anchorCtr="0">
+            <a:noAutofit/>
+          </a:bodyPr>
+          <a:lstStyle>
+            <a:lvl1pPr algn="l" defTabSz="913765" rtl="0" eaLnBrk="1" latinLnBrk="0" hangingPunct="1">
+              <a:lnSpc>
+                <a:spcPct val="90000"/>
+              </a:lnSpc>
+              <a:spcBef>
+                <a:spcPct val="0"/>
+              </a:spcBef>
+              <a:buNone/>
+              <a:defRPr lang="en-US" sz="2745" b="0" kern="1200" cap="none" spc="-49" baseline="0" dirty="0" smtClean="0">
+                <a:ln w="3175">
+                  <a:noFill/>
+                </a:ln>
+                <a:solidFill>
+                  <a:sysClr val="windowText" lastClr="000000"/>
+                </a:solidFill>
+                <a:effectLst/>
+                <a:latin typeface="Arial" panose="020B0604020202020204" pitchFamily="34" charset="0"/>
+                <a:ea typeface="微软雅黑" panose="020B0503020204020204" charset="-122"/>
+                <a:cs typeface="Segoe UI" panose="020B0502040204020203" pitchFamily="34" charset="0"/>
+              </a:defRPr>
+            </a:lvl1pPr>
+          </a:lstStyle>
+          <a:p>
+            <a:pPr marR="0" lvl="0" indent="0" algn="just" defTabSz="914400" rtl="0" eaLnBrk="1" fontAlgn="auto" latinLnBrk="0" hangingPunct="1">
+              <a:lnSpc>
+                <a:spcPct val="130000"/>
+              </a:lnSpc>
+              <a:spcBef>
+                <a:spcPts val="0"/>
+              </a:spcBef>
+              <a:spcAft>
+                <a:spcPts val="800"/>
+              </a:spcAft>
+              <a:buClrTx/>
+              <a:buSzTx/>
+              <a:buFont typeface="Arial" panose="020B0604020202020204" pitchFamily="34" charset="0"/>
+              <a:defRPr/>
+            </a:pPr>
+            <a:r>
+              <a:rPr kumimoji="0" altLang="zh-CN" sz="1800" b="0" i="0" spc="50" baseline="0" noProof="0" dirty="0">
+                <a:ln w="3175">
+                  <a:noFill/>
+                  <a:prstDash val="dash"/>
+                </a:ln>
+                <a:solidFill>
+                  <a:sysClr val="windowText" lastClr="000000">
+                    <a:lumMod val="65000"/>
+                    <a:lumOff val="35000"/>
+                  </a:sysClr>
+                </a:solidFill>
+                <a:effectLst/>
+                <a:uLnTx/>
+                <a:uFillTx/>
+                <a:latin typeface="Arial" panose="020B0604020202020204" pitchFamily="34" charset="0"/>
+                <a:ea typeface="微软雅黑 Light" panose="020B0502040204020203" pitchFamily="34" charset="-122"/>
+                <a:cs typeface="微软雅黑" panose="020B0503020204020204" charset="-122"/>
+              </a:rPr>
+              <a:t>点击输入正文</a:t>
+            </a:r>
+            <a:endParaRPr kumimoji="0" altLang="zh-CN" sz="1800" b="0" i="0" spc="50" baseline="0" noProof="0" dirty="0">
+              <a:ln w="3175">
+                <a:noFill/>
+                <a:prstDash val="dash"/>
+              </a:ln>
+              <a:solidFill>
+                <a:sysClr val="windowText" lastClr="000000">
+                  <a:lumMod val="65000"/>
+                  <a:lumOff val="35000"/>
+                </a:sysClr>
+              </a:solidFill>
+              <a:effectLst/>
+              <a:uLnTx/>
+              <a:uFillTx/>
+              <a:latin typeface="Arial" panose="020B0604020202020204" pitchFamily="34" charset="0"/>
+              <a:ea typeface="微软雅黑 Light" panose="020B0502040204020203" pitchFamily="34" charset="-122"/>
+              <a:cs typeface="微软雅黑" panose="020B0503020204020204" charset="-122"/>
+            </a:endParaRPr>
+          </a:p>
+        </p:txBody>
+      </p:sp>
+      <p:sp>
+        <p:nvSpPr>
+          <p:cNvPr id="4" name="Title 6"/>
+          <p:cNvSpPr txBox="1"/>
+          <p:nvPr>
+            <p:custDataLst>
+              <p:tags r:id="rId2"/>
+            </p:custDataLst>
+          </p:nvPr>
+        </p:nvSpPr>
+        <p:spPr>
+          <a:xfrm>
+            <a:off x="608330" y="288925"/>
+            <a:ext cx="10975340" cy="677545"/>
+          </a:xfrm>
+          <a:prstGeom prst="rect">
+            <a:avLst/>
+          </a:prstGeom>
+          <a:noFill/>
+          <a:ln w="3175">
+            <a:noFill/>
+            <a:prstDash val="sysDash"/>
+          </a:ln>
+        </p:spPr>
+        <p:txBody>
+          <a:bodyPr wrap="square" lIns="72000" tIns="36000" rIns="72000" bIns="108000" anchor="ctr" anchorCtr="0">
+            <a:noAutofit/>
+          </a:bodyPr>
+          <a:lstStyle>
+            <a:lvl1pPr algn="l" defTabSz="913765" rtl="0" eaLnBrk="1" latinLnBrk="0" hangingPunct="1">
+              <a:lnSpc>
+                <a:spcPct val="90000"/>
+              </a:lnSpc>
+              <a:spcBef>
+                <a:spcPct val="0"/>
+              </a:spcBef>
+              <a:buNone/>
+              <a:defRPr lang="en-US" sz="2745" b="0" kern="1200" cap="none" spc="-49" baseline="0" dirty="0" smtClean="0">
+                <a:ln w="3175">
+                  <a:noFill/>
+                </a:ln>
+                <a:solidFill>
+                  <a:sysClr val="windowText" lastClr="000000"/>
+                </a:solidFill>
+                <a:effectLst/>
+                <a:latin typeface="Arial" panose="020B0604020202020204" pitchFamily="34" charset="0"/>
+                <a:ea typeface="微软雅黑" panose="020B0503020204020204" charset="-122"/>
+                <a:cs typeface="Segoe UI" panose="020B0502040204020203" pitchFamily="34" charset="0"/>
+              </a:defRPr>
+            </a:lvl1pPr>
+          </a:lstStyle>
+          <a:p>
+            <a:pPr marL="0" marR="0" lvl="0" indent="0" algn="l" defTabSz="913765" rtl="0" eaLnBrk="1" fontAlgn="auto" latinLnBrk="0" hangingPunct="1">
+              <a:lnSpc>
+                <a:spcPct val="90000"/>
+              </a:lnSpc>
+              <a:spcBef>
+                <a:spcPct val="0"/>
+              </a:spcBef>
+              <a:spcAft>
+                <a:spcPts val="800"/>
+              </a:spcAft>
+              <a:buClrTx/>
+              <a:buSzTx/>
+              <a:buFontTx/>
+              <a:buNone/>
+              <a:defRPr/>
+            </a:pPr>
+            <a:r>
+              <a:rPr lang="zh-CN" altLang="en-US" sz="2400">
+                <a:latin typeface="微软雅黑" panose="020B0503020204020204" charset="-122"/>
+                <a:sym typeface="+mn-ea"/>
+              </a:rPr>
+              <a:t>四、服务容错保护</a:t>
+            </a:r>
+            <a:r>
+              <a:rPr altLang="zh-CN" sz="2400">
+                <a:latin typeface="微软雅黑" panose="020B0503020204020204" charset="-122"/>
+                <a:sym typeface="+mn-ea"/>
+              </a:rPr>
+              <a:t>Hystrix</a:t>
             </a:r>
             <a:endParaRPr lang="zh-CN" altLang="en-US" sz="2400" dirty="0">
               <a:latin typeface="微软雅黑" panose="020B0503020204020204" charset="-122"/>
@@ -8862,6 +9771,82 @@
   <p:tag name="KSO_WM_UNIT_BLOCK" val="0"/>
   <p:tag name="KSO_WM_UNIT_ISNUMDGMTITLE" val="0"/>
   <p:tag name="KSO_WM_UNIT_PLACING_PICTURE_MD4" val="0"/>
+</p:tagLst>
+</file>
+
+<file path=ppt/tags/tag20.xml><?xml version="1.0" encoding="utf-8"?>
+<p:tagLst xmlns:p="http://schemas.openxmlformats.org/presentationml/2006/main">
+  <p:tag name="KSO_WM_UNIT_PRESET_TEXT" val="点击输入正文"/>
+  <p:tag name="KSO_WM_UNIT_NOCLEAR" val="0"/>
+  <p:tag name="KSO_WM_UNIT_SHOW_EDIT_AREA_INDICATION" val="1"/>
+  <p:tag name="KSO_WM_UNIT_VALUE" val="564"/>
+  <p:tag name="KSO_WM_UNIT_HIGHLIGHT" val="0"/>
+  <p:tag name="KSO_WM_UNIT_COMPATIBLE" val="0"/>
+  <p:tag name="KSO_WM_UNIT_DIAGRAM_ISNUMVISUAL" val="0"/>
+  <p:tag name="KSO_WM_UNIT_DIAGRAM_ISREFERUNIT" val="0"/>
+  <p:tag name="KSO_WM_UNIT_TYPE" val="f"/>
+  <p:tag name="KSO_WM_UNIT_INDEX" val="1"/>
+  <p:tag name="KSO_WM_UNIT_ID" val="diagram20200864_1*f*1"/>
+  <p:tag name="KSO_WM_TEMPLATE_CATEGORY" val="diagram"/>
+  <p:tag name="KSO_WM_TEMPLATE_INDEX" val="20200864"/>
+  <p:tag name="KSO_WM_UNIT_LAYERLEVEL" val="1"/>
+  <p:tag name="KSO_WM_TAG_VERSION" val="1.0"/>
+  <p:tag name="KSO_WM_BEAUTIFY_FLAG" val="#wm#"/>
+  <p:tag name="KSO_WM_UNIT_DEFAULT_FONT" val="14;18;2"/>
+  <p:tag name="KSO_WM_UNIT_BLOCK" val="0"/>
+  <p:tag name="KSO_WM_UNIT_PLACING_PICTURE_MD4" val="0"/>
+</p:tagLst>
+</file>
+
+<file path=ppt/tags/tag21.xml><?xml version="1.0" encoding="utf-8"?>
+<p:tagLst xmlns:p="http://schemas.openxmlformats.org/presentationml/2006/main">
+  <p:tag name="KSO_WM_UNIT_ISCONTENTSTITLE" val="0"/>
+  <p:tag name="KSO_WM_UNIT_PRESET_TEXT" val="点击输入大标题"/>
+  <p:tag name="KSO_WM_UNIT_NOCLEAR" val="0"/>
+  <p:tag name="KSO_WM_UNIT_SHOW_EDIT_AREA_INDICATION" val="1"/>
+  <p:tag name="KSO_WM_UNIT_VALUE" val="52"/>
+  <p:tag name="KSO_WM_UNIT_HIGHLIGHT" val="0"/>
+  <p:tag name="KSO_WM_UNIT_COMPATIBLE" val="0"/>
+  <p:tag name="KSO_WM_UNIT_DIAGRAM_ISNUMVISUAL" val="0"/>
+  <p:tag name="KSO_WM_UNIT_DIAGRAM_ISREFERUNIT" val="0"/>
+  <p:tag name="KSO_WM_UNIT_TYPE" val="a"/>
+  <p:tag name="KSO_WM_UNIT_INDEX" val="1"/>
+  <p:tag name="KSO_WM_UNIT_ID" val="diagram20200864_1*a*1"/>
+  <p:tag name="KSO_WM_TEMPLATE_CATEGORY" val="diagram"/>
+  <p:tag name="KSO_WM_TEMPLATE_INDEX" val="20200864"/>
+  <p:tag name="KSO_WM_UNIT_LAYERLEVEL" val="1"/>
+  <p:tag name="KSO_WM_TAG_VERSION" val="1.0"/>
+  <p:tag name="KSO_WM_BEAUTIFY_FLAG" val="#wm#"/>
+  <p:tag name="KSO_WM_UNIT_DEFAULT_FONT" val="32;36;4"/>
+  <p:tag name="KSO_WM_UNIT_BLOCK" val="0"/>
+  <p:tag name="KSO_WM_UNIT_ISNUMDGMTITLE" val="0"/>
+  <p:tag name="KSO_WM_UNIT_PLACING_PICTURE_MD4" val="0"/>
+</p:tagLst>
+</file>
+
+<file path=ppt/tags/tag22.xml><?xml version="1.0" encoding="utf-8"?>
+<p:tagLst xmlns:p="http://schemas.openxmlformats.org/presentationml/2006/main">
+  <p:tag name="KSO_WM_SLIDE_ID" val="diagram20200864_1"/>
+  <p:tag name="KSO_WM_TEMPLATE_SUBCATEGORY" val="11"/>
+  <p:tag name="KSO_WM_SLIDE_TYPE" val="text"/>
+  <p:tag name="KSO_WM_SLIDE_SUBTYPE" val="pureTxt"/>
+  <p:tag name="KSO_WM_SLIDE_ITEM_CNT" val="0"/>
+  <p:tag name="KSO_WM_SLIDE_INDEX" val="1"/>
+  <p:tag name="KSO_WM_UNIT_SHOW_EDIT_AREA_INDICATION" val="1"/>
+  <p:tag name="KSO_WM_SLIDE_SIZE" val="864*454"/>
+  <p:tag name="KSO_WM_SLIDE_POSITION" val="47*37"/>
+  <p:tag name="KSO_WM_TAG_VERSION" val="1.0"/>
+  <p:tag name="KSO_WM_BEAUTIFY_FLAG" val="#wm#"/>
+  <p:tag name="KSO_WM_TEMPLATE_CATEGORY" val="diagram"/>
+  <p:tag name="KSO_WM_TEMPLATE_INDEX" val="20200864"/>
+  <p:tag name="KSO_WM_SLIDE_LAYOUT" val="a_f"/>
+  <p:tag name="KSO_WM_SLIDE_LAYOUT_CNT" val="1_1"/>
+  <p:tag name="KSO_WM_SLIDE_LAYOUT_INFO" val="{&quot;direction&quot;:0,&quot;horizontalAlign&quot;:-1,&quot;verticalAlign&quot;:-1,&quot;type&quot;:0,&quot;diagramDirection&quot;:0,&quot;canSetOverLayout&quot;:0,&quot;isOverLayout&quot;:0,&quot;normalSize&quot;:{&quot;size1&quot;:26.0},&quot;minSize&quot;:{&quot;size1&quot;:26.0},&quot;maxSize&quot;:{&quot;size1&quot;:26.0},&quot;edge&quot;:{&quot;left&quot;:true,&quot;top&quot;:true,&quot;right&quot;:true,&quot;bottom&quot;:true},&quot;backgroundInfo&quot;:[{&quot;type&quot;:&quot;general&quot;,&quot;left&quot;:0.0,&quot;top&quot;:0.0,&quot;right&quot;:0.0,&quot;bottom&quot;:0.0},{&quot;type&quot;:&quot;frame&quot;,&quot;left&quot;:0.0,&quot;top&quot;:0.0,&quot;right&quot;:0.0,&quot;bottom&quot;:0.0}],&quot;subLayout&quot;:[{&quot;direction&quot;:0,&quot;horizontalAlign&quot;:0,&quot;verticalAlign&quot;:1,&quot;type&quot;:0,&quot;diagramDirection&quot;:0,&quot;canSetOverLayout&quot;:0,&quot;isOverLayout&quot;:0,&quot;margin&quot;:{&quot;left&quot;:1.69,&quot;top&quot;:1.319,&quot;right&quot;:1.69,&quot;bottom&quot;:0.163},&quot;edge&quot;:{&quot;left&quot;:true,&quot;top&quot;:true,&quot;right&quot;:true,&quot;bottom&quot;:false}},{&quot;direction&quot;:0,&quot;horizontalAlign&quot;:0,&quot;verticalAlign&quot;:1,&quot;type&quot;:0,&quot;diagramDirection&quot;:0,&quot;canSetOverLayout&quot;:0,&quot;isOverLayout&quot;:0,&quot;margin&quot;:{&quot;left&quot;:1.69,&quot;top&quot;:0.026,&quot;right&quot;:1.69,&quot;bottom&quot;:1.69},&quot;edge&quot;:{&quot;left&quot;:true,&quot;top&quot;:false,&quot;right&quot;:true,&quot;bottom&quot;:true}}]}"/>
+  <p:tag name="KSO_WM_SLIDE_CAN_ADD_NAVIGATION" val="1"/>
+  <p:tag name="KSO_WM_SLIDE_BACKGROUND" val="[&quot;general&quot;,&quot;frame&quot;]"/>
+  <p:tag name="KSO_WM_SLIDE_RATIO" val="1.777778"/>
+  <p:tag name="KSO_WM_TEMPLATE_MASTER_TYPE" val="0"/>
+  <p:tag name="KSO_WM_TEMPLATE_COLOR_TYPE" val="1"/>
 </p:tagLst>
 </file>
 

--- a/document/springcloud实践.pptx
+++ b/document/springcloud实践.pptx
@@ -13,6 +13,12 @@
     <p:sldId id="262" r:id="rId8"/>
     <p:sldId id="263" r:id="rId9"/>
     <p:sldId id="264" r:id="rId10"/>
+    <p:sldId id="265" r:id="rId11"/>
+    <p:sldId id="266" r:id="rId12"/>
+    <p:sldId id="267" r:id="rId13"/>
+    <p:sldId id="268" r:id="rId14"/>
+    <p:sldId id="269" r:id="rId15"/>
+    <p:sldId id="270" r:id="rId16"/>
   </p:sldIdLst>
   <p:sldSz cx="12192000" cy="6858000"/>
   <p:notesSz cx="6858000" cy="9144000"/>
@@ -3477,6 +3483,1609 @@
 </p:sld>
 </file>
 
+<file path=ppt/slides/slide10.xml><?xml version="1.0" encoding="utf-8"?>
+<p:sld xmlns:a="http://schemas.openxmlformats.org/drawingml/2006/main" xmlns:r="http://schemas.openxmlformats.org/officeDocument/2006/relationships" xmlns:p="http://schemas.openxmlformats.org/presentationml/2006/main">
+  <p:cSld>
+    <p:spTree>
+      <p:nvGrpSpPr>
+        <p:cNvPr id="1" name=""/>
+        <p:cNvGrpSpPr/>
+        <p:nvPr/>
+      </p:nvGrpSpPr>
+      <p:grpSpPr/>
+      <p:sp>
+        <p:nvSpPr>
+          <p:cNvPr id="8" name="Title 6"/>
+          <p:cNvSpPr txBox="1"/>
+          <p:nvPr>
+            <p:custDataLst>
+              <p:tags r:id="rId1"/>
+            </p:custDataLst>
+          </p:nvPr>
+        </p:nvSpPr>
+        <p:spPr>
+          <a:xfrm>
+            <a:off x="617220" y="513080"/>
+            <a:ext cx="10975340" cy="6186805"/>
+          </a:xfrm>
+          <a:prstGeom prst="rect">
+            <a:avLst/>
+          </a:prstGeom>
+          <a:noFill/>
+          <a:ln w="3175">
+            <a:noFill/>
+            <a:prstDash val="sysDash"/>
+          </a:ln>
+        </p:spPr>
+        <p:txBody>
+          <a:bodyPr wrap="square" lIns="72000" tIns="36000" rIns="72000" bIns="36000" anchor="t" anchorCtr="0">
+            <a:noAutofit/>
+          </a:bodyPr>
+          <a:lstStyle>
+            <a:lvl1pPr algn="l" defTabSz="913765" rtl="0" eaLnBrk="1" latinLnBrk="0" hangingPunct="1">
+              <a:lnSpc>
+                <a:spcPct val="90000"/>
+              </a:lnSpc>
+              <a:spcBef>
+                <a:spcPct val="0"/>
+              </a:spcBef>
+              <a:buNone/>
+              <a:defRPr lang="en-US" sz="2745" b="0" kern="1200" cap="none" spc="-49" baseline="0" dirty="0" smtClean="0">
+                <a:ln w="3175">
+                  <a:noFill/>
+                </a:ln>
+                <a:solidFill>
+                  <a:sysClr val="windowText" lastClr="000000"/>
+                </a:solidFill>
+                <a:effectLst/>
+                <a:latin typeface="Arial" panose="020B0604020202020204" pitchFamily="34" charset="0"/>
+                <a:ea typeface="微软雅黑" panose="020B0503020204020204" charset="-122"/>
+                <a:cs typeface="Segoe UI" panose="020B0502040204020203" pitchFamily="34" charset="0"/>
+              </a:defRPr>
+            </a:lvl1pPr>
+          </a:lstStyle>
+          <a:p>
+            <a:pPr marR="0" lvl="0" indent="0" algn="just" defTabSz="914400" rtl="0" eaLnBrk="1" fontAlgn="auto" latinLnBrk="0" hangingPunct="1">
+              <a:lnSpc>
+                <a:spcPct val="130000"/>
+              </a:lnSpc>
+              <a:spcBef>
+                <a:spcPts val="0"/>
+              </a:spcBef>
+              <a:spcAft>
+                <a:spcPts val="800"/>
+              </a:spcAft>
+              <a:buClrTx/>
+              <a:buSzTx/>
+              <a:buFont typeface="Arial" panose="020B0604020202020204" pitchFamily="34" charset="0"/>
+              <a:defRPr/>
+            </a:pPr>
+            <a:r>
+              <a:rPr kumimoji="0" lang="zh-CN" altLang="en-US" sz="1800" i="0" spc="50" baseline="0" noProof="0" dirty="0">
+                <a:ln w="3175">
+                  <a:noFill/>
+                  <a:prstDash val="dash"/>
+                </a:ln>
+                <a:solidFill>
+                  <a:sysClr val="windowText" lastClr="000000">
+                    <a:lumMod val="65000"/>
+                    <a:lumOff val="35000"/>
+                  </a:sysClr>
+                </a:solidFill>
+                <a:effectLst/>
+                <a:uLnTx/>
+                <a:uFillTx/>
+                <a:latin typeface="Arial" panose="020B0604020202020204" pitchFamily="34" charset="0"/>
+                <a:ea typeface="微软雅黑 Light" panose="020B0502040204020203" pitchFamily="34" charset="-122"/>
+                <a:cs typeface="微软雅黑" panose="020B0503020204020204" charset="-122"/>
+              </a:rPr>
+              <a:t>　　当一定时间内，异常请求比例（请求超时、网络故障、服务异常等）达到阀值时，启动熔断器，熔断器一旦启动，则会停止调用具体服务逻辑，通过fallback快速返回托底数据，保证服务链的完整。</a:t>
+            </a:r>
+            <a:endParaRPr kumimoji="0" lang="zh-CN" altLang="en-US" sz="1800" i="0" spc="50" baseline="0" noProof="0" dirty="0">
+              <a:ln w="3175">
+                <a:noFill/>
+                <a:prstDash val="dash"/>
+              </a:ln>
+              <a:solidFill>
+                <a:sysClr val="windowText" lastClr="000000">
+                  <a:lumMod val="65000"/>
+                  <a:lumOff val="35000"/>
+                </a:sysClr>
+              </a:solidFill>
+              <a:effectLst/>
+              <a:uLnTx/>
+              <a:uFillTx/>
+              <a:latin typeface="Arial" panose="020B0604020202020204" pitchFamily="34" charset="0"/>
+              <a:ea typeface="微软雅黑 Light" panose="020B0502040204020203" pitchFamily="34" charset="-122"/>
+              <a:cs typeface="微软雅黑" panose="020B0503020204020204" charset="-122"/>
+            </a:endParaRPr>
+          </a:p>
+          <a:p>
+            <a:pPr marR="0" lvl="0" indent="0" algn="just" defTabSz="914400" rtl="0" eaLnBrk="1" fontAlgn="auto" latinLnBrk="0" hangingPunct="1">
+              <a:lnSpc>
+                <a:spcPct val="130000"/>
+              </a:lnSpc>
+              <a:spcBef>
+                <a:spcPts val="0"/>
+              </a:spcBef>
+              <a:spcAft>
+                <a:spcPts val="800"/>
+              </a:spcAft>
+              <a:buClrTx/>
+              <a:buSzTx/>
+              <a:buFont typeface="Arial" panose="020B0604020202020204" pitchFamily="34" charset="0"/>
+              <a:defRPr/>
+            </a:pPr>
+            <a:r>
+              <a:rPr kumimoji="0" lang="zh-CN" altLang="en-US" sz="1800" i="0" spc="50" baseline="0" noProof="0" dirty="0">
+                <a:ln w="3175">
+                  <a:noFill/>
+                  <a:prstDash val="dash"/>
+                </a:ln>
+                <a:solidFill>
+                  <a:sysClr val="windowText" lastClr="000000">
+                    <a:lumMod val="65000"/>
+                    <a:lumOff val="35000"/>
+                  </a:sysClr>
+                </a:solidFill>
+                <a:effectLst/>
+                <a:uLnTx/>
+                <a:uFillTx/>
+                <a:latin typeface="Arial" panose="020B0604020202020204" pitchFamily="34" charset="0"/>
+                <a:ea typeface="微软雅黑 Light" panose="020B0502040204020203" pitchFamily="34" charset="-122"/>
+                <a:cs typeface="微软雅黑" panose="020B0503020204020204" charset="-122"/>
+              </a:rPr>
+              <a:t>　　熔断有自动恢复机制，如：当熔断器启动后，每隔5秒，尝试将新的请求发送给服务提供者，如果服务可正常执行并返回结果，则关闭熔断器，服务恢复。如果仍旧调用失败，则继续返回托底数据，熔断器持续开启状态。</a:t>
+            </a:r>
+            <a:endParaRPr kumimoji="0" lang="zh-CN" altLang="en-US" sz="1800" i="0" spc="50" baseline="0" noProof="0" dirty="0">
+              <a:ln w="3175">
+                <a:noFill/>
+                <a:prstDash val="dash"/>
+              </a:ln>
+              <a:solidFill>
+                <a:sysClr val="windowText" lastClr="000000">
+                  <a:lumMod val="65000"/>
+                  <a:lumOff val="35000"/>
+                </a:sysClr>
+              </a:solidFill>
+              <a:effectLst/>
+              <a:uLnTx/>
+              <a:uFillTx/>
+              <a:latin typeface="Arial" panose="020B0604020202020204" pitchFamily="34" charset="0"/>
+              <a:ea typeface="微软雅黑 Light" panose="020B0502040204020203" pitchFamily="34" charset="-122"/>
+              <a:cs typeface="微软雅黑" panose="020B0503020204020204" charset="-122"/>
+            </a:endParaRPr>
+          </a:p>
+          <a:p>
+            <a:pPr marR="0" lvl="0" indent="0" algn="just" defTabSz="914400" rtl="0" eaLnBrk="1" fontAlgn="auto" latinLnBrk="0" hangingPunct="1">
+              <a:lnSpc>
+                <a:spcPct val="130000"/>
+              </a:lnSpc>
+              <a:spcBef>
+                <a:spcPts val="0"/>
+              </a:spcBef>
+              <a:spcAft>
+                <a:spcPts val="800"/>
+              </a:spcAft>
+              <a:buClrTx/>
+              <a:buSzTx/>
+              <a:buFont typeface="Arial" panose="020B0604020202020204" pitchFamily="34" charset="0"/>
+              <a:defRPr/>
+            </a:pPr>
+            <a:endParaRPr kumimoji="0" lang="zh-CN" altLang="en-US" sz="1800" i="0" spc="50" baseline="0" noProof="0" dirty="0">
+              <a:ln w="3175">
+                <a:noFill/>
+                <a:prstDash val="dash"/>
+              </a:ln>
+              <a:solidFill>
+                <a:sysClr val="windowText" lastClr="000000">
+                  <a:lumMod val="65000"/>
+                  <a:lumOff val="35000"/>
+                </a:sysClr>
+              </a:solidFill>
+              <a:effectLst/>
+              <a:uLnTx/>
+              <a:uFillTx/>
+              <a:latin typeface="Arial" panose="020B0604020202020204" pitchFamily="34" charset="0"/>
+              <a:ea typeface="微软雅黑 Light" panose="020B0502040204020203" pitchFamily="34" charset="-122"/>
+              <a:cs typeface="微软雅黑" panose="020B0503020204020204" charset="-122"/>
+            </a:endParaRPr>
+          </a:p>
+        </p:txBody>
+      </p:sp>
+      <p:sp>
+        <p:nvSpPr>
+          <p:cNvPr id="4" name="Title 6"/>
+          <p:cNvSpPr txBox="1"/>
+          <p:nvPr>
+            <p:custDataLst>
+              <p:tags r:id="rId2"/>
+            </p:custDataLst>
+          </p:nvPr>
+        </p:nvSpPr>
+        <p:spPr>
+          <a:xfrm>
+            <a:off x="608330" y="288925"/>
+            <a:ext cx="10975340" cy="487045"/>
+          </a:xfrm>
+          <a:prstGeom prst="rect">
+            <a:avLst/>
+          </a:prstGeom>
+          <a:noFill/>
+          <a:ln w="3175">
+            <a:noFill/>
+            <a:prstDash val="sysDash"/>
+          </a:ln>
+        </p:spPr>
+        <p:txBody>
+          <a:bodyPr wrap="square" lIns="72000" tIns="36000" rIns="72000" bIns="108000" anchor="ctr" anchorCtr="0">
+            <a:noAutofit/>
+          </a:bodyPr>
+          <a:lstStyle>
+            <a:lvl1pPr algn="l" defTabSz="913765" rtl="0" eaLnBrk="1" latinLnBrk="0" hangingPunct="1">
+              <a:lnSpc>
+                <a:spcPct val="90000"/>
+              </a:lnSpc>
+              <a:spcBef>
+                <a:spcPct val="0"/>
+              </a:spcBef>
+              <a:buNone/>
+              <a:defRPr lang="en-US" sz="2745" b="0" kern="1200" cap="none" spc="-49" baseline="0" dirty="0" smtClean="0">
+                <a:ln w="3175">
+                  <a:noFill/>
+                </a:ln>
+                <a:solidFill>
+                  <a:sysClr val="windowText" lastClr="000000"/>
+                </a:solidFill>
+                <a:effectLst/>
+                <a:latin typeface="Arial" panose="020B0604020202020204" pitchFamily="34" charset="0"/>
+                <a:ea typeface="微软雅黑" panose="020B0503020204020204" charset="-122"/>
+                <a:cs typeface="Segoe UI" panose="020B0502040204020203" pitchFamily="34" charset="0"/>
+              </a:defRPr>
+            </a:lvl1pPr>
+          </a:lstStyle>
+          <a:p>
+            <a:pPr marL="0" marR="0" lvl="0" indent="0" algn="l" defTabSz="913765" rtl="0" eaLnBrk="1" fontAlgn="auto" latinLnBrk="0" hangingPunct="1">
+              <a:lnSpc>
+                <a:spcPct val="90000"/>
+              </a:lnSpc>
+              <a:spcBef>
+                <a:spcPct val="0"/>
+              </a:spcBef>
+              <a:spcAft>
+                <a:spcPts val="800"/>
+              </a:spcAft>
+              <a:buClrTx/>
+              <a:buSzTx/>
+              <a:buFontTx/>
+              <a:buNone/>
+              <a:defRPr/>
+            </a:pPr>
+            <a:r>
+              <a:rPr kumimoji="0" lang="zh-CN" altLang="en-US" sz="2400" i="0" spc="300" baseline="0" noProof="0" dirty="0">
+                <a:ln w="3175">
+                  <a:noFill/>
+                  <a:prstDash val="dash"/>
+                </a:ln>
+                <a:solidFill>
+                  <a:sysClr val="windowText" lastClr="000000">
+                    <a:lumMod val="75000"/>
+                    <a:lumOff val="25000"/>
+                  </a:sysClr>
+                </a:solidFill>
+                <a:effectLst/>
+                <a:uLnTx/>
+                <a:uFillTx/>
+                <a:latin typeface="Arial" panose="020B0604020202020204" pitchFamily="34" charset="0"/>
+                <a:ea typeface="微软雅黑" panose="020B0503020204020204" charset="-122"/>
+                <a:cs typeface="微软雅黑" panose="020B0503020204020204" charset="-122"/>
+              </a:rPr>
+              <a:t>熔断</a:t>
+            </a:r>
+            <a:endParaRPr kumimoji="0" lang="zh-CN" altLang="en-US" sz="2400" i="0" spc="300" baseline="0" noProof="0" dirty="0">
+              <a:ln w="3175">
+                <a:noFill/>
+                <a:prstDash val="dash"/>
+              </a:ln>
+              <a:solidFill>
+                <a:sysClr val="windowText" lastClr="000000">
+                  <a:lumMod val="75000"/>
+                  <a:lumOff val="25000"/>
+                </a:sysClr>
+              </a:solidFill>
+              <a:effectLst/>
+              <a:uLnTx/>
+              <a:uFillTx/>
+              <a:latin typeface="Arial" panose="020B0604020202020204" pitchFamily="34" charset="0"/>
+              <a:ea typeface="微软雅黑" panose="020B0503020204020204" charset="-122"/>
+              <a:cs typeface="微软雅黑" panose="020B0503020204020204" charset="-122"/>
+            </a:endParaRPr>
+          </a:p>
+          <a:p>
+            <a:pPr marL="0" marR="0" lvl="0" indent="0" algn="l" defTabSz="913765" rtl="0" eaLnBrk="1" fontAlgn="auto" latinLnBrk="0" hangingPunct="1">
+              <a:lnSpc>
+                <a:spcPct val="90000"/>
+              </a:lnSpc>
+              <a:spcBef>
+                <a:spcPct val="0"/>
+              </a:spcBef>
+              <a:spcAft>
+                <a:spcPts val="800"/>
+              </a:spcAft>
+              <a:buClrTx/>
+              <a:buSzTx/>
+              <a:buFontTx/>
+              <a:buNone/>
+              <a:defRPr/>
+            </a:pPr>
+            <a:endParaRPr kumimoji="0" lang="zh-CN" altLang="en-US" sz="2400" i="0" spc="300" baseline="0" noProof="0" dirty="0">
+              <a:ln w="3175">
+                <a:noFill/>
+                <a:prstDash val="dash"/>
+              </a:ln>
+              <a:solidFill>
+                <a:sysClr val="windowText" lastClr="000000">
+                  <a:lumMod val="75000"/>
+                  <a:lumOff val="25000"/>
+                </a:sysClr>
+              </a:solidFill>
+              <a:effectLst/>
+              <a:uLnTx/>
+              <a:uFillTx/>
+              <a:latin typeface="Arial" panose="020B0604020202020204" pitchFamily="34" charset="0"/>
+              <a:ea typeface="微软雅黑" panose="020B0503020204020204" charset="-122"/>
+              <a:cs typeface="微软雅黑" panose="020B0503020204020204" charset="-122"/>
+            </a:endParaRPr>
+          </a:p>
+        </p:txBody>
+      </p:sp>
+      <p:pic>
+        <p:nvPicPr>
+          <p:cNvPr id="2" name="图片 1"/>
+          <p:cNvPicPr>
+            <a:picLocks noChangeAspect="1"/>
+          </p:cNvPicPr>
+          <p:nvPr/>
+        </p:nvPicPr>
+        <p:blipFill>
+          <a:blip r:embed="rId3"/>
+          <a:stretch>
+            <a:fillRect/>
+          </a:stretch>
+        </p:blipFill>
+        <p:spPr>
+          <a:xfrm>
+            <a:off x="2541905" y="2359025"/>
+            <a:ext cx="6324600" cy="3870960"/>
+          </a:xfrm>
+          <a:prstGeom prst="rect">
+            <a:avLst/>
+          </a:prstGeom>
+        </p:spPr>
+      </p:pic>
+    </p:spTree>
+    <p:custDataLst>
+      <p:tags r:id="rId4"/>
+    </p:custDataLst>
+  </p:cSld>
+  <p:clrMapOvr>
+    <a:masterClrMapping/>
+  </p:clrMapOvr>
+  <mc:AlternateContent xmlns:mc="http://schemas.openxmlformats.org/markup-compatibility/2006">
+    <mc:Choice xmlns:p14="http://schemas.microsoft.com/office/powerpoint/2010/main" Requires="p14">
+      <p:transition p14:dur="500"/>
+    </mc:Choice>
+    <mc:Fallback>
+      <p:transition/>
+    </mc:Fallback>
+  </mc:AlternateContent>
+</p:sld>
+</file>
+
+<file path=ppt/slides/slide11.xml><?xml version="1.0" encoding="utf-8"?>
+<p:sld xmlns:a="http://schemas.openxmlformats.org/drawingml/2006/main" xmlns:r="http://schemas.openxmlformats.org/officeDocument/2006/relationships" xmlns:p="http://schemas.openxmlformats.org/presentationml/2006/main">
+  <p:cSld>
+    <p:spTree>
+      <p:nvGrpSpPr>
+        <p:cNvPr id="1" name=""/>
+        <p:cNvGrpSpPr/>
+        <p:nvPr/>
+      </p:nvGrpSpPr>
+      <p:grpSpPr/>
+      <p:sp>
+        <p:nvSpPr>
+          <p:cNvPr id="8" name="Title 6"/>
+          <p:cNvSpPr txBox="1"/>
+          <p:nvPr>
+            <p:custDataLst>
+              <p:tags r:id="rId1"/>
+            </p:custDataLst>
+          </p:nvPr>
+        </p:nvSpPr>
+        <p:spPr>
+          <a:xfrm>
+            <a:off x="608330" y="513080"/>
+            <a:ext cx="10975340" cy="6186805"/>
+          </a:xfrm>
+          <a:prstGeom prst="rect">
+            <a:avLst/>
+          </a:prstGeom>
+          <a:noFill/>
+          <a:ln w="3175">
+            <a:noFill/>
+            <a:prstDash val="sysDash"/>
+          </a:ln>
+        </p:spPr>
+        <p:txBody>
+          <a:bodyPr wrap="square" lIns="72000" tIns="36000" rIns="72000" bIns="36000" anchor="t" anchorCtr="0">
+            <a:noAutofit/>
+          </a:bodyPr>
+          <a:lstStyle>
+            <a:lvl1pPr algn="l" defTabSz="913765" rtl="0" eaLnBrk="1" latinLnBrk="0" hangingPunct="1">
+              <a:lnSpc>
+                <a:spcPct val="90000"/>
+              </a:lnSpc>
+              <a:spcBef>
+                <a:spcPct val="0"/>
+              </a:spcBef>
+              <a:buNone/>
+              <a:defRPr lang="en-US" sz="2745" b="0" kern="1200" cap="none" spc="-49" baseline="0" dirty="0" smtClean="0">
+                <a:ln w="3175">
+                  <a:noFill/>
+                </a:ln>
+                <a:solidFill>
+                  <a:sysClr val="windowText" lastClr="000000"/>
+                </a:solidFill>
+                <a:effectLst/>
+                <a:latin typeface="Arial" panose="020B0604020202020204" pitchFamily="34" charset="0"/>
+                <a:ea typeface="微软雅黑" panose="020B0503020204020204" charset="-122"/>
+                <a:cs typeface="Segoe UI" panose="020B0502040204020203" pitchFamily="34" charset="0"/>
+              </a:defRPr>
+            </a:lvl1pPr>
+          </a:lstStyle>
+          <a:p>
+            <a:pPr marR="0" lvl="0" indent="0" algn="just" defTabSz="914400" rtl="0" eaLnBrk="1" fontAlgn="auto" latinLnBrk="0" hangingPunct="1">
+              <a:lnSpc>
+                <a:spcPct val="130000"/>
+              </a:lnSpc>
+              <a:spcBef>
+                <a:spcPts val="0"/>
+              </a:spcBef>
+              <a:spcAft>
+                <a:spcPts val="800"/>
+              </a:spcAft>
+              <a:buClrTx/>
+              <a:buSzTx/>
+              <a:buFont typeface="Arial" panose="020B0604020202020204" pitchFamily="34" charset="0"/>
+              <a:defRPr/>
+            </a:pPr>
+            <a:r>
+              <a:rPr kumimoji="0" lang="zh-CN" altLang="en-US" sz="1800" i="0" spc="50" baseline="0" noProof="0" dirty="0">
+                <a:ln w="3175">
+                  <a:noFill/>
+                  <a:prstDash val="dash"/>
+                </a:ln>
+                <a:solidFill>
+                  <a:sysClr val="windowText" lastClr="000000">
+                    <a:lumMod val="65000"/>
+                    <a:lumOff val="35000"/>
+                  </a:sysClr>
+                </a:solidFill>
+                <a:effectLst/>
+                <a:uLnTx/>
+                <a:uFillTx/>
+                <a:latin typeface="Arial" panose="020B0604020202020204" pitchFamily="34" charset="0"/>
+                <a:ea typeface="微软雅黑 Light" panose="020B0502040204020203" pitchFamily="34" charset="-122"/>
+                <a:cs typeface="微软雅黑" panose="020B0503020204020204" charset="-122"/>
+              </a:rPr>
+              <a:t>点击输入正文</a:t>
+            </a:r>
+            <a:endParaRPr kumimoji="0" lang="zh-CN" altLang="en-US" sz="1800" i="0" spc="50" baseline="0" noProof="0" dirty="0">
+              <a:ln w="3175">
+                <a:noFill/>
+                <a:prstDash val="dash"/>
+              </a:ln>
+              <a:solidFill>
+                <a:sysClr val="windowText" lastClr="000000">
+                  <a:lumMod val="65000"/>
+                  <a:lumOff val="35000"/>
+                </a:sysClr>
+              </a:solidFill>
+              <a:effectLst/>
+              <a:uLnTx/>
+              <a:uFillTx/>
+              <a:latin typeface="Arial" panose="020B0604020202020204" pitchFamily="34" charset="0"/>
+              <a:ea typeface="微软雅黑 Light" panose="020B0502040204020203" pitchFamily="34" charset="-122"/>
+              <a:cs typeface="微软雅黑" panose="020B0503020204020204" charset="-122"/>
+            </a:endParaRPr>
+          </a:p>
+        </p:txBody>
+      </p:sp>
+      <p:sp>
+        <p:nvSpPr>
+          <p:cNvPr id="4" name="Title 6"/>
+          <p:cNvSpPr txBox="1"/>
+          <p:nvPr>
+            <p:custDataLst>
+              <p:tags r:id="rId2"/>
+            </p:custDataLst>
+          </p:nvPr>
+        </p:nvSpPr>
+        <p:spPr>
+          <a:xfrm>
+            <a:off x="608330" y="288925"/>
+            <a:ext cx="10975340" cy="487045"/>
+          </a:xfrm>
+          <a:prstGeom prst="rect">
+            <a:avLst/>
+          </a:prstGeom>
+          <a:noFill/>
+          <a:ln w="3175">
+            <a:noFill/>
+            <a:prstDash val="sysDash"/>
+          </a:ln>
+        </p:spPr>
+        <p:txBody>
+          <a:bodyPr wrap="square" lIns="72000" tIns="36000" rIns="72000" bIns="108000" anchor="ctr" anchorCtr="0">
+            <a:noAutofit/>
+          </a:bodyPr>
+          <a:lstStyle>
+            <a:lvl1pPr algn="l" defTabSz="913765" rtl="0" eaLnBrk="1" latinLnBrk="0" hangingPunct="1">
+              <a:lnSpc>
+                <a:spcPct val="90000"/>
+              </a:lnSpc>
+              <a:spcBef>
+                <a:spcPct val="0"/>
+              </a:spcBef>
+              <a:buNone/>
+              <a:defRPr lang="en-US" sz="2745" b="0" kern="1200" cap="none" spc="-49" baseline="0" dirty="0" smtClean="0">
+                <a:ln w="3175">
+                  <a:noFill/>
+                </a:ln>
+                <a:solidFill>
+                  <a:sysClr val="windowText" lastClr="000000"/>
+                </a:solidFill>
+                <a:effectLst/>
+                <a:latin typeface="Arial" panose="020B0604020202020204" pitchFamily="34" charset="0"/>
+                <a:ea typeface="微软雅黑" panose="020B0503020204020204" charset="-122"/>
+                <a:cs typeface="Segoe UI" panose="020B0502040204020203" pitchFamily="34" charset="0"/>
+              </a:defRPr>
+            </a:lvl1pPr>
+          </a:lstStyle>
+          <a:p>
+            <a:pPr marL="0" marR="0" lvl="0" indent="0" algn="l" defTabSz="913765" rtl="0" eaLnBrk="1" fontAlgn="auto" latinLnBrk="0" hangingPunct="1">
+              <a:lnSpc>
+                <a:spcPct val="90000"/>
+              </a:lnSpc>
+              <a:spcBef>
+                <a:spcPct val="0"/>
+              </a:spcBef>
+              <a:spcAft>
+                <a:spcPts val="800"/>
+              </a:spcAft>
+              <a:buClrTx/>
+              <a:buSzTx/>
+              <a:buFontTx/>
+              <a:buNone/>
+              <a:defRPr/>
+            </a:pPr>
+            <a:r>
+              <a:rPr kumimoji="0" lang="zh-CN" altLang="en-US" sz="2400" i="0" spc="300" baseline="0" noProof="0" dirty="0">
+                <a:ln w="3175">
+                  <a:noFill/>
+                  <a:prstDash val="dash"/>
+                </a:ln>
+                <a:solidFill>
+                  <a:sysClr val="windowText" lastClr="000000">
+                    <a:lumMod val="75000"/>
+                    <a:lumOff val="25000"/>
+                  </a:sysClr>
+                </a:solidFill>
+                <a:effectLst/>
+                <a:uLnTx/>
+                <a:uFillTx/>
+                <a:latin typeface="Arial" panose="020B0604020202020204" pitchFamily="34" charset="0"/>
+                <a:ea typeface="微软雅黑" panose="020B0503020204020204" charset="-122"/>
+                <a:cs typeface="微软雅黑" panose="020B0503020204020204" charset="-122"/>
+              </a:rPr>
+              <a:t>线程池隔离</a:t>
+            </a:r>
+            <a:endParaRPr kumimoji="0" lang="zh-CN" altLang="en-US" sz="2400" i="0" spc="300" baseline="0" noProof="0" dirty="0">
+              <a:ln w="3175">
+                <a:noFill/>
+                <a:prstDash val="dash"/>
+              </a:ln>
+              <a:solidFill>
+                <a:sysClr val="windowText" lastClr="000000">
+                  <a:lumMod val="75000"/>
+                  <a:lumOff val="25000"/>
+                </a:sysClr>
+              </a:solidFill>
+              <a:effectLst/>
+              <a:uLnTx/>
+              <a:uFillTx/>
+              <a:latin typeface="Arial" panose="020B0604020202020204" pitchFamily="34" charset="0"/>
+              <a:ea typeface="微软雅黑" panose="020B0503020204020204" charset="-122"/>
+              <a:cs typeface="微软雅黑" panose="020B0503020204020204" charset="-122"/>
+            </a:endParaRPr>
+          </a:p>
+          <a:p>
+            <a:pPr marL="0" marR="0" lvl="0" indent="0" algn="l" defTabSz="913765" rtl="0" eaLnBrk="1" fontAlgn="auto" latinLnBrk="0" hangingPunct="1">
+              <a:lnSpc>
+                <a:spcPct val="90000"/>
+              </a:lnSpc>
+              <a:spcBef>
+                <a:spcPct val="0"/>
+              </a:spcBef>
+              <a:spcAft>
+                <a:spcPts val="800"/>
+              </a:spcAft>
+              <a:buClrTx/>
+              <a:buSzTx/>
+              <a:buFontTx/>
+              <a:buNone/>
+              <a:defRPr/>
+            </a:pPr>
+            <a:endParaRPr kumimoji="0" lang="zh-CN" altLang="en-US" sz="2400" i="0" spc="300" baseline="0" noProof="0" dirty="0">
+              <a:ln w="3175">
+                <a:noFill/>
+                <a:prstDash val="dash"/>
+              </a:ln>
+              <a:solidFill>
+                <a:sysClr val="windowText" lastClr="000000">
+                  <a:lumMod val="75000"/>
+                  <a:lumOff val="25000"/>
+                </a:sysClr>
+              </a:solidFill>
+              <a:effectLst/>
+              <a:uLnTx/>
+              <a:uFillTx/>
+              <a:latin typeface="Arial" panose="020B0604020202020204" pitchFamily="34" charset="0"/>
+              <a:ea typeface="微软雅黑" panose="020B0503020204020204" charset="-122"/>
+              <a:cs typeface="微软雅黑" panose="020B0503020204020204" charset="-122"/>
+            </a:endParaRPr>
+          </a:p>
+        </p:txBody>
+      </p:sp>
+      <p:pic>
+        <p:nvPicPr>
+          <p:cNvPr id="3" name="图片 2"/>
+          <p:cNvPicPr>
+            <a:picLocks noChangeAspect="1"/>
+          </p:cNvPicPr>
+          <p:nvPr>
+            <p:custDataLst>
+              <p:tags r:id="rId3"/>
+            </p:custDataLst>
+          </p:nvPr>
+        </p:nvPicPr>
+        <p:blipFill>
+          <a:blip r:embed="rId4"/>
+          <a:stretch>
+            <a:fillRect/>
+          </a:stretch>
+        </p:blipFill>
+        <p:spPr>
+          <a:xfrm>
+            <a:off x="6200140" y="513080"/>
+            <a:ext cx="5669280" cy="2804160"/>
+          </a:xfrm>
+          <a:prstGeom prst="rect">
+            <a:avLst/>
+          </a:prstGeom>
+        </p:spPr>
+      </p:pic>
+      <p:pic>
+        <p:nvPicPr>
+          <p:cNvPr id="6" name="图片 5"/>
+          <p:cNvPicPr>
+            <a:picLocks noChangeAspect="1"/>
+          </p:cNvPicPr>
+          <p:nvPr/>
+        </p:nvPicPr>
+        <p:blipFill>
+          <a:blip r:embed="rId5"/>
+          <a:stretch>
+            <a:fillRect/>
+          </a:stretch>
+        </p:blipFill>
+        <p:spPr>
+          <a:xfrm>
+            <a:off x="6200140" y="3803650"/>
+            <a:ext cx="5707380" cy="2659380"/>
+          </a:xfrm>
+          <a:prstGeom prst="rect">
+            <a:avLst/>
+          </a:prstGeom>
+        </p:spPr>
+      </p:pic>
+      <p:pic>
+        <p:nvPicPr>
+          <p:cNvPr id="7" name="图片 6"/>
+          <p:cNvPicPr>
+            <a:picLocks noChangeAspect="1"/>
+          </p:cNvPicPr>
+          <p:nvPr/>
+        </p:nvPicPr>
+        <p:blipFill>
+          <a:blip r:embed="rId6"/>
+          <a:stretch>
+            <a:fillRect/>
+          </a:stretch>
+        </p:blipFill>
+        <p:spPr>
+          <a:xfrm>
+            <a:off x="396240" y="3749040"/>
+            <a:ext cx="5631180" cy="2499360"/>
+          </a:xfrm>
+          <a:prstGeom prst="rect">
+            <a:avLst/>
+          </a:prstGeom>
+        </p:spPr>
+      </p:pic>
+      <p:pic>
+        <p:nvPicPr>
+          <p:cNvPr id="9" name="图片 8"/>
+          <p:cNvPicPr>
+            <a:picLocks noChangeAspect="1"/>
+          </p:cNvPicPr>
+          <p:nvPr/>
+        </p:nvPicPr>
+        <p:blipFill>
+          <a:blip r:embed="rId7"/>
+          <a:stretch>
+            <a:fillRect/>
+          </a:stretch>
+        </p:blipFill>
+        <p:spPr>
+          <a:xfrm>
+            <a:off x="396240" y="591185"/>
+            <a:ext cx="5646420" cy="2484120"/>
+          </a:xfrm>
+          <a:prstGeom prst="rect">
+            <a:avLst/>
+          </a:prstGeom>
+        </p:spPr>
+      </p:pic>
+    </p:spTree>
+    <p:custDataLst>
+      <p:tags r:id="rId8"/>
+    </p:custDataLst>
+  </p:cSld>
+  <p:clrMapOvr>
+    <a:masterClrMapping/>
+  </p:clrMapOvr>
+  <mc:AlternateContent xmlns:mc="http://schemas.openxmlformats.org/markup-compatibility/2006">
+    <mc:Choice xmlns:p14="http://schemas.microsoft.com/office/powerpoint/2010/main" Requires="p14">
+      <p:transition p14:dur="500"/>
+    </mc:Choice>
+    <mc:Fallback>
+      <p:transition/>
+    </mc:Fallback>
+  </mc:AlternateContent>
+</p:sld>
+</file>
+
+<file path=ppt/slides/slide12.xml><?xml version="1.0" encoding="utf-8"?>
+<p:sld xmlns:a="http://schemas.openxmlformats.org/drawingml/2006/main" xmlns:r="http://schemas.openxmlformats.org/officeDocument/2006/relationships" xmlns:p="http://schemas.openxmlformats.org/presentationml/2006/main">
+  <p:cSld>
+    <p:spTree>
+      <p:nvGrpSpPr>
+        <p:cNvPr id="1" name=""/>
+        <p:cNvGrpSpPr/>
+        <p:nvPr/>
+      </p:nvGrpSpPr>
+      <p:grpSpPr/>
+      <p:sp>
+        <p:nvSpPr>
+          <p:cNvPr id="8" name="Title 6"/>
+          <p:cNvSpPr txBox="1"/>
+          <p:nvPr>
+            <p:custDataLst>
+              <p:tags r:id="rId1"/>
+            </p:custDataLst>
+          </p:nvPr>
+        </p:nvSpPr>
+        <p:spPr>
+          <a:xfrm>
+            <a:off x="608330" y="775970"/>
+            <a:ext cx="10975340" cy="5578475"/>
+          </a:xfrm>
+          <a:prstGeom prst="rect">
+            <a:avLst/>
+          </a:prstGeom>
+          <a:noFill/>
+          <a:ln w="3175">
+            <a:noFill/>
+            <a:prstDash val="sysDash"/>
+          </a:ln>
+        </p:spPr>
+        <p:txBody>
+          <a:bodyPr wrap="square" lIns="72000" tIns="36000" rIns="72000" bIns="36000" anchor="t" anchorCtr="0">
+            <a:noAutofit/>
+          </a:bodyPr>
+          <a:lstStyle>
+            <a:lvl1pPr algn="l" defTabSz="913765" rtl="0" eaLnBrk="1" latinLnBrk="0" hangingPunct="1">
+              <a:lnSpc>
+                <a:spcPct val="90000"/>
+              </a:lnSpc>
+              <a:spcBef>
+                <a:spcPct val="0"/>
+              </a:spcBef>
+              <a:buNone/>
+              <a:defRPr lang="en-US" sz="2745" b="0" kern="1200" cap="none" spc="-49" baseline="0" dirty="0" smtClean="0">
+                <a:ln w="3175">
+                  <a:noFill/>
+                </a:ln>
+                <a:solidFill>
+                  <a:sysClr val="windowText" lastClr="000000"/>
+                </a:solidFill>
+                <a:effectLst/>
+                <a:latin typeface="Arial" panose="020B0604020202020204" pitchFamily="34" charset="0"/>
+                <a:ea typeface="微软雅黑" panose="020B0503020204020204" charset="-122"/>
+                <a:cs typeface="Segoe UI" panose="020B0502040204020203" pitchFamily="34" charset="0"/>
+              </a:defRPr>
+            </a:lvl1pPr>
+          </a:lstStyle>
+          <a:p>
+            <a:pPr marR="0" lvl="0" indent="0" algn="just" defTabSz="914400" rtl="0" eaLnBrk="1" fontAlgn="auto" latinLnBrk="0" hangingPunct="1">
+              <a:lnSpc>
+                <a:spcPct val="130000"/>
+              </a:lnSpc>
+              <a:spcBef>
+                <a:spcPts val="0"/>
+              </a:spcBef>
+              <a:spcAft>
+                <a:spcPts val="800"/>
+              </a:spcAft>
+              <a:buClrTx/>
+              <a:buSzTx/>
+              <a:buFont typeface="Arial" panose="020B0604020202020204" pitchFamily="34" charset="0"/>
+              <a:defRPr/>
+            </a:pPr>
+            <a:r>
+              <a:rPr kumimoji="0" lang="zh-CN" altLang="en-US" sz="1800" i="0" spc="50" baseline="0" noProof="0" dirty="0">
+                <a:ln w="3175">
+                  <a:noFill/>
+                  <a:prstDash val="dash"/>
+                </a:ln>
+                <a:solidFill>
+                  <a:sysClr val="windowText" lastClr="000000">
+                    <a:lumMod val="65000"/>
+                    <a:lumOff val="35000"/>
+                  </a:sysClr>
+                </a:solidFill>
+                <a:effectLst/>
+                <a:uLnTx/>
+                <a:uFillTx/>
+                <a:latin typeface="Arial" panose="020B0604020202020204" pitchFamily="34" charset="0"/>
+                <a:ea typeface="微软雅黑 Light" panose="020B0502040204020203" pitchFamily="34" charset="-122"/>
+                <a:cs typeface="微软雅黑" panose="020B0503020204020204" charset="-122"/>
+              </a:rPr>
+              <a:t>设置一个并发处理的最大极值。当并发请求数超过极值时，通过fallback返回托底数据，保证服务完整性。</a:t>
+            </a:r>
+            <a:endParaRPr kumimoji="0" lang="zh-CN" altLang="en-US" sz="1800" i="0" spc="50" baseline="0" noProof="0" dirty="0">
+              <a:ln w="3175">
+                <a:noFill/>
+                <a:prstDash val="dash"/>
+              </a:ln>
+              <a:solidFill>
+                <a:sysClr val="windowText" lastClr="000000">
+                  <a:lumMod val="65000"/>
+                  <a:lumOff val="35000"/>
+                </a:sysClr>
+              </a:solidFill>
+              <a:effectLst/>
+              <a:uLnTx/>
+              <a:uFillTx/>
+              <a:latin typeface="Arial" panose="020B0604020202020204" pitchFamily="34" charset="0"/>
+              <a:ea typeface="微软雅黑 Light" panose="020B0502040204020203" pitchFamily="34" charset="-122"/>
+              <a:cs typeface="微软雅黑" panose="020B0503020204020204" charset="-122"/>
+            </a:endParaRPr>
+          </a:p>
+        </p:txBody>
+      </p:sp>
+      <p:sp>
+        <p:nvSpPr>
+          <p:cNvPr id="4" name="Title 6"/>
+          <p:cNvSpPr txBox="1"/>
+          <p:nvPr>
+            <p:custDataLst>
+              <p:tags r:id="rId2"/>
+            </p:custDataLst>
+          </p:nvPr>
+        </p:nvSpPr>
+        <p:spPr>
+          <a:xfrm>
+            <a:off x="608330" y="288925"/>
+            <a:ext cx="10975340" cy="487045"/>
+          </a:xfrm>
+          <a:prstGeom prst="rect">
+            <a:avLst/>
+          </a:prstGeom>
+          <a:noFill/>
+          <a:ln w="3175">
+            <a:noFill/>
+            <a:prstDash val="sysDash"/>
+          </a:ln>
+        </p:spPr>
+        <p:txBody>
+          <a:bodyPr wrap="square" lIns="72000" tIns="36000" rIns="72000" bIns="108000" anchor="ctr" anchorCtr="0">
+            <a:noAutofit/>
+          </a:bodyPr>
+          <a:lstStyle>
+            <a:lvl1pPr algn="l" defTabSz="913765" rtl="0" eaLnBrk="1" latinLnBrk="0" hangingPunct="1">
+              <a:lnSpc>
+                <a:spcPct val="90000"/>
+              </a:lnSpc>
+              <a:spcBef>
+                <a:spcPct val="0"/>
+              </a:spcBef>
+              <a:buNone/>
+              <a:defRPr lang="en-US" sz="2745" b="0" kern="1200" cap="none" spc="-49" baseline="0" dirty="0" smtClean="0">
+                <a:ln w="3175">
+                  <a:noFill/>
+                </a:ln>
+                <a:solidFill>
+                  <a:sysClr val="windowText" lastClr="000000"/>
+                </a:solidFill>
+                <a:effectLst/>
+                <a:latin typeface="Arial" panose="020B0604020202020204" pitchFamily="34" charset="0"/>
+                <a:ea typeface="微软雅黑" panose="020B0503020204020204" charset="-122"/>
+                <a:cs typeface="Segoe UI" panose="020B0502040204020203" pitchFamily="34" charset="0"/>
+              </a:defRPr>
+            </a:lvl1pPr>
+          </a:lstStyle>
+          <a:p>
+            <a:pPr marL="0" marR="0" lvl="0" indent="0" algn="l" defTabSz="913765" rtl="0" eaLnBrk="1" fontAlgn="auto" latinLnBrk="0" hangingPunct="1">
+              <a:lnSpc>
+                <a:spcPct val="90000"/>
+              </a:lnSpc>
+              <a:spcBef>
+                <a:spcPct val="0"/>
+              </a:spcBef>
+              <a:spcAft>
+                <a:spcPts val="800"/>
+              </a:spcAft>
+              <a:buClrTx/>
+              <a:buSzTx/>
+              <a:buFontTx/>
+              <a:buNone/>
+              <a:defRPr/>
+            </a:pPr>
+            <a:r>
+              <a:rPr kumimoji="0" lang="zh-CN" altLang="en-US" sz="2400" i="0" spc="300" baseline="0" noProof="0" dirty="0">
+                <a:ln w="3175">
+                  <a:noFill/>
+                  <a:prstDash val="dash"/>
+                </a:ln>
+                <a:solidFill>
+                  <a:sysClr val="windowText" lastClr="000000">
+                    <a:lumMod val="75000"/>
+                    <a:lumOff val="25000"/>
+                  </a:sysClr>
+                </a:solidFill>
+                <a:effectLst/>
+                <a:uLnTx/>
+                <a:uFillTx/>
+                <a:latin typeface="Arial" panose="020B0604020202020204" pitchFamily="34" charset="0"/>
+                <a:ea typeface="微软雅黑" panose="020B0503020204020204" charset="-122"/>
+                <a:cs typeface="微软雅黑" panose="020B0503020204020204" charset="-122"/>
+              </a:rPr>
+              <a:t>信号量隔离</a:t>
+            </a:r>
+            <a:endParaRPr kumimoji="0" lang="zh-CN" altLang="en-US" sz="2400" i="0" spc="300" baseline="0" noProof="0" dirty="0">
+              <a:ln w="3175">
+                <a:noFill/>
+                <a:prstDash val="dash"/>
+              </a:ln>
+              <a:solidFill>
+                <a:sysClr val="windowText" lastClr="000000">
+                  <a:lumMod val="75000"/>
+                  <a:lumOff val="25000"/>
+                </a:sysClr>
+              </a:solidFill>
+              <a:effectLst/>
+              <a:uLnTx/>
+              <a:uFillTx/>
+              <a:latin typeface="Arial" panose="020B0604020202020204" pitchFamily="34" charset="0"/>
+              <a:ea typeface="微软雅黑" panose="020B0503020204020204" charset="-122"/>
+              <a:cs typeface="微软雅黑" panose="020B0503020204020204" charset="-122"/>
+            </a:endParaRPr>
+          </a:p>
+          <a:p>
+            <a:pPr marL="0" marR="0" lvl="0" indent="0" algn="l" defTabSz="913765" rtl="0" eaLnBrk="1" fontAlgn="auto" latinLnBrk="0" hangingPunct="1">
+              <a:lnSpc>
+                <a:spcPct val="90000"/>
+              </a:lnSpc>
+              <a:spcBef>
+                <a:spcPct val="0"/>
+              </a:spcBef>
+              <a:spcAft>
+                <a:spcPts val="800"/>
+              </a:spcAft>
+              <a:buClrTx/>
+              <a:buSzTx/>
+              <a:buFontTx/>
+              <a:buNone/>
+              <a:defRPr/>
+            </a:pPr>
+            <a:endParaRPr kumimoji="0" lang="zh-CN" altLang="en-US" sz="2400" i="0" spc="300" baseline="0" noProof="0" dirty="0">
+              <a:ln w="3175">
+                <a:noFill/>
+                <a:prstDash val="dash"/>
+              </a:ln>
+              <a:solidFill>
+                <a:sysClr val="windowText" lastClr="000000">
+                  <a:lumMod val="75000"/>
+                  <a:lumOff val="25000"/>
+                </a:sysClr>
+              </a:solidFill>
+              <a:effectLst/>
+              <a:uLnTx/>
+              <a:uFillTx/>
+              <a:latin typeface="Arial" panose="020B0604020202020204" pitchFamily="34" charset="0"/>
+              <a:ea typeface="微软雅黑" panose="020B0503020204020204" charset="-122"/>
+              <a:cs typeface="微软雅黑" panose="020B0503020204020204" charset="-122"/>
+            </a:endParaRPr>
+          </a:p>
+        </p:txBody>
+      </p:sp>
+      <p:pic>
+        <p:nvPicPr>
+          <p:cNvPr id="2" name="图片 1"/>
+          <p:cNvPicPr>
+            <a:picLocks noChangeAspect="1"/>
+          </p:cNvPicPr>
+          <p:nvPr/>
+        </p:nvPicPr>
+        <p:blipFill>
+          <a:blip r:embed="rId3"/>
+          <a:stretch>
+            <a:fillRect/>
+          </a:stretch>
+        </p:blipFill>
+        <p:spPr>
+          <a:xfrm>
+            <a:off x="1443355" y="2031365"/>
+            <a:ext cx="8902700" cy="3358515"/>
+          </a:xfrm>
+          <a:prstGeom prst="rect">
+            <a:avLst/>
+          </a:prstGeom>
+        </p:spPr>
+      </p:pic>
+    </p:spTree>
+    <p:custDataLst>
+      <p:tags r:id="rId4"/>
+    </p:custDataLst>
+  </p:cSld>
+  <p:clrMapOvr>
+    <a:masterClrMapping/>
+  </p:clrMapOvr>
+  <mc:AlternateContent xmlns:mc="http://schemas.openxmlformats.org/markup-compatibility/2006">
+    <mc:Choice xmlns:p14="http://schemas.microsoft.com/office/powerpoint/2010/main" Requires="p14">
+      <p:transition p14:dur="500"/>
+    </mc:Choice>
+    <mc:Fallback>
+      <p:transition/>
+    </mc:Fallback>
+  </mc:AlternateContent>
+</p:sld>
+</file>
+
+<file path=ppt/slides/slide13.xml><?xml version="1.0" encoding="utf-8"?>
+<p:sld xmlns:a="http://schemas.openxmlformats.org/drawingml/2006/main" xmlns:r="http://schemas.openxmlformats.org/officeDocument/2006/relationships" xmlns:p="http://schemas.openxmlformats.org/presentationml/2006/main">
+  <p:cSld>
+    <p:spTree>
+      <p:nvGrpSpPr>
+        <p:cNvPr id="1" name=""/>
+        <p:cNvGrpSpPr/>
+        <p:nvPr/>
+      </p:nvGrpSpPr>
+      <p:grpSpPr/>
+      <p:sp>
+        <p:nvSpPr>
+          <p:cNvPr id="8" name="Title 6"/>
+          <p:cNvSpPr txBox="1"/>
+          <p:nvPr>
+            <p:custDataLst>
+              <p:tags r:id="rId1"/>
+            </p:custDataLst>
+          </p:nvPr>
+        </p:nvSpPr>
+        <p:spPr>
+          <a:xfrm>
+            <a:off x="608330" y="775970"/>
+            <a:ext cx="10975340" cy="5578475"/>
+          </a:xfrm>
+          <a:prstGeom prst="rect">
+            <a:avLst/>
+          </a:prstGeom>
+          <a:noFill/>
+          <a:ln w="3175">
+            <a:noFill/>
+            <a:prstDash val="sysDash"/>
+          </a:ln>
+        </p:spPr>
+        <p:txBody>
+          <a:bodyPr wrap="square" lIns="72000" tIns="36000" rIns="72000" bIns="36000" anchor="t" anchorCtr="0">
+            <a:noAutofit/>
+          </a:bodyPr>
+          <a:lstStyle>
+            <a:lvl1pPr algn="l" defTabSz="913765" rtl="0" eaLnBrk="1" latinLnBrk="0" hangingPunct="1">
+              <a:lnSpc>
+                <a:spcPct val="90000"/>
+              </a:lnSpc>
+              <a:spcBef>
+                <a:spcPct val="0"/>
+              </a:spcBef>
+              <a:buNone/>
+              <a:defRPr lang="en-US" sz="2745" b="0" kern="1200" cap="none" spc="-49" baseline="0" dirty="0" smtClean="0">
+                <a:ln w="3175">
+                  <a:noFill/>
+                </a:ln>
+                <a:solidFill>
+                  <a:sysClr val="windowText" lastClr="000000"/>
+                </a:solidFill>
+                <a:effectLst/>
+                <a:latin typeface="Arial" panose="020B0604020202020204" pitchFamily="34" charset="0"/>
+                <a:ea typeface="微软雅黑" panose="020B0503020204020204" charset="-122"/>
+                <a:cs typeface="Segoe UI" panose="020B0502040204020203" pitchFamily="34" charset="0"/>
+              </a:defRPr>
+            </a:lvl1pPr>
+          </a:lstStyle>
+          <a:p>
+            <a:pPr marR="0" lvl="0" indent="0" algn="just" defTabSz="914400" rtl="0" eaLnBrk="1" fontAlgn="auto" latinLnBrk="0" hangingPunct="1">
+              <a:lnSpc>
+                <a:spcPct val="130000"/>
+              </a:lnSpc>
+              <a:spcBef>
+                <a:spcPts val="0"/>
+              </a:spcBef>
+              <a:spcAft>
+                <a:spcPts val="800"/>
+              </a:spcAft>
+              <a:buClrTx/>
+              <a:buSzTx/>
+              <a:buFont typeface="Arial" panose="020B0604020202020204" pitchFamily="34" charset="0"/>
+              <a:defRPr/>
+            </a:pPr>
+            <a:r>
+              <a:rPr kumimoji="0" lang="zh-CN" altLang="en-US" sz="1800" i="0" spc="50" baseline="0" noProof="0" dirty="0">
+                <a:ln w="3175">
+                  <a:noFill/>
+                  <a:prstDash val="dash"/>
+                </a:ln>
+                <a:solidFill>
+                  <a:sysClr val="windowText" lastClr="000000">
+                    <a:lumMod val="65000"/>
+                    <a:lumOff val="35000"/>
+                  </a:sysClr>
+                </a:solidFill>
+                <a:effectLst/>
+                <a:uLnTx/>
+                <a:uFillTx/>
+                <a:latin typeface="Arial" panose="020B0604020202020204" pitchFamily="34" charset="0"/>
+                <a:ea typeface="微软雅黑 Light" panose="020B0502040204020203" pitchFamily="34" charset="-122"/>
+                <a:cs typeface="微软雅黑" panose="020B0503020204020204" charset="-122"/>
+              </a:rPr>
+              <a:t>点击输入正文</a:t>
+            </a:r>
+            <a:endParaRPr kumimoji="0" lang="zh-CN" altLang="en-US" sz="1800" i="0" spc="50" baseline="0" noProof="0" dirty="0">
+              <a:ln w="3175">
+                <a:noFill/>
+                <a:prstDash val="dash"/>
+              </a:ln>
+              <a:solidFill>
+                <a:sysClr val="windowText" lastClr="000000">
+                  <a:lumMod val="65000"/>
+                  <a:lumOff val="35000"/>
+                </a:sysClr>
+              </a:solidFill>
+              <a:effectLst/>
+              <a:uLnTx/>
+              <a:uFillTx/>
+              <a:latin typeface="Arial" panose="020B0604020202020204" pitchFamily="34" charset="0"/>
+              <a:ea typeface="微软雅黑 Light" panose="020B0502040204020203" pitchFamily="34" charset="-122"/>
+              <a:cs typeface="微软雅黑" panose="020B0503020204020204" charset="-122"/>
+            </a:endParaRPr>
+          </a:p>
+        </p:txBody>
+      </p:sp>
+      <p:sp>
+        <p:nvSpPr>
+          <p:cNvPr id="4" name="Title 6"/>
+          <p:cNvSpPr txBox="1"/>
+          <p:nvPr>
+            <p:custDataLst>
+              <p:tags r:id="rId2"/>
+            </p:custDataLst>
+          </p:nvPr>
+        </p:nvSpPr>
+        <p:spPr>
+          <a:xfrm>
+            <a:off x="608330" y="515620"/>
+            <a:ext cx="10975340" cy="260350"/>
+          </a:xfrm>
+          <a:prstGeom prst="rect">
+            <a:avLst/>
+          </a:prstGeom>
+          <a:noFill/>
+          <a:ln w="3175">
+            <a:noFill/>
+            <a:prstDash val="sysDash"/>
+          </a:ln>
+        </p:spPr>
+        <p:txBody>
+          <a:bodyPr wrap="square" lIns="72000" tIns="36000" rIns="72000" bIns="108000" anchor="ctr" anchorCtr="0">
+            <a:noAutofit/>
+          </a:bodyPr>
+          <a:lstStyle>
+            <a:lvl1pPr algn="l" defTabSz="913765" rtl="0" eaLnBrk="1" latinLnBrk="0" hangingPunct="1">
+              <a:lnSpc>
+                <a:spcPct val="90000"/>
+              </a:lnSpc>
+              <a:spcBef>
+                <a:spcPct val="0"/>
+              </a:spcBef>
+              <a:buNone/>
+              <a:defRPr lang="en-US" sz="2745" b="0" kern="1200" cap="none" spc="-49" baseline="0" dirty="0" smtClean="0">
+                <a:ln w="3175">
+                  <a:noFill/>
+                </a:ln>
+                <a:solidFill>
+                  <a:sysClr val="windowText" lastClr="000000"/>
+                </a:solidFill>
+                <a:effectLst/>
+                <a:latin typeface="Arial" panose="020B0604020202020204" pitchFamily="34" charset="0"/>
+                <a:ea typeface="微软雅黑" panose="020B0503020204020204" charset="-122"/>
+                <a:cs typeface="Segoe UI" panose="020B0502040204020203" pitchFamily="34" charset="0"/>
+              </a:defRPr>
+            </a:lvl1pPr>
+          </a:lstStyle>
+          <a:p>
+            <a:pPr marL="0" marR="0" lvl="0" indent="0" algn="l" defTabSz="913765" rtl="0" eaLnBrk="1" fontAlgn="auto" latinLnBrk="0" hangingPunct="1">
+              <a:lnSpc>
+                <a:spcPct val="90000"/>
+              </a:lnSpc>
+              <a:spcBef>
+                <a:spcPct val="0"/>
+              </a:spcBef>
+              <a:spcAft>
+                <a:spcPts val="800"/>
+              </a:spcAft>
+              <a:buClrTx/>
+              <a:buSzTx/>
+              <a:buFontTx/>
+              <a:buNone/>
+              <a:defRPr/>
+            </a:pPr>
+            <a:r>
+              <a:rPr lang="zh-CN" altLang="en-US" sz="2400">
+                <a:latin typeface="微软雅黑" panose="020B0503020204020204" charset="-122"/>
+                <a:sym typeface="+mn-ea"/>
+              </a:rPr>
+              <a:t>五、</a:t>
+            </a:r>
+            <a:r>
+              <a:rPr lang="zh-CN" altLang="en-US" sz="2400">
+                <a:latin typeface="微软雅黑" panose="020B0503020204020204" charset="-122"/>
+                <a:sym typeface="+mn-ea"/>
+              </a:rPr>
+              <a:t>服务网关</a:t>
+            </a:r>
+            <a:r>
+              <a:rPr altLang="zh-CN" sz="2400">
+                <a:latin typeface="微软雅黑" panose="020B0503020204020204" charset="-122"/>
+                <a:sym typeface="+mn-ea"/>
+              </a:rPr>
+              <a:t>Zuul</a:t>
+            </a:r>
+            <a:endParaRPr lang="zh-CN" altLang="en-US" sz="2400" dirty="0">
+              <a:latin typeface="微软雅黑" panose="020B0503020204020204" charset="-122"/>
+              <a:ea typeface="微软雅黑" panose="020B0503020204020204" charset="-122"/>
+              <a:sym typeface="+mn-ea"/>
+            </a:endParaRPr>
+          </a:p>
+          <a:p>
+            <a:pPr marL="0" marR="0" lvl="0" indent="0" algn="l" defTabSz="913765" rtl="0" eaLnBrk="1" fontAlgn="auto" latinLnBrk="0" hangingPunct="1">
+              <a:lnSpc>
+                <a:spcPct val="90000"/>
+              </a:lnSpc>
+              <a:spcBef>
+                <a:spcPct val="0"/>
+              </a:spcBef>
+              <a:spcAft>
+                <a:spcPts val="800"/>
+              </a:spcAft>
+              <a:buClrTx/>
+              <a:buSzTx/>
+              <a:buFontTx/>
+              <a:buNone/>
+              <a:defRPr/>
+            </a:pPr>
+            <a:endParaRPr kumimoji="0" lang="zh-CN" altLang="en-US" sz="2400" i="0" spc="300" baseline="0" noProof="0" dirty="0">
+              <a:ln w="3175">
+                <a:noFill/>
+                <a:prstDash val="dash"/>
+              </a:ln>
+              <a:solidFill>
+                <a:sysClr val="windowText" lastClr="000000">
+                  <a:lumMod val="75000"/>
+                  <a:lumOff val="25000"/>
+                </a:sysClr>
+              </a:solidFill>
+              <a:effectLst/>
+              <a:uLnTx/>
+              <a:uFillTx/>
+              <a:latin typeface="Arial" panose="020B0604020202020204" pitchFamily="34" charset="0"/>
+              <a:ea typeface="微软雅黑" panose="020B0503020204020204" charset="-122"/>
+              <a:cs typeface="微软雅黑" panose="020B0503020204020204" charset="-122"/>
+            </a:endParaRPr>
+          </a:p>
+        </p:txBody>
+      </p:sp>
+    </p:spTree>
+    <p:custDataLst>
+      <p:tags r:id="rId3"/>
+    </p:custDataLst>
+  </p:cSld>
+  <p:clrMapOvr>
+    <a:masterClrMapping/>
+  </p:clrMapOvr>
+  <mc:AlternateContent xmlns:mc="http://schemas.openxmlformats.org/markup-compatibility/2006">
+    <mc:Choice xmlns:p14="http://schemas.microsoft.com/office/powerpoint/2010/main" Requires="p14">
+      <p:transition p14:dur="500"/>
+    </mc:Choice>
+    <mc:Fallback>
+      <p:transition/>
+    </mc:Fallback>
+  </mc:AlternateContent>
+</p:sld>
+</file>
+
+<file path=ppt/slides/slide14.xml><?xml version="1.0" encoding="utf-8"?>
+<p:sld xmlns:a="http://schemas.openxmlformats.org/drawingml/2006/main" xmlns:r="http://schemas.openxmlformats.org/officeDocument/2006/relationships" xmlns:p="http://schemas.openxmlformats.org/presentationml/2006/main">
+  <p:cSld>
+    <p:spTree>
+      <p:nvGrpSpPr>
+        <p:cNvPr id="1" name=""/>
+        <p:cNvGrpSpPr/>
+        <p:nvPr/>
+      </p:nvGrpSpPr>
+      <p:grpSpPr/>
+      <p:sp>
+        <p:nvSpPr>
+          <p:cNvPr id="8" name="Title 6"/>
+          <p:cNvSpPr txBox="1"/>
+          <p:nvPr>
+            <p:custDataLst>
+              <p:tags r:id="rId1"/>
+            </p:custDataLst>
+          </p:nvPr>
+        </p:nvSpPr>
+        <p:spPr>
+          <a:xfrm>
+            <a:off x="608330" y="1065530"/>
+            <a:ext cx="10975340" cy="5288915"/>
+          </a:xfrm>
+          <a:prstGeom prst="rect">
+            <a:avLst/>
+          </a:prstGeom>
+          <a:noFill/>
+          <a:ln w="3175">
+            <a:noFill/>
+            <a:prstDash val="sysDash"/>
+          </a:ln>
+        </p:spPr>
+        <p:txBody>
+          <a:bodyPr wrap="square" lIns="72000" tIns="36000" rIns="72000" bIns="36000" anchor="t" anchorCtr="0">
+            <a:noAutofit/>
+          </a:bodyPr>
+          <a:lstStyle>
+            <a:lvl1pPr algn="l" defTabSz="913765" rtl="0" eaLnBrk="1" latinLnBrk="0" hangingPunct="1">
+              <a:lnSpc>
+                <a:spcPct val="90000"/>
+              </a:lnSpc>
+              <a:spcBef>
+                <a:spcPct val="0"/>
+              </a:spcBef>
+              <a:buNone/>
+              <a:defRPr lang="en-US" sz="2745" b="0" kern="1200" cap="none" spc="-49" baseline="0" dirty="0" smtClean="0">
+                <a:ln w="3175">
+                  <a:noFill/>
+                </a:ln>
+                <a:solidFill>
+                  <a:sysClr val="windowText" lastClr="000000"/>
+                </a:solidFill>
+                <a:effectLst/>
+                <a:latin typeface="Arial" panose="020B0604020202020204" pitchFamily="34" charset="0"/>
+                <a:ea typeface="微软雅黑" panose="020B0503020204020204" charset="-122"/>
+                <a:cs typeface="Segoe UI" panose="020B0502040204020203" pitchFamily="34" charset="0"/>
+              </a:defRPr>
+            </a:lvl1pPr>
+          </a:lstStyle>
+          <a:p>
+            <a:pPr marR="0" lvl="0" indent="0" algn="just" defTabSz="914400" rtl="0" eaLnBrk="1" fontAlgn="auto" latinLnBrk="0" hangingPunct="1">
+              <a:lnSpc>
+                <a:spcPct val="130000"/>
+              </a:lnSpc>
+              <a:spcBef>
+                <a:spcPts val="0"/>
+              </a:spcBef>
+              <a:spcAft>
+                <a:spcPts val="800"/>
+              </a:spcAft>
+              <a:buClrTx/>
+              <a:buSzTx/>
+              <a:buFont typeface="Arial" panose="020B0604020202020204" pitchFamily="34" charset="0"/>
+              <a:defRPr/>
+            </a:pPr>
+            <a:r>
+              <a:rPr kumimoji="0" lang="zh-CN" altLang="en-US" sz="1800" i="0" spc="50" baseline="0" noProof="0" dirty="0">
+                <a:ln w="3175">
+                  <a:noFill/>
+                  <a:prstDash val="dash"/>
+                </a:ln>
+                <a:solidFill>
+                  <a:sysClr val="windowText" lastClr="000000">
+                    <a:lumMod val="65000"/>
+                    <a:lumOff val="35000"/>
+                  </a:sysClr>
+                </a:solidFill>
+                <a:effectLst/>
+                <a:uLnTx/>
+                <a:uFillTx/>
+                <a:latin typeface="Arial" panose="020B0604020202020204" pitchFamily="34" charset="0"/>
+                <a:ea typeface="微软雅黑 Light" panose="020B0502040204020203" pitchFamily="34" charset="-122"/>
+                <a:cs typeface="微软雅黑" panose="020B0503020204020204" charset="-122"/>
+              </a:rPr>
+              <a:t>点击输入正文</a:t>
+            </a:r>
+            <a:endParaRPr kumimoji="0" lang="zh-CN" altLang="en-US" sz="1800" i="0" spc="50" baseline="0" noProof="0" dirty="0">
+              <a:ln w="3175">
+                <a:noFill/>
+                <a:prstDash val="dash"/>
+              </a:ln>
+              <a:solidFill>
+                <a:sysClr val="windowText" lastClr="000000">
+                  <a:lumMod val="65000"/>
+                  <a:lumOff val="35000"/>
+                </a:sysClr>
+              </a:solidFill>
+              <a:effectLst/>
+              <a:uLnTx/>
+              <a:uFillTx/>
+              <a:latin typeface="Arial" panose="020B0604020202020204" pitchFamily="34" charset="0"/>
+              <a:ea typeface="微软雅黑 Light" panose="020B0502040204020203" pitchFamily="34" charset="-122"/>
+              <a:cs typeface="微软雅黑" panose="020B0503020204020204" charset="-122"/>
+            </a:endParaRPr>
+          </a:p>
+        </p:txBody>
+      </p:sp>
+      <p:sp>
+        <p:nvSpPr>
+          <p:cNvPr id="4" name="Title 6"/>
+          <p:cNvSpPr txBox="1"/>
+          <p:nvPr>
+            <p:custDataLst>
+              <p:tags r:id="rId2"/>
+            </p:custDataLst>
+          </p:nvPr>
+        </p:nvSpPr>
+        <p:spPr>
+          <a:xfrm>
+            <a:off x="608330" y="288290"/>
+            <a:ext cx="10975340" cy="487680"/>
+          </a:xfrm>
+          <a:prstGeom prst="rect">
+            <a:avLst/>
+          </a:prstGeom>
+          <a:noFill/>
+          <a:ln w="3175">
+            <a:noFill/>
+            <a:prstDash val="sysDash"/>
+          </a:ln>
+        </p:spPr>
+        <p:txBody>
+          <a:bodyPr wrap="square" lIns="72000" tIns="36000" rIns="72000" bIns="108000" anchor="ctr" anchorCtr="0">
+            <a:noAutofit/>
+          </a:bodyPr>
+          <a:lstStyle>
+            <a:lvl1pPr algn="l" defTabSz="913765" rtl="0" eaLnBrk="1" latinLnBrk="0" hangingPunct="1">
+              <a:lnSpc>
+                <a:spcPct val="90000"/>
+              </a:lnSpc>
+              <a:spcBef>
+                <a:spcPct val="0"/>
+              </a:spcBef>
+              <a:buNone/>
+              <a:defRPr lang="en-US" sz="2745" b="0" kern="1200" cap="none" spc="-49" baseline="0" dirty="0" smtClean="0">
+                <a:ln w="3175">
+                  <a:noFill/>
+                </a:ln>
+                <a:solidFill>
+                  <a:sysClr val="windowText" lastClr="000000"/>
+                </a:solidFill>
+                <a:effectLst/>
+                <a:latin typeface="Arial" panose="020B0604020202020204" pitchFamily="34" charset="0"/>
+                <a:ea typeface="微软雅黑" panose="020B0503020204020204" charset="-122"/>
+                <a:cs typeface="Segoe UI" panose="020B0502040204020203" pitchFamily="34" charset="0"/>
+              </a:defRPr>
+            </a:lvl1pPr>
+          </a:lstStyle>
+          <a:p>
+            <a:pPr marL="0" marR="0" lvl="0" indent="0" algn="l" defTabSz="913765" rtl="0" eaLnBrk="1" fontAlgn="auto" latinLnBrk="0" hangingPunct="1">
+              <a:lnSpc>
+                <a:spcPct val="90000"/>
+              </a:lnSpc>
+              <a:spcBef>
+                <a:spcPct val="0"/>
+              </a:spcBef>
+              <a:spcAft>
+                <a:spcPts val="800"/>
+              </a:spcAft>
+              <a:buClrTx/>
+              <a:buSzTx/>
+              <a:buFontTx/>
+              <a:buNone/>
+              <a:defRPr/>
+            </a:pPr>
+            <a:r>
+              <a:rPr lang="zh-CN" altLang="en-US" sz="2400">
+                <a:latin typeface="微软雅黑" panose="020B0503020204020204" charset="-122"/>
+                <a:sym typeface="+mn-ea"/>
+              </a:rPr>
+              <a:t>六、分布式服务跟踪</a:t>
+            </a:r>
+            <a:r>
+              <a:rPr altLang="zh-CN" sz="2400">
+                <a:latin typeface="微软雅黑" panose="020B0503020204020204" charset="-122"/>
+                <a:sym typeface="+mn-ea"/>
+              </a:rPr>
+              <a:t>Sleuth+Zipkin</a:t>
+            </a:r>
+            <a:endParaRPr kumimoji="0" lang="zh-CN" altLang="en-US" sz="2400" i="0" spc="300" baseline="0" noProof="0" dirty="0">
+              <a:ln w="3175">
+                <a:noFill/>
+                <a:prstDash val="dash"/>
+              </a:ln>
+              <a:solidFill>
+                <a:sysClr val="windowText" lastClr="000000">
+                  <a:lumMod val="75000"/>
+                  <a:lumOff val="25000"/>
+                </a:sysClr>
+              </a:solidFill>
+              <a:effectLst/>
+              <a:uLnTx/>
+              <a:uFillTx/>
+              <a:latin typeface="Arial" panose="020B0604020202020204" pitchFamily="34" charset="0"/>
+              <a:ea typeface="微软雅黑" panose="020B0503020204020204" charset="-122"/>
+              <a:cs typeface="微软雅黑" panose="020B0503020204020204" charset="-122"/>
+            </a:endParaRPr>
+          </a:p>
+        </p:txBody>
+      </p:sp>
+    </p:spTree>
+    <p:custDataLst>
+      <p:tags r:id="rId3"/>
+    </p:custDataLst>
+  </p:cSld>
+  <p:clrMapOvr>
+    <a:masterClrMapping/>
+  </p:clrMapOvr>
+  <mc:AlternateContent xmlns:mc="http://schemas.openxmlformats.org/markup-compatibility/2006">
+    <mc:Choice xmlns:p14="http://schemas.microsoft.com/office/powerpoint/2010/main" Requires="p14">
+      <p:transition p14:dur="500"/>
+    </mc:Choice>
+    <mc:Fallback>
+      <p:transition/>
+    </mc:Fallback>
+  </mc:AlternateContent>
+</p:sld>
+</file>
+
 <file path=ppt/slides/slide2.xml><?xml version="1.0" encoding="utf-8"?>
 <p:sld xmlns:a="http://schemas.openxmlformats.org/drawingml/2006/main" xmlns:r="http://schemas.openxmlformats.org/officeDocument/2006/relationships" xmlns:p="http://schemas.openxmlformats.org/presentationml/2006/main">
   <p:cSld>
@@ -6022,6 +7631,27 @@
               </a:rPr>
               <a:t>Ribbon</a:t>
             </a:r>
+            <a:r>
+              <a:rPr kumimoji="0" lang="zh-CN" altLang="en-US" sz="1800" b="0" i="0" spc="50" baseline="0" noProof="0" dirty="0">
+                <a:ln w="3175">
+                  <a:noFill/>
+                  <a:prstDash val="dash"/>
+                </a:ln>
+                <a:solidFill>
+                  <a:sysClr val="windowText" lastClr="000000">
+                    <a:lumMod val="65000"/>
+                    <a:lumOff val="35000"/>
+                  </a:sysClr>
+                </a:solidFill>
+                <a:effectLst/>
+                <a:uLnTx/>
+                <a:uFillTx/>
+                <a:latin typeface="Arial" panose="020B0604020202020204" pitchFamily="34" charset="0"/>
+                <a:ea typeface="微软雅黑 Light" panose="020B0502040204020203" pitchFamily="34" charset="-122"/>
+                <a:cs typeface="微软雅黑" panose="020B0503020204020204" charset="-122"/>
+              </a:rPr>
+              <a:t>（推荐，开发成本高，维护成本低）</a:t>
+            </a:r>
             <a:endParaRPr kumimoji="0" altLang="zh-CN" sz="1800" b="0" i="0" spc="50" baseline="0" noProof="0" dirty="0">
               <a:ln w="3175">
                 <a:noFill/>
@@ -7358,8 +8988,8 @@
         </p:nvSpPr>
         <p:spPr>
           <a:xfrm>
-            <a:off x="608330" y="1075690"/>
-            <a:ext cx="10975340" cy="5126990"/>
+            <a:off x="608330" y="939800"/>
+            <a:ext cx="10975340" cy="5262880"/>
           </a:xfrm>
           <a:prstGeom prst="rect">
             <a:avLst/>
@@ -8822,41 +10452,6 @@
               <a:buFont typeface="Arial" panose="020B0604020202020204" pitchFamily="34" charset="0"/>
               <a:defRPr/>
             </a:pPr>
-            <a:endParaRPr kumimoji="0" altLang="zh-CN" sz="1800" b="0" i="0" spc="50" baseline="0" noProof="0" dirty="0">
-              <a:ln w="3175">
-                <a:noFill/>
-                <a:prstDash val="dash"/>
-              </a:ln>
-              <a:solidFill>
-                <a:sysClr val="windowText" lastClr="000000">
-                  <a:lumMod val="65000"/>
-                  <a:lumOff val="35000"/>
-                </a:sysClr>
-              </a:solidFill>
-              <a:effectLst/>
-              <a:uLnTx/>
-              <a:uFillTx/>
-              <a:latin typeface="Arial" panose="020B0604020202020204" pitchFamily="34" charset="0"/>
-              <a:ea typeface="微软雅黑 Light" panose="020B0502040204020203" pitchFamily="34" charset="-122"/>
-              <a:cs typeface="微软雅黑" panose="020B0503020204020204" charset="-122"/>
-            </a:endParaRPr>
-          </a:p>
-          <a:p>
-            <a:pPr marR="0" lvl="0" indent="0" algn="just" defTabSz="914400" rtl="0" eaLnBrk="1" fontAlgn="auto" latinLnBrk="0" hangingPunct="1">
-              <a:lnSpc>
-                <a:spcPct val="130000"/>
-              </a:lnSpc>
-              <a:spcBef>
-                <a:spcPts val="0"/>
-              </a:spcBef>
-              <a:spcAft>
-                <a:spcPts val="800"/>
-              </a:spcAft>
-              <a:buClrTx/>
-              <a:buSzTx/>
-              <a:buFont typeface="Arial" panose="020B0604020202020204" pitchFamily="34" charset="0"/>
-              <a:defRPr/>
-            </a:pPr>
             <a:r>
               <a:rPr kumimoji="0" altLang="zh-CN" sz="1800" b="0" i="0" spc="50" baseline="0" noProof="0" dirty="0">
                 <a:ln w="3175">
@@ -8899,41 +10494,6 @@
               </a:rPr>
               <a:t>、配合 eureke 实现服务发现</a:t>
             </a:r>
-            <a:endParaRPr kumimoji="0" lang="zh-CN" altLang="en-US" sz="1800" b="0" i="0" spc="50" baseline="0" noProof="0" dirty="0">
-              <a:ln w="3175">
-                <a:noFill/>
-                <a:prstDash val="dash"/>
-              </a:ln>
-              <a:solidFill>
-                <a:sysClr val="windowText" lastClr="000000">
-                  <a:lumMod val="65000"/>
-                  <a:lumOff val="35000"/>
-                </a:sysClr>
-              </a:solidFill>
-              <a:effectLst/>
-              <a:uLnTx/>
-              <a:uFillTx/>
-              <a:latin typeface="Arial" panose="020B0604020202020204" pitchFamily="34" charset="0"/>
-              <a:ea typeface="微软雅黑 Light" panose="020B0502040204020203" pitchFamily="34" charset="-122"/>
-              <a:cs typeface="微软雅黑" panose="020B0503020204020204" charset="-122"/>
-            </a:endParaRPr>
-          </a:p>
-          <a:p>
-            <a:pPr marR="0" lvl="0" indent="0" algn="just" defTabSz="914400" rtl="0" eaLnBrk="1" fontAlgn="auto" latinLnBrk="0" hangingPunct="1">
-              <a:lnSpc>
-                <a:spcPct val="130000"/>
-              </a:lnSpc>
-              <a:spcBef>
-                <a:spcPts val="0"/>
-              </a:spcBef>
-              <a:spcAft>
-                <a:spcPts val="800"/>
-              </a:spcAft>
-              <a:buClrTx/>
-              <a:buSzTx/>
-              <a:buFont typeface="Arial" panose="020B0604020202020204" pitchFamily="34" charset="0"/>
-              <a:defRPr/>
-            </a:pPr>
             <a:endParaRPr kumimoji="0" lang="zh-CN" altLang="en-US" sz="1800" b="0" i="0" spc="50" baseline="0" noProof="0" dirty="0">
               <a:ln w="3175">
                 <a:noFill/>
@@ -9248,8 +10808,8 @@
         </p:nvSpPr>
         <p:spPr>
           <a:xfrm>
-            <a:off x="608330" y="966470"/>
-            <a:ext cx="10975340" cy="5316220"/>
+            <a:off x="608330" y="957580"/>
+            <a:ext cx="10975340" cy="5800725"/>
           </a:xfrm>
           <a:prstGeom prst="rect">
             <a:avLst/>
@@ -9304,26 +10864,59 @@
               <a:defRPr/>
             </a:pPr>
             <a:r>
-              <a:rPr kumimoji="0" altLang="zh-CN" sz="1800" b="0" i="0" spc="50" baseline="0" noProof="0" dirty="0">
-                <a:ln w="3175">
-                  <a:noFill/>
-                  <a:prstDash val="dash"/>
-                </a:ln>
-                <a:solidFill>
-                  <a:sysClr val="windowText" lastClr="000000">
-                    <a:lumMod val="65000"/>
-                    <a:lumOff val="35000"/>
-                  </a:sysClr>
-                </a:solidFill>
-                <a:effectLst/>
-                <a:uLnTx/>
-                <a:uFillTx/>
-                <a:latin typeface="Arial" panose="020B0604020202020204" pitchFamily="34" charset="0"/>
-                <a:ea typeface="微软雅黑 Light" panose="020B0502040204020203" pitchFamily="34" charset="-122"/>
-                <a:cs typeface="微软雅黑" panose="020B0503020204020204" charset="-122"/>
-              </a:rPr>
-              <a:t>点击输入正文</a:t>
-            </a:r>
+              <a:rPr lang="zh-CN" altLang="en-US" sz="1800" spc="300" noProof="0">
+                <a:ln w="3175">
+                  <a:noFill/>
+                  <a:prstDash val="dash"/>
+                </a:ln>
+                <a:solidFill>
+                  <a:sysClr val="windowText" lastClr="000000">
+                    <a:lumMod val="75000"/>
+                    <a:lumOff val="25000"/>
+                  </a:sysClr>
+                </a:solidFill>
+                <a:uLnTx/>
+                <a:uFillTx/>
+                <a:cs typeface="微软雅黑" panose="020B0503020204020204" charset="-122"/>
+                <a:sym typeface="+mn-ea"/>
+              </a:rPr>
+              <a:t>灾难性雪崩效应</a:t>
+            </a:r>
+            <a:endParaRPr kumimoji="0" lang="zh-CN" altLang="en-US" sz="1800" i="0" spc="300" baseline="0" noProof="0" dirty="0">
+              <a:ln w="3175">
+                <a:noFill/>
+                <a:prstDash val="dash"/>
+              </a:ln>
+              <a:solidFill>
+                <a:sysClr val="windowText" lastClr="000000">
+                  <a:lumMod val="75000"/>
+                  <a:lumOff val="25000"/>
+                </a:sysClr>
+              </a:solidFill>
+              <a:effectLst/>
+              <a:uLnTx/>
+              <a:uFillTx/>
+              <a:latin typeface="Arial" panose="020B0604020202020204" pitchFamily="34" charset="0"/>
+              <a:ea typeface="微软雅黑" panose="020B0503020204020204" charset="-122"/>
+              <a:cs typeface="微软雅黑" panose="020B0503020204020204" charset="-122"/>
+            </a:endParaRPr>
+          </a:p>
+          <a:p>
+            <a:pPr marR="0" lvl="0" indent="0" algn="just" defTabSz="914400" rtl="0" eaLnBrk="1" fontAlgn="auto" latinLnBrk="0" hangingPunct="1">
+              <a:lnSpc>
+                <a:spcPct val="130000"/>
+              </a:lnSpc>
+              <a:spcBef>
+                <a:spcPts val="0"/>
+              </a:spcBef>
+              <a:spcAft>
+                <a:spcPts val="800"/>
+              </a:spcAft>
+              <a:buClrTx/>
+              <a:buSzTx/>
+              <a:buFont typeface="Arial" panose="020B0604020202020204" pitchFamily="34" charset="0"/>
+              <a:defRPr/>
+            </a:pPr>
             <a:endParaRPr kumimoji="0" altLang="zh-CN" sz="1800" b="0" i="0" spc="50" baseline="0" noProof="0" dirty="0">
               <a:ln w="3175">
                 <a:noFill/>
@@ -9357,7 +10950,7 @@
         </p:nvSpPr>
         <p:spPr>
           <a:xfrm>
-            <a:off x="608330" y="288925"/>
+            <a:off x="608330" y="280035"/>
             <a:ext cx="10975340" cy="677545"/>
           </a:xfrm>
           <a:prstGeom prst="rect">
@@ -9450,7 +11043,1111 @@
               <a:buNone/>
               <a:defRPr/>
             </a:pPr>
-            <a:endParaRPr kumimoji="0" lang="zh-CN" altLang="en-US" sz="2400" b="1" i="0" spc="300" baseline="0" noProof="0" dirty="0">
+            <a:endParaRPr kumimoji="0" lang="zh-CN" altLang="en-US" sz="2400" i="0" spc="300" baseline="0" noProof="0" dirty="0">
+              <a:ln w="3175">
+                <a:noFill/>
+                <a:prstDash val="dash"/>
+              </a:ln>
+              <a:solidFill>
+                <a:sysClr val="windowText" lastClr="000000">
+                  <a:lumMod val="75000"/>
+                  <a:lumOff val="25000"/>
+                </a:sysClr>
+              </a:solidFill>
+              <a:effectLst/>
+              <a:uLnTx/>
+              <a:uFillTx/>
+              <a:latin typeface="Arial" panose="020B0604020202020204" pitchFamily="34" charset="0"/>
+              <a:ea typeface="微软雅黑" panose="020B0503020204020204" charset="-122"/>
+              <a:cs typeface="微软雅黑" panose="020B0503020204020204" charset="-122"/>
+            </a:endParaRPr>
+          </a:p>
+        </p:txBody>
+      </p:sp>
+      <p:pic>
+        <p:nvPicPr>
+          <p:cNvPr id="2" name="图片 1"/>
+          <p:cNvPicPr>
+            <a:picLocks noChangeAspect="1"/>
+          </p:cNvPicPr>
+          <p:nvPr>
+            <p:custDataLst>
+              <p:tags r:id="rId3"/>
+            </p:custDataLst>
+          </p:nvPr>
+        </p:nvPicPr>
+        <p:blipFill>
+          <a:blip r:embed="rId4"/>
+          <a:stretch>
+            <a:fillRect/>
+          </a:stretch>
+        </p:blipFill>
+        <p:spPr>
+          <a:xfrm>
+            <a:off x="608330" y="1532890"/>
+            <a:ext cx="10673080" cy="3561715"/>
+          </a:xfrm>
+          <a:prstGeom prst="rect">
+            <a:avLst/>
+          </a:prstGeom>
+        </p:spPr>
+      </p:pic>
+    </p:spTree>
+    <p:custDataLst>
+      <p:tags r:id="rId5"/>
+    </p:custDataLst>
+  </p:cSld>
+  <p:clrMapOvr>
+    <a:masterClrMapping/>
+  </p:clrMapOvr>
+  <mc:AlternateContent xmlns:mc="http://schemas.openxmlformats.org/markup-compatibility/2006">
+    <mc:Choice xmlns:p14="http://schemas.microsoft.com/office/powerpoint/2010/main" Requires="p14">
+      <p:transition p14:dur="500"/>
+    </mc:Choice>
+    <mc:Fallback>
+      <p:transition/>
+    </mc:Fallback>
+  </mc:AlternateContent>
+</p:sld>
+</file>
+
+<file path=ppt/slides/slide9.xml><?xml version="1.0" encoding="utf-8"?>
+<p:sld xmlns:a="http://schemas.openxmlformats.org/drawingml/2006/main" xmlns:r="http://schemas.openxmlformats.org/officeDocument/2006/relationships" xmlns:p="http://schemas.openxmlformats.org/presentationml/2006/main">
+  <p:cSld>
+    <p:spTree>
+      <p:nvGrpSpPr>
+        <p:cNvPr id="1" name=""/>
+        <p:cNvGrpSpPr/>
+        <p:nvPr/>
+      </p:nvGrpSpPr>
+      <p:grpSpPr/>
+      <p:sp>
+        <p:nvSpPr>
+          <p:cNvPr id="8" name="Title 6"/>
+          <p:cNvSpPr txBox="1"/>
+          <p:nvPr>
+            <p:custDataLst>
+              <p:tags r:id="rId1"/>
+            </p:custDataLst>
+          </p:nvPr>
+        </p:nvSpPr>
+        <p:spPr>
+          <a:xfrm>
+            <a:off x="617220" y="503555"/>
+            <a:ext cx="10975340" cy="6196330"/>
+          </a:xfrm>
+          <a:prstGeom prst="rect">
+            <a:avLst/>
+          </a:prstGeom>
+          <a:noFill/>
+          <a:ln w="3175">
+            <a:noFill/>
+            <a:prstDash val="sysDash"/>
+          </a:ln>
+        </p:spPr>
+        <p:txBody>
+          <a:bodyPr wrap="square" lIns="72000" tIns="36000" rIns="72000" bIns="36000" anchor="t" anchorCtr="0">
+            <a:noAutofit/>
+          </a:bodyPr>
+          <a:lstStyle>
+            <a:lvl1pPr algn="l" defTabSz="913765" rtl="0" eaLnBrk="1" latinLnBrk="0" hangingPunct="1">
+              <a:lnSpc>
+                <a:spcPct val="90000"/>
+              </a:lnSpc>
+              <a:spcBef>
+                <a:spcPct val="0"/>
+              </a:spcBef>
+              <a:buNone/>
+              <a:defRPr lang="en-US" sz="2745" b="0" kern="1200" cap="none" spc="-49" baseline="0" dirty="0" smtClean="0">
+                <a:ln w="3175">
+                  <a:noFill/>
+                </a:ln>
+                <a:solidFill>
+                  <a:sysClr val="windowText" lastClr="000000"/>
+                </a:solidFill>
+                <a:effectLst/>
+                <a:latin typeface="Arial" panose="020B0604020202020204" pitchFamily="34" charset="0"/>
+                <a:ea typeface="微软雅黑" panose="020B0503020204020204" charset="-122"/>
+                <a:cs typeface="Segoe UI" panose="020B0502040204020203" pitchFamily="34" charset="0"/>
+              </a:defRPr>
+            </a:lvl1pPr>
+          </a:lstStyle>
+          <a:p>
+            <a:pPr marR="0" lvl="0" indent="0" algn="just" defTabSz="914400" rtl="0" eaLnBrk="1" fontAlgn="auto" latinLnBrk="0" hangingPunct="1">
+              <a:lnSpc>
+                <a:spcPct val="130000"/>
+              </a:lnSpc>
+              <a:spcBef>
+                <a:spcPts val="0"/>
+              </a:spcBef>
+              <a:spcAft>
+                <a:spcPts val="800"/>
+              </a:spcAft>
+              <a:buClrTx/>
+              <a:buSzTx/>
+              <a:buFont typeface="Arial" panose="020B0604020202020204" pitchFamily="34" charset="0"/>
+              <a:defRPr/>
+            </a:pPr>
+            <a:r>
+              <a:rPr kumimoji="0" lang="zh-CN" altLang="en-US" sz="1800" b="1" i="0" spc="50" baseline="0" noProof="0" dirty="0">
+                <a:ln w="3175">
+                  <a:noFill/>
+                  <a:prstDash val="dash"/>
+                </a:ln>
+                <a:solidFill>
+                  <a:sysClr val="windowText" lastClr="000000">
+                    <a:lumMod val="65000"/>
+                    <a:lumOff val="35000"/>
+                  </a:sysClr>
+                </a:solidFill>
+                <a:effectLst/>
+                <a:uLnTx/>
+                <a:uFillTx/>
+                <a:latin typeface="Arial" panose="020B0604020202020204" pitchFamily="34" charset="0"/>
+                <a:ea typeface="微软雅黑 Light" panose="020B0502040204020203" pitchFamily="34" charset="-122"/>
+                <a:cs typeface="微软雅黑" panose="020B0503020204020204" charset="-122"/>
+              </a:rPr>
+              <a:t>三种原因</a:t>
+            </a:r>
+            <a:r>
+              <a:rPr kumimoji="0" lang="zh-CN" altLang="en-US" sz="1800" b="0" i="0" spc="50" baseline="0" noProof="0" dirty="0">
+                <a:ln w="3175">
+                  <a:noFill/>
+                  <a:prstDash val="dash"/>
+                </a:ln>
+                <a:solidFill>
+                  <a:sysClr val="windowText" lastClr="000000">
+                    <a:lumMod val="65000"/>
+                    <a:lumOff val="35000"/>
+                  </a:sysClr>
+                </a:solidFill>
+                <a:effectLst/>
+                <a:uLnTx/>
+                <a:uFillTx/>
+                <a:latin typeface="Arial" panose="020B0604020202020204" pitchFamily="34" charset="0"/>
+                <a:ea typeface="微软雅黑 Light" panose="020B0502040204020203" pitchFamily="34" charset="-122"/>
+                <a:cs typeface="微软雅黑" panose="020B0503020204020204" charset="-122"/>
+              </a:rPr>
+              <a:t>：</a:t>
+            </a:r>
+            <a:endParaRPr kumimoji="0" lang="zh-CN" altLang="en-US" sz="1800" b="0" i="0" spc="50" baseline="0" noProof="0" dirty="0">
+              <a:ln w="3175">
+                <a:noFill/>
+                <a:prstDash val="dash"/>
+              </a:ln>
+              <a:solidFill>
+                <a:sysClr val="windowText" lastClr="000000">
+                  <a:lumMod val="65000"/>
+                  <a:lumOff val="35000"/>
+                </a:sysClr>
+              </a:solidFill>
+              <a:effectLst/>
+              <a:uLnTx/>
+              <a:uFillTx/>
+              <a:latin typeface="Arial" panose="020B0604020202020204" pitchFamily="34" charset="0"/>
+              <a:ea typeface="微软雅黑 Light" panose="020B0502040204020203" pitchFamily="34" charset="-122"/>
+              <a:cs typeface="微软雅黑" panose="020B0503020204020204" charset="-122"/>
+            </a:endParaRPr>
+          </a:p>
+          <a:p>
+            <a:pPr marR="0" lvl="0" indent="0" algn="just" defTabSz="914400" rtl="0" eaLnBrk="1" fontAlgn="auto" latinLnBrk="0" hangingPunct="1">
+              <a:lnSpc>
+                <a:spcPct val="130000"/>
+              </a:lnSpc>
+              <a:spcBef>
+                <a:spcPts val="0"/>
+              </a:spcBef>
+              <a:spcAft>
+                <a:spcPts val="800"/>
+              </a:spcAft>
+              <a:buClrTx/>
+              <a:buSzTx/>
+              <a:buFont typeface="Arial" panose="020B0604020202020204" pitchFamily="34" charset="0"/>
+              <a:defRPr/>
+            </a:pPr>
+            <a:r>
+              <a:rPr kumimoji="0" lang="zh-CN" altLang="en-US" sz="1800" b="0" i="0" spc="50" baseline="0" noProof="0" dirty="0">
+                <a:ln w="3175">
+                  <a:noFill/>
+                  <a:prstDash val="dash"/>
+                </a:ln>
+                <a:solidFill>
+                  <a:sysClr val="windowText" lastClr="000000">
+                    <a:lumMod val="65000"/>
+                    <a:lumOff val="35000"/>
+                  </a:sysClr>
+                </a:solidFill>
+                <a:effectLst/>
+                <a:uLnTx/>
+                <a:uFillTx/>
+                <a:latin typeface="Arial" panose="020B0604020202020204" pitchFamily="34" charset="0"/>
+                <a:ea typeface="微软雅黑 Light" panose="020B0502040204020203" pitchFamily="34" charset="-122"/>
+                <a:cs typeface="微软雅黑" panose="020B0503020204020204" charset="-122"/>
+              </a:rPr>
+              <a:t>服务提供者不可用。如：硬件故障、程序BUG、缓存击穿、并发请求量过大等；</a:t>
+            </a:r>
+            <a:endParaRPr kumimoji="0" lang="zh-CN" altLang="en-US" sz="1800" b="0" i="0" spc="50" baseline="0" noProof="0" dirty="0">
+              <a:ln w="3175">
+                <a:noFill/>
+                <a:prstDash val="dash"/>
+              </a:ln>
+              <a:solidFill>
+                <a:sysClr val="windowText" lastClr="000000">
+                  <a:lumMod val="65000"/>
+                  <a:lumOff val="35000"/>
+                </a:sysClr>
+              </a:solidFill>
+              <a:effectLst/>
+              <a:uLnTx/>
+              <a:uFillTx/>
+              <a:latin typeface="Arial" panose="020B0604020202020204" pitchFamily="34" charset="0"/>
+              <a:ea typeface="微软雅黑 Light" panose="020B0502040204020203" pitchFamily="34" charset="-122"/>
+              <a:cs typeface="微软雅黑" panose="020B0503020204020204" charset="-122"/>
+            </a:endParaRPr>
+          </a:p>
+          <a:p>
+            <a:pPr marR="0" lvl="0" indent="0" algn="just" defTabSz="914400" rtl="0" eaLnBrk="1" fontAlgn="auto" latinLnBrk="0" hangingPunct="1">
+              <a:lnSpc>
+                <a:spcPct val="130000"/>
+              </a:lnSpc>
+              <a:spcBef>
+                <a:spcPts val="0"/>
+              </a:spcBef>
+              <a:spcAft>
+                <a:spcPts val="800"/>
+              </a:spcAft>
+              <a:buClrTx/>
+              <a:buSzTx/>
+              <a:buFont typeface="Arial" panose="020B0604020202020204" pitchFamily="34" charset="0"/>
+              <a:defRPr/>
+            </a:pPr>
+            <a:r>
+              <a:rPr kumimoji="0" lang="zh-CN" altLang="en-US" sz="1800" b="0" i="0" spc="50" baseline="0" noProof="0" dirty="0">
+                <a:ln w="3175">
+                  <a:noFill/>
+                  <a:prstDash val="dash"/>
+                </a:ln>
+                <a:solidFill>
+                  <a:sysClr val="windowText" lastClr="000000">
+                    <a:lumMod val="65000"/>
+                    <a:lumOff val="35000"/>
+                  </a:sysClr>
+                </a:solidFill>
+                <a:effectLst/>
+                <a:uLnTx/>
+                <a:uFillTx/>
+                <a:latin typeface="Arial" panose="020B0604020202020204" pitchFamily="34" charset="0"/>
+                <a:ea typeface="微软雅黑 Light" panose="020B0502040204020203" pitchFamily="34" charset="-122"/>
+                <a:cs typeface="微软雅黑" panose="020B0503020204020204" charset="-122"/>
+              </a:rPr>
+              <a:t>重试加大流量。如：用户重试、代码重试逻辑等；</a:t>
+            </a:r>
+            <a:endParaRPr kumimoji="0" lang="zh-CN" altLang="en-US" sz="1800" b="0" i="0" spc="50" baseline="0" noProof="0" dirty="0">
+              <a:ln w="3175">
+                <a:noFill/>
+                <a:prstDash val="dash"/>
+              </a:ln>
+              <a:solidFill>
+                <a:sysClr val="windowText" lastClr="000000">
+                  <a:lumMod val="65000"/>
+                  <a:lumOff val="35000"/>
+                </a:sysClr>
+              </a:solidFill>
+              <a:effectLst/>
+              <a:uLnTx/>
+              <a:uFillTx/>
+              <a:latin typeface="Arial" panose="020B0604020202020204" pitchFamily="34" charset="0"/>
+              <a:ea typeface="微软雅黑 Light" panose="020B0502040204020203" pitchFamily="34" charset="-122"/>
+              <a:cs typeface="微软雅黑" panose="020B0503020204020204" charset="-122"/>
+            </a:endParaRPr>
+          </a:p>
+          <a:p>
+            <a:pPr marR="0" lvl="0" indent="0" algn="just" defTabSz="914400" rtl="0" eaLnBrk="1" fontAlgn="auto" latinLnBrk="0" hangingPunct="1">
+              <a:lnSpc>
+                <a:spcPct val="130000"/>
+              </a:lnSpc>
+              <a:spcBef>
+                <a:spcPts val="0"/>
+              </a:spcBef>
+              <a:spcAft>
+                <a:spcPts val="800"/>
+              </a:spcAft>
+              <a:buClrTx/>
+              <a:buSzTx/>
+              <a:buFont typeface="Arial" panose="020B0604020202020204" pitchFamily="34" charset="0"/>
+              <a:defRPr/>
+            </a:pPr>
+            <a:r>
+              <a:rPr kumimoji="0" lang="zh-CN" altLang="en-US" sz="1800" b="0" i="0" spc="50" baseline="0" noProof="0" dirty="0">
+                <a:ln w="3175">
+                  <a:noFill/>
+                  <a:prstDash val="dash"/>
+                </a:ln>
+                <a:solidFill>
+                  <a:sysClr val="windowText" lastClr="000000">
+                    <a:lumMod val="65000"/>
+                    <a:lumOff val="35000"/>
+                  </a:sysClr>
+                </a:solidFill>
+                <a:effectLst/>
+                <a:uLnTx/>
+                <a:uFillTx/>
+                <a:latin typeface="Arial" panose="020B0604020202020204" pitchFamily="34" charset="0"/>
+                <a:ea typeface="微软雅黑 Light" panose="020B0502040204020203" pitchFamily="34" charset="-122"/>
+                <a:cs typeface="微软雅黑" panose="020B0503020204020204" charset="-122"/>
+              </a:rPr>
+              <a:t>服务调用者不可用。如：同步请求阻塞造成的资源耗尽等。</a:t>
+            </a:r>
+            <a:endParaRPr kumimoji="0" lang="zh-CN" altLang="en-US" sz="1800" b="0" i="0" spc="50" baseline="0" noProof="0" dirty="0">
+              <a:ln w="3175">
+                <a:noFill/>
+                <a:prstDash val="dash"/>
+              </a:ln>
+              <a:solidFill>
+                <a:sysClr val="windowText" lastClr="000000">
+                  <a:lumMod val="65000"/>
+                  <a:lumOff val="35000"/>
+                </a:sysClr>
+              </a:solidFill>
+              <a:effectLst/>
+              <a:uLnTx/>
+              <a:uFillTx/>
+              <a:latin typeface="Arial" panose="020B0604020202020204" pitchFamily="34" charset="0"/>
+              <a:ea typeface="微软雅黑 Light" panose="020B0502040204020203" pitchFamily="34" charset="-122"/>
+              <a:cs typeface="微软雅黑" panose="020B0503020204020204" charset="-122"/>
+            </a:endParaRPr>
+          </a:p>
+          <a:p>
+            <a:pPr marR="0" lvl="0" indent="0" algn="just" defTabSz="914400" rtl="0" eaLnBrk="1" fontAlgn="auto" latinLnBrk="0" hangingPunct="1">
+              <a:lnSpc>
+                <a:spcPct val="130000"/>
+              </a:lnSpc>
+              <a:spcBef>
+                <a:spcPts val="0"/>
+              </a:spcBef>
+              <a:spcAft>
+                <a:spcPts val="800"/>
+              </a:spcAft>
+              <a:buClrTx/>
+              <a:buSzTx/>
+              <a:buFont typeface="Arial" panose="020B0604020202020204" pitchFamily="34" charset="0"/>
+              <a:defRPr/>
+            </a:pPr>
+            <a:r>
+              <a:rPr kumimoji="0" lang="zh-CN" altLang="en-US" sz="1800" b="1" i="0" spc="50" baseline="0" noProof="0" dirty="0">
+                <a:ln w="3175">
+                  <a:noFill/>
+                  <a:prstDash val="dash"/>
+                </a:ln>
+                <a:solidFill>
+                  <a:sysClr val="windowText" lastClr="000000">
+                    <a:lumMod val="65000"/>
+                    <a:lumOff val="35000"/>
+                  </a:sysClr>
+                </a:solidFill>
+                <a:effectLst/>
+                <a:uLnTx/>
+                <a:uFillTx/>
+                <a:latin typeface="Arial" panose="020B0604020202020204" pitchFamily="34" charset="0"/>
+                <a:ea typeface="微软雅黑 Light" panose="020B0502040204020203" pitchFamily="34" charset="-122"/>
+                <a:cs typeface="微软雅黑" panose="020B0503020204020204" charset="-122"/>
+              </a:rPr>
+              <a:t>最终结果</a:t>
+            </a:r>
+            <a:r>
+              <a:rPr kumimoji="0" lang="zh-CN" altLang="en-US" sz="1800" b="0" i="0" spc="50" baseline="0" noProof="0" dirty="0">
+                <a:ln w="3175">
+                  <a:noFill/>
+                  <a:prstDash val="dash"/>
+                </a:ln>
+                <a:solidFill>
+                  <a:sysClr val="windowText" lastClr="000000">
+                    <a:lumMod val="65000"/>
+                    <a:lumOff val="35000"/>
+                  </a:sysClr>
+                </a:solidFill>
+                <a:effectLst/>
+                <a:uLnTx/>
+                <a:uFillTx/>
+                <a:latin typeface="Arial" panose="020B0604020202020204" pitchFamily="34" charset="0"/>
+                <a:ea typeface="微软雅黑 Light" panose="020B0502040204020203" pitchFamily="34" charset="-122"/>
+                <a:cs typeface="微软雅黑" panose="020B0503020204020204" charset="-122"/>
+              </a:rPr>
+              <a:t>：</a:t>
+            </a:r>
+            <a:endParaRPr kumimoji="0" lang="zh-CN" altLang="en-US" sz="1800" b="0" i="0" spc="50" baseline="0" noProof="0" dirty="0">
+              <a:ln w="3175">
+                <a:noFill/>
+                <a:prstDash val="dash"/>
+              </a:ln>
+              <a:solidFill>
+                <a:sysClr val="windowText" lastClr="000000">
+                  <a:lumMod val="65000"/>
+                  <a:lumOff val="35000"/>
+                </a:sysClr>
+              </a:solidFill>
+              <a:effectLst/>
+              <a:uLnTx/>
+              <a:uFillTx/>
+              <a:latin typeface="Arial" panose="020B0604020202020204" pitchFamily="34" charset="0"/>
+              <a:ea typeface="微软雅黑 Light" panose="020B0502040204020203" pitchFamily="34" charset="-122"/>
+              <a:cs typeface="微软雅黑" panose="020B0503020204020204" charset="-122"/>
+            </a:endParaRPr>
+          </a:p>
+          <a:p>
+            <a:pPr marR="0" lvl="0" indent="0" algn="just" defTabSz="914400" rtl="0" eaLnBrk="1" fontAlgn="auto" latinLnBrk="0" hangingPunct="1">
+              <a:lnSpc>
+                <a:spcPct val="130000"/>
+              </a:lnSpc>
+              <a:spcBef>
+                <a:spcPts val="0"/>
+              </a:spcBef>
+              <a:spcAft>
+                <a:spcPts val="800"/>
+              </a:spcAft>
+              <a:buClrTx/>
+              <a:buSzTx/>
+              <a:buFont typeface="Arial" panose="020B0604020202020204" pitchFamily="34" charset="0"/>
+              <a:defRPr/>
+            </a:pPr>
+            <a:r>
+              <a:rPr kumimoji="0" lang="zh-CN" altLang="en-US" sz="1800" b="0" i="0" spc="50" baseline="0" noProof="0" dirty="0">
+                <a:ln w="3175">
+                  <a:noFill/>
+                  <a:prstDash val="dash"/>
+                </a:ln>
+                <a:solidFill>
+                  <a:sysClr val="windowText" lastClr="000000">
+                    <a:lumMod val="65000"/>
+                    <a:lumOff val="35000"/>
+                  </a:sysClr>
+                </a:solidFill>
+                <a:effectLst/>
+                <a:uLnTx/>
+                <a:uFillTx/>
+                <a:latin typeface="Arial" panose="020B0604020202020204" pitchFamily="34" charset="0"/>
+                <a:ea typeface="微软雅黑 Light" panose="020B0502040204020203" pitchFamily="34" charset="-122"/>
+                <a:cs typeface="微软雅黑" panose="020B0503020204020204" charset="-122"/>
+              </a:rPr>
+              <a:t>服务链条中的某一个服务不可用，导致一系列的服务不可用，最终造成服务逻辑崩溃。</a:t>
+            </a:r>
+            <a:endParaRPr kumimoji="0" lang="zh-CN" altLang="en-US" sz="1800" b="0" i="0" spc="50" baseline="0" noProof="0" dirty="0">
+              <a:ln w="3175">
+                <a:noFill/>
+                <a:prstDash val="dash"/>
+              </a:ln>
+              <a:solidFill>
+                <a:sysClr val="windowText" lastClr="000000">
+                  <a:lumMod val="65000"/>
+                  <a:lumOff val="35000"/>
+                </a:sysClr>
+              </a:solidFill>
+              <a:effectLst/>
+              <a:uLnTx/>
+              <a:uFillTx/>
+              <a:latin typeface="Arial" panose="020B0604020202020204" pitchFamily="34" charset="0"/>
+              <a:ea typeface="微软雅黑 Light" panose="020B0502040204020203" pitchFamily="34" charset="-122"/>
+              <a:cs typeface="微软雅黑" panose="020B0503020204020204" charset="-122"/>
+            </a:endParaRPr>
+          </a:p>
+          <a:p>
+            <a:pPr marR="0" lvl="0" indent="0" algn="just" defTabSz="914400" rtl="0" eaLnBrk="1" fontAlgn="auto" latinLnBrk="0" hangingPunct="1">
+              <a:lnSpc>
+                <a:spcPct val="130000"/>
+              </a:lnSpc>
+              <a:spcBef>
+                <a:spcPts val="0"/>
+              </a:spcBef>
+              <a:spcAft>
+                <a:spcPts val="800"/>
+              </a:spcAft>
+              <a:buClrTx/>
+              <a:buSzTx/>
+              <a:buFont typeface="Arial" panose="020B0604020202020204" pitchFamily="34" charset="0"/>
+              <a:defRPr/>
+            </a:pPr>
+            <a:r>
+              <a:rPr kumimoji="0" lang="zh-CN" altLang="en-US" sz="1800" b="1" i="0" spc="50" baseline="0" noProof="0" dirty="0">
+                <a:ln w="3175">
+                  <a:noFill/>
+                  <a:prstDash val="dash"/>
+                </a:ln>
+                <a:solidFill>
+                  <a:sysClr val="windowText" lastClr="000000">
+                    <a:lumMod val="65000"/>
+                    <a:lumOff val="35000"/>
+                  </a:sysClr>
+                </a:solidFill>
+                <a:effectLst/>
+                <a:uLnTx/>
+                <a:uFillTx/>
+                <a:latin typeface="Arial" panose="020B0604020202020204" pitchFamily="34" charset="0"/>
+                <a:ea typeface="微软雅黑 Light" panose="020B0502040204020203" pitchFamily="34" charset="-122"/>
+                <a:cs typeface="微软雅黑" panose="020B0503020204020204" charset="-122"/>
+              </a:rPr>
+              <a:t>解决方案：</a:t>
+            </a:r>
+            <a:endParaRPr kumimoji="0" lang="zh-CN" altLang="en-US" sz="1800" b="1" i="0" spc="50" baseline="0" noProof="0" dirty="0">
+              <a:ln w="3175">
+                <a:noFill/>
+                <a:prstDash val="dash"/>
+              </a:ln>
+              <a:solidFill>
+                <a:sysClr val="windowText" lastClr="000000">
+                  <a:lumMod val="65000"/>
+                  <a:lumOff val="35000"/>
+                </a:sysClr>
+              </a:solidFill>
+              <a:effectLst/>
+              <a:uLnTx/>
+              <a:uFillTx/>
+              <a:latin typeface="Arial" panose="020B0604020202020204" pitchFamily="34" charset="0"/>
+              <a:ea typeface="微软雅黑 Light" panose="020B0502040204020203" pitchFamily="34" charset="-122"/>
+              <a:cs typeface="微软雅黑" panose="020B0503020204020204" charset="-122"/>
+            </a:endParaRPr>
+          </a:p>
+          <a:p>
+            <a:pPr marR="0" lvl="0" indent="0" algn="just" defTabSz="914400" rtl="0" eaLnBrk="1" fontAlgn="auto" latinLnBrk="0" hangingPunct="1">
+              <a:lnSpc>
+                <a:spcPct val="130000"/>
+              </a:lnSpc>
+              <a:spcBef>
+                <a:spcPts val="0"/>
+              </a:spcBef>
+              <a:spcAft>
+                <a:spcPts val="800"/>
+              </a:spcAft>
+              <a:buClrTx/>
+              <a:buSzTx/>
+              <a:buFont typeface="Arial" panose="020B0604020202020204" pitchFamily="34" charset="0"/>
+              <a:defRPr/>
+            </a:pPr>
+            <a:r>
+              <a:rPr kumimoji="0" altLang="zh-CN" sz="1800" i="0" spc="50" baseline="0" noProof="0" dirty="0">
+                <a:ln w="3175">
+                  <a:noFill/>
+                  <a:prstDash val="dash"/>
+                </a:ln>
+                <a:solidFill>
+                  <a:sysClr val="windowText" lastClr="000000">
+                    <a:lumMod val="65000"/>
+                    <a:lumOff val="35000"/>
+                  </a:sysClr>
+                </a:solidFill>
+                <a:effectLst/>
+                <a:uLnTx/>
+                <a:uFillTx/>
+                <a:latin typeface="Arial" panose="020B0604020202020204" pitchFamily="34" charset="0"/>
+                <a:ea typeface="微软雅黑 Light" panose="020B0502040204020203" pitchFamily="34" charset="-122"/>
+                <a:cs typeface="微软雅黑" panose="020B0503020204020204" charset="-122"/>
+              </a:rPr>
+              <a:t>1</a:t>
+            </a:r>
+            <a:r>
+              <a:rPr kumimoji="0" lang="zh-CN" altLang="en-US" sz="1800" i="0" spc="50" baseline="0" noProof="0" dirty="0">
+                <a:ln w="3175">
+                  <a:noFill/>
+                  <a:prstDash val="dash"/>
+                </a:ln>
+                <a:solidFill>
+                  <a:sysClr val="windowText" lastClr="000000">
+                    <a:lumMod val="65000"/>
+                    <a:lumOff val="35000"/>
+                  </a:sysClr>
+                </a:solidFill>
+                <a:effectLst/>
+                <a:uLnTx/>
+                <a:uFillTx/>
+                <a:latin typeface="Arial" panose="020B0604020202020204" pitchFamily="34" charset="0"/>
+                <a:ea typeface="微软雅黑 Light" panose="020B0502040204020203" pitchFamily="34" charset="-122"/>
+                <a:cs typeface="微软雅黑" panose="020B0503020204020204" charset="-122"/>
+              </a:rPr>
+              <a:t>、</a:t>
+            </a:r>
+            <a:r>
+              <a:rPr kumimoji="0" lang="zh-CN" altLang="en-US" sz="1800" i="0" spc="50" baseline="0" noProof="0" dirty="0">
+                <a:ln w="3175">
+                  <a:noFill/>
+                  <a:prstDash val="dash"/>
+                </a:ln>
+                <a:solidFill>
+                  <a:sysClr val="windowText" lastClr="000000">
+                    <a:lumMod val="65000"/>
+                    <a:lumOff val="35000"/>
+                  </a:sysClr>
+                </a:solidFill>
+                <a:effectLst/>
+                <a:uLnTx/>
+                <a:uFillTx/>
+                <a:latin typeface="Arial" panose="020B0604020202020204" pitchFamily="34" charset="0"/>
+                <a:ea typeface="微软雅黑 Light" panose="020B0502040204020203" pitchFamily="34" charset="-122"/>
+                <a:cs typeface="微软雅黑" panose="020B0503020204020204" charset="-122"/>
+              </a:rPr>
+              <a:t>降级，当请求超时、资源不足等情况发生时进行服务降级处理，不调用真实服务逻辑，而是使用快速失败（fallback）方式直接返回一个托底数据，保证服务链条的完整，避免服务雪崩。</a:t>
+            </a:r>
+            <a:endParaRPr kumimoji="0" lang="zh-CN" altLang="en-US" sz="1800" i="0" spc="50" baseline="0" noProof="0" dirty="0">
+              <a:ln w="3175">
+                <a:noFill/>
+                <a:prstDash val="dash"/>
+              </a:ln>
+              <a:solidFill>
+                <a:sysClr val="windowText" lastClr="000000">
+                  <a:lumMod val="65000"/>
+                  <a:lumOff val="35000"/>
+                </a:sysClr>
+              </a:solidFill>
+              <a:effectLst/>
+              <a:uLnTx/>
+              <a:uFillTx/>
+              <a:latin typeface="Arial" panose="020B0604020202020204" pitchFamily="34" charset="0"/>
+              <a:ea typeface="微软雅黑 Light" panose="020B0502040204020203" pitchFamily="34" charset="-122"/>
+              <a:cs typeface="微软雅黑" panose="020B0503020204020204" charset="-122"/>
+            </a:endParaRPr>
+          </a:p>
+          <a:p>
+            <a:pPr marR="0" lvl="0" indent="0" algn="just" defTabSz="914400" rtl="0" eaLnBrk="1" fontAlgn="auto" latinLnBrk="0" hangingPunct="1">
+              <a:lnSpc>
+                <a:spcPct val="130000"/>
+              </a:lnSpc>
+              <a:spcBef>
+                <a:spcPts val="0"/>
+              </a:spcBef>
+              <a:spcAft>
+                <a:spcPts val="800"/>
+              </a:spcAft>
+              <a:buClrTx/>
+              <a:buSzTx/>
+              <a:buFont typeface="Arial" panose="020B0604020202020204" pitchFamily="34" charset="0"/>
+              <a:defRPr/>
+            </a:pPr>
+            <a:r>
+              <a:rPr altLang="zh-CN" sz="1800" spc="50" noProof="0">
+                <a:ln w="3175">
+                  <a:noFill/>
+                  <a:prstDash val="dash"/>
+                </a:ln>
+                <a:solidFill>
+                  <a:sysClr val="windowText" lastClr="000000">
+                    <a:lumMod val="65000"/>
+                    <a:lumOff val="35000"/>
+                  </a:sysClr>
+                </a:solidFill>
+                <a:uLnTx/>
+                <a:uFillTx/>
+                <a:ea typeface="微软雅黑 Light" panose="020B0502040204020203" pitchFamily="34" charset="-122"/>
+                <a:cs typeface="微软雅黑" panose="020B0503020204020204" charset="-122"/>
+                <a:sym typeface="+mn-ea"/>
+              </a:rPr>
+              <a:t>2</a:t>
+            </a:r>
+            <a:r>
+              <a:rPr lang="zh-CN" altLang="en-US" sz="1800" spc="50" noProof="0">
+                <a:ln w="3175">
+                  <a:noFill/>
+                  <a:prstDash val="dash"/>
+                </a:ln>
+                <a:solidFill>
+                  <a:sysClr val="windowText" lastClr="000000">
+                    <a:lumMod val="65000"/>
+                    <a:lumOff val="35000"/>
+                  </a:sysClr>
+                </a:solidFill>
+                <a:uLnTx/>
+                <a:uFillTx/>
+                <a:ea typeface="微软雅黑 Light" panose="020B0502040204020203" pitchFamily="34" charset="-122"/>
+                <a:cs typeface="微软雅黑" panose="020B0503020204020204" charset="-122"/>
+                <a:sym typeface="+mn-ea"/>
+              </a:rPr>
+              <a:t>、熔断，断路器模式，服务降级 </a:t>
+            </a:r>
+            <a:r>
+              <a:rPr altLang="zh-CN" sz="1800" spc="50" noProof="0">
+                <a:ln w="3175">
+                  <a:noFill/>
+                  <a:prstDash val="dash"/>
+                </a:ln>
+                <a:solidFill>
+                  <a:sysClr val="windowText" lastClr="000000">
+                    <a:lumMod val="65000"/>
+                    <a:lumOff val="35000"/>
+                  </a:sysClr>
+                </a:solidFill>
+                <a:uLnTx/>
+                <a:uFillTx/>
+                <a:ea typeface="微软雅黑 Light" panose="020B0502040204020203" pitchFamily="34" charset="-122"/>
+                <a:cs typeface="微软雅黑" panose="020B0503020204020204" charset="-122"/>
+                <a:sym typeface="+mn-ea"/>
+              </a:rPr>
+              <a:t>+ </a:t>
+            </a:r>
+            <a:r>
+              <a:rPr lang="zh-CN" altLang="en-US" sz="1800" spc="50" noProof="0">
+                <a:ln w="3175">
+                  <a:noFill/>
+                  <a:prstDash val="dash"/>
+                </a:ln>
+                <a:solidFill>
+                  <a:sysClr val="windowText" lastClr="000000">
+                    <a:lumMod val="65000"/>
+                    <a:lumOff val="35000"/>
+                  </a:sysClr>
+                </a:solidFill>
+                <a:uLnTx/>
+                <a:uFillTx/>
+                <a:ea typeface="微软雅黑 Light" panose="020B0502040204020203" pitchFamily="34" charset="-122"/>
+                <a:cs typeface="微软雅黑" panose="020B0503020204020204" charset="-122"/>
+                <a:sym typeface="+mn-ea"/>
+              </a:rPr>
+              <a:t>自动恢复。</a:t>
+            </a:r>
+            <a:endParaRPr lang="zh-CN" altLang="en-US" sz="1800" spc="50" noProof="0">
+              <a:ln w="3175">
+                <a:noFill/>
+                <a:prstDash val="dash"/>
+              </a:ln>
+              <a:solidFill>
+                <a:sysClr val="windowText" lastClr="000000">
+                  <a:lumMod val="65000"/>
+                  <a:lumOff val="35000"/>
+                </a:sysClr>
+              </a:solidFill>
+              <a:uLnTx/>
+              <a:uFillTx/>
+              <a:ea typeface="微软雅黑 Light" panose="020B0502040204020203" pitchFamily="34" charset="-122"/>
+              <a:cs typeface="微软雅黑" panose="020B0503020204020204" charset="-122"/>
+              <a:sym typeface="+mn-ea"/>
+            </a:endParaRPr>
+          </a:p>
+          <a:p>
+            <a:pPr marR="0" lvl="0" indent="0" algn="just" defTabSz="914400" rtl="0" eaLnBrk="1" fontAlgn="auto" latinLnBrk="0" hangingPunct="1">
+              <a:lnSpc>
+                <a:spcPct val="130000"/>
+              </a:lnSpc>
+              <a:spcBef>
+                <a:spcPts val="0"/>
+              </a:spcBef>
+              <a:spcAft>
+                <a:spcPts val="800"/>
+              </a:spcAft>
+              <a:buClrTx/>
+              <a:buSzTx/>
+              <a:buFont typeface="Arial" panose="020B0604020202020204" pitchFamily="34" charset="0"/>
+              <a:defRPr/>
+            </a:pPr>
+            <a:r>
+              <a:rPr altLang="zh-CN" sz="1800" spc="50" noProof="0">
+                <a:ln w="3175">
+                  <a:noFill/>
+                  <a:prstDash val="dash"/>
+                </a:ln>
+                <a:solidFill>
+                  <a:sysClr val="windowText" lastClr="000000">
+                    <a:lumMod val="65000"/>
+                    <a:lumOff val="35000"/>
+                  </a:sysClr>
+                </a:solidFill>
+                <a:uLnTx/>
+                <a:uFillTx/>
+                <a:ea typeface="微软雅黑 Light" panose="020B0502040204020203" pitchFamily="34" charset="-122"/>
+                <a:cs typeface="微软雅黑" panose="020B0503020204020204" charset="-122"/>
+                <a:sym typeface="+mn-ea"/>
+              </a:rPr>
+              <a:t>3</a:t>
+            </a:r>
+            <a:r>
+              <a:rPr lang="zh-CN" altLang="en-US" sz="1800" spc="50" noProof="0">
+                <a:ln w="3175">
+                  <a:noFill/>
+                  <a:prstDash val="dash"/>
+                </a:ln>
+                <a:solidFill>
+                  <a:sysClr val="windowText" lastClr="000000">
+                    <a:lumMod val="65000"/>
+                    <a:lumOff val="35000"/>
+                  </a:sysClr>
+                </a:solidFill>
+                <a:uLnTx/>
+                <a:uFillTx/>
+                <a:ea typeface="微软雅黑 Light" panose="020B0502040204020203" pitchFamily="34" charset="-122"/>
+                <a:cs typeface="微软雅黑" panose="020B0503020204020204" charset="-122"/>
+                <a:sym typeface="+mn-ea"/>
+              </a:rPr>
+              <a:t>、</a:t>
+            </a:r>
+            <a:r>
+              <a:rPr lang="zh-CN" altLang="en-US" sz="1800" spc="50" noProof="0">
+                <a:ln w="3175">
+                  <a:noFill/>
+                  <a:prstDash val="dash"/>
+                </a:ln>
+                <a:solidFill>
+                  <a:sysClr val="windowText" lastClr="000000">
+                    <a:lumMod val="65000"/>
+                    <a:lumOff val="35000"/>
+                  </a:sysClr>
+                </a:solidFill>
+                <a:uLnTx/>
+                <a:uFillTx/>
+                <a:ea typeface="微软雅黑 Light" panose="020B0502040204020203" pitchFamily="34" charset="-122"/>
+                <a:cs typeface="微软雅黑" panose="020B0503020204020204" charset="-122"/>
+                <a:sym typeface="+mn-ea"/>
+              </a:rPr>
+              <a:t>隔离，舱壁模式，线程池隔离、信号量隔离。</a:t>
+            </a:r>
+            <a:endParaRPr lang="zh-CN" altLang="en-US" sz="1800" spc="50" noProof="0">
+              <a:ln w="3175">
+                <a:noFill/>
+                <a:prstDash val="dash"/>
+              </a:ln>
+              <a:solidFill>
+                <a:sysClr val="windowText" lastClr="000000">
+                  <a:lumMod val="65000"/>
+                  <a:lumOff val="35000"/>
+                </a:sysClr>
+              </a:solidFill>
+              <a:uLnTx/>
+              <a:uFillTx/>
+              <a:ea typeface="微软雅黑 Light" panose="020B0502040204020203" pitchFamily="34" charset="-122"/>
+              <a:cs typeface="微软雅黑" panose="020B0503020204020204" charset="-122"/>
+              <a:sym typeface="+mn-ea"/>
+            </a:endParaRPr>
+          </a:p>
+          <a:p>
+            <a:pPr marR="0" lvl="0" indent="0" algn="just" defTabSz="914400" rtl="0" eaLnBrk="1" fontAlgn="auto" latinLnBrk="0" hangingPunct="1">
+              <a:lnSpc>
+                <a:spcPct val="130000"/>
+              </a:lnSpc>
+              <a:spcBef>
+                <a:spcPts val="0"/>
+              </a:spcBef>
+              <a:spcAft>
+                <a:spcPts val="800"/>
+              </a:spcAft>
+              <a:buClrTx/>
+              <a:buSzTx/>
+              <a:buFont typeface="Arial" panose="020B0604020202020204" pitchFamily="34" charset="0"/>
+              <a:defRPr/>
+            </a:pPr>
+            <a:r>
+              <a:rPr altLang="zh-CN" sz="1800" spc="50" noProof="0">
+                <a:ln w="3175">
+                  <a:noFill/>
+                  <a:prstDash val="dash"/>
+                </a:ln>
+                <a:solidFill>
+                  <a:sysClr val="windowText" lastClr="000000">
+                    <a:lumMod val="65000"/>
+                    <a:lumOff val="35000"/>
+                  </a:sysClr>
+                </a:solidFill>
+                <a:uLnTx/>
+                <a:uFillTx/>
+                <a:ea typeface="微软雅黑 Light" panose="020B0502040204020203" pitchFamily="34" charset="-122"/>
+                <a:cs typeface="微软雅黑" panose="020B0503020204020204" charset="-122"/>
+                <a:sym typeface="+mn-ea"/>
+              </a:rPr>
+              <a:t>4</a:t>
+            </a:r>
+            <a:r>
+              <a:rPr lang="zh-CN" altLang="en-US" sz="1800" spc="50" noProof="0">
+                <a:ln w="3175">
+                  <a:noFill/>
+                  <a:prstDash val="dash"/>
+                </a:ln>
+                <a:solidFill>
+                  <a:sysClr val="windowText" lastClr="000000">
+                    <a:lumMod val="65000"/>
+                    <a:lumOff val="35000"/>
+                  </a:sysClr>
+                </a:solidFill>
+                <a:uLnTx/>
+                <a:uFillTx/>
+                <a:ea typeface="微软雅黑 Light" panose="020B0502040204020203" pitchFamily="34" charset="-122"/>
+                <a:cs typeface="微软雅黑" panose="020B0503020204020204" charset="-122"/>
+                <a:sym typeface="+mn-ea"/>
+              </a:rPr>
+              <a:t>、请求合并，在一定时间内，收集一定量的同类型请求，合并请求需求后，一次性访问服务提供者，得到批量结果。这种方式可以减少服务消费者和服务提供者之间的通讯次数，提升应用执行效率。</a:t>
+            </a:r>
+            <a:endParaRPr kumimoji="0" lang="zh-CN" altLang="en-US" sz="1800" i="0" spc="50" baseline="0" noProof="0" dirty="0">
+              <a:ln w="3175">
+                <a:noFill/>
+                <a:prstDash val="dash"/>
+              </a:ln>
+              <a:solidFill>
+                <a:sysClr val="windowText" lastClr="000000">
+                  <a:lumMod val="65000"/>
+                  <a:lumOff val="35000"/>
+                </a:sysClr>
+              </a:solidFill>
+              <a:effectLst/>
+              <a:uLnTx/>
+              <a:uFillTx/>
+              <a:latin typeface="Arial" panose="020B0604020202020204" pitchFamily="34" charset="0"/>
+              <a:ea typeface="微软雅黑 Light" panose="020B0502040204020203" pitchFamily="34" charset="-122"/>
+              <a:cs typeface="微软雅黑" panose="020B0503020204020204" charset="-122"/>
+            </a:endParaRPr>
+          </a:p>
+          <a:p>
+            <a:pPr marR="0" lvl="0" indent="0" algn="just" defTabSz="914400" rtl="0" eaLnBrk="1" fontAlgn="auto" latinLnBrk="0" hangingPunct="1">
+              <a:lnSpc>
+                <a:spcPct val="130000"/>
+              </a:lnSpc>
+              <a:spcBef>
+                <a:spcPts val="0"/>
+              </a:spcBef>
+              <a:spcAft>
+                <a:spcPts val="800"/>
+              </a:spcAft>
+              <a:buClrTx/>
+              <a:buSzTx/>
+              <a:buFont typeface="Arial" panose="020B0604020202020204" pitchFamily="34" charset="0"/>
+              <a:defRPr/>
+            </a:pPr>
+            <a:endParaRPr kumimoji="0" lang="zh-CN" altLang="en-US" sz="1800" i="0" spc="50" baseline="0" noProof="0" dirty="0">
+              <a:ln w="3175">
+                <a:noFill/>
+                <a:prstDash val="dash"/>
+              </a:ln>
+              <a:solidFill>
+                <a:sysClr val="windowText" lastClr="000000">
+                  <a:lumMod val="65000"/>
+                  <a:lumOff val="35000"/>
+                </a:sysClr>
+              </a:solidFill>
+              <a:effectLst/>
+              <a:uLnTx/>
+              <a:uFillTx/>
+              <a:latin typeface="Arial" panose="020B0604020202020204" pitchFamily="34" charset="0"/>
+              <a:ea typeface="微软雅黑 Light" panose="020B0502040204020203" pitchFamily="34" charset="-122"/>
+              <a:cs typeface="微软雅黑" panose="020B0503020204020204" charset="-122"/>
+            </a:endParaRPr>
+          </a:p>
+        </p:txBody>
+      </p:sp>
+      <p:sp>
+        <p:nvSpPr>
+          <p:cNvPr id="4" name="Title 6"/>
+          <p:cNvSpPr txBox="1"/>
+          <p:nvPr>
+            <p:custDataLst>
+              <p:tags r:id="rId2"/>
+            </p:custDataLst>
+          </p:nvPr>
+        </p:nvSpPr>
+        <p:spPr>
+          <a:xfrm>
+            <a:off x="608330" y="288925"/>
+            <a:ext cx="10975340" cy="487045"/>
+          </a:xfrm>
+          <a:prstGeom prst="rect">
+            <a:avLst/>
+          </a:prstGeom>
+          <a:noFill/>
+          <a:ln w="3175">
+            <a:noFill/>
+            <a:prstDash val="sysDash"/>
+          </a:ln>
+        </p:spPr>
+        <p:txBody>
+          <a:bodyPr wrap="square" lIns="72000" tIns="36000" rIns="72000" bIns="108000" anchor="ctr" anchorCtr="0">
+            <a:noAutofit/>
+          </a:bodyPr>
+          <a:lstStyle>
+            <a:lvl1pPr algn="l" defTabSz="913765" rtl="0" eaLnBrk="1" latinLnBrk="0" hangingPunct="1">
+              <a:lnSpc>
+                <a:spcPct val="90000"/>
+              </a:lnSpc>
+              <a:spcBef>
+                <a:spcPct val="0"/>
+              </a:spcBef>
+              <a:buNone/>
+              <a:defRPr lang="en-US" sz="2745" b="0" kern="1200" cap="none" spc="-49" baseline="0" dirty="0" smtClean="0">
+                <a:ln w="3175">
+                  <a:noFill/>
+                </a:ln>
+                <a:solidFill>
+                  <a:sysClr val="windowText" lastClr="000000"/>
+                </a:solidFill>
+                <a:effectLst/>
+                <a:latin typeface="Arial" panose="020B0604020202020204" pitchFamily="34" charset="0"/>
+                <a:ea typeface="微软雅黑" panose="020B0503020204020204" charset="-122"/>
+                <a:cs typeface="Segoe UI" panose="020B0502040204020203" pitchFamily="34" charset="0"/>
+              </a:defRPr>
+            </a:lvl1pPr>
+          </a:lstStyle>
+          <a:p>
+            <a:pPr marL="0" marR="0" lvl="0" indent="0" algn="l" defTabSz="913765" rtl="0" eaLnBrk="1" fontAlgn="auto" latinLnBrk="0" hangingPunct="1">
+              <a:lnSpc>
+                <a:spcPct val="90000"/>
+              </a:lnSpc>
+              <a:spcBef>
+                <a:spcPct val="0"/>
+              </a:spcBef>
+              <a:spcAft>
+                <a:spcPts val="800"/>
+              </a:spcAft>
+              <a:buClrTx/>
+              <a:buSzTx/>
+              <a:buFontTx/>
+              <a:buNone/>
+              <a:defRPr/>
+            </a:pPr>
+            <a:r>
+              <a:rPr lang="zh-CN" altLang="en-US" sz="2400" spc="300" noProof="0">
+                <a:ln w="3175">
+                  <a:noFill/>
+                  <a:prstDash val="dash"/>
+                </a:ln>
+                <a:solidFill>
+                  <a:sysClr val="windowText" lastClr="000000">
+                    <a:lumMod val="75000"/>
+                    <a:lumOff val="25000"/>
+                  </a:sysClr>
+                </a:solidFill>
+                <a:uLnTx/>
+                <a:uFillTx/>
+                <a:cs typeface="微软雅黑" panose="020B0503020204020204" charset="-122"/>
+                <a:sym typeface="+mn-ea"/>
+              </a:rPr>
+              <a:t>灾难性雪崩效应</a:t>
+            </a:r>
+            <a:endParaRPr kumimoji="0" lang="zh-CN" altLang="en-US" sz="2400" i="0" spc="300" baseline="0" noProof="0" dirty="0">
+              <a:ln w="3175">
+                <a:noFill/>
+                <a:prstDash val="dash"/>
+              </a:ln>
+              <a:solidFill>
+                <a:sysClr val="windowText" lastClr="000000">
+                  <a:lumMod val="75000"/>
+                  <a:lumOff val="25000"/>
+                </a:sysClr>
+              </a:solidFill>
+              <a:effectLst/>
+              <a:uLnTx/>
+              <a:uFillTx/>
+              <a:latin typeface="Arial" panose="020B0604020202020204" pitchFamily="34" charset="0"/>
+              <a:ea typeface="微软雅黑" panose="020B0503020204020204" charset="-122"/>
+              <a:cs typeface="微软雅黑" panose="020B0503020204020204" charset="-122"/>
+            </a:endParaRPr>
+          </a:p>
+          <a:p>
+            <a:pPr marL="0" marR="0" lvl="0" indent="0" algn="l" defTabSz="913765" rtl="0" eaLnBrk="1" fontAlgn="auto" latinLnBrk="0" hangingPunct="1">
+              <a:lnSpc>
+                <a:spcPct val="90000"/>
+              </a:lnSpc>
+              <a:spcBef>
+                <a:spcPct val="0"/>
+              </a:spcBef>
+              <a:spcAft>
+                <a:spcPts val="800"/>
+              </a:spcAft>
+              <a:buClrTx/>
+              <a:buSzTx/>
+              <a:buFontTx/>
+              <a:buNone/>
+              <a:defRPr/>
+            </a:pPr>
+            <a:endParaRPr kumimoji="0" lang="zh-CN" altLang="en-US" sz="2400" i="0" spc="300" baseline="0" noProof="0" dirty="0">
               <a:ln w="3175">
                 <a:noFill/>
                 <a:prstDash val="dash"/>
@@ -9826,6 +12523,164 @@
 
 <file path=ppt/tags/tag22.xml><?xml version="1.0" encoding="utf-8"?>
 <p:tagLst xmlns:p="http://schemas.openxmlformats.org/presentationml/2006/main">
+  <p:tag name="KSO_WM_UNIT_PLACING_PICTURE_USER_VIEWPORT" val="{&quot;height&quot;:5424,&quot;width&quot;:16380}"/>
+</p:tagLst>
+</file>
+
+<file path=ppt/tags/tag23.xml><?xml version="1.0" encoding="utf-8"?>
+<p:tagLst xmlns:p="http://schemas.openxmlformats.org/presentationml/2006/main">
+  <p:tag name="KSO_WM_SLIDE_ID" val="diagram20200864_1"/>
+  <p:tag name="KSO_WM_TEMPLATE_SUBCATEGORY" val="11"/>
+  <p:tag name="KSO_WM_SLIDE_TYPE" val="text"/>
+  <p:tag name="KSO_WM_SLIDE_SUBTYPE" val="pureTxt"/>
+  <p:tag name="KSO_WM_SLIDE_ITEM_CNT" val="0"/>
+  <p:tag name="KSO_WM_SLIDE_INDEX" val="1"/>
+  <p:tag name="KSO_WM_UNIT_SHOW_EDIT_AREA_INDICATION" val="1"/>
+  <p:tag name="KSO_WM_SLIDE_SIZE" val="864*454"/>
+  <p:tag name="KSO_WM_SLIDE_POSITION" val="47*37"/>
+  <p:tag name="KSO_WM_TAG_VERSION" val="1.0"/>
+  <p:tag name="KSO_WM_BEAUTIFY_FLAG" val="#wm#"/>
+  <p:tag name="KSO_WM_TEMPLATE_CATEGORY" val="diagram"/>
+  <p:tag name="KSO_WM_TEMPLATE_INDEX" val="20200864"/>
+  <p:tag name="KSO_WM_SLIDE_LAYOUT" val="a_f"/>
+  <p:tag name="KSO_WM_SLIDE_LAYOUT_CNT" val="1_1"/>
+  <p:tag name="KSO_WM_SLIDE_LAYOUT_INFO" val="{&quot;direction&quot;:0,&quot;horizontalAlign&quot;:-1,&quot;verticalAlign&quot;:-1,&quot;type&quot;:0,&quot;diagramDirection&quot;:0,&quot;canSetOverLayout&quot;:0,&quot;isOverLayout&quot;:0,&quot;normalSize&quot;:{&quot;size1&quot;:26.0},&quot;minSize&quot;:{&quot;size1&quot;:26.0},&quot;maxSize&quot;:{&quot;size1&quot;:26.0},&quot;edge&quot;:{&quot;left&quot;:true,&quot;top&quot;:true,&quot;right&quot;:true,&quot;bottom&quot;:true},&quot;backgroundInfo&quot;:[{&quot;type&quot;:&quot;general&quot;,&quot;left&quot;:0.0,&quot;top&quot;:0.0,&quot;right&quot;:0.0,&quot;bottom&quot;:0.0},{&quot;type&quot;:&quot;frame&quot;,&quot;left&quot;:0.0,&quot;top&quot;:0.0,&quot;right&quot;:0.0,&quot;bottom&quot;:0.0}],&quot;subLayout&quot;:[{&quot;direction&quot;:0,&quot;horizontalAlign&quot;:0,&quot;verticalAlign&quot;:1,&quot;type&quot;:0,&quot;diagramDirection&quot;:0,&quot;canSetOverLayout&quot;:0,&quot;isOverLayout&quot;:0,&quot;margin&quot;:{&quot;left&quot;:1.69,&quot;top&quot;:1.319,&quot;right&quot;:1.69,&quot;bottom&quot;:0.163},&quot;edge&quot;:{&quot;left&quot;:true,&quot;top&quot;:true,&quot;right&quot;:true,&quot;bottom&quot;:false}},{&quot;direction&quot;:0,&quot;horizontalAlign&quot;:0,&quot;verticalAlign&quot;:1,&quot;type&quot;:0,&quot;diagramDirection&quot;:0,&quot;canSetOverLayout&quot;:0,&quot;isOverLayout&quot;:0,&quot;margin&quot;:{&quot;left&quot;:1.69,&quot;top&quot;:0.026,&quot;right&quot;:1.69,&quot;bottom&quot;:1.69},&quot;edge&quot;:{&quot;left&quot;:true,&quot;top&quot;:false,&quot;right&quot;:true,&quot;bottom&quot;:true}}]}"/>
+  <p:tag name="KSO_WM_SLIDE_CAN_ADD_NAVIGATION" val="1"/>
+  <p:tag name="KSO_WM_SLIDE_BACKGROUND" val="[&quot;general&quot;,&quot;frame&quot;]"/>
+  <p:tag name="KSO_WM_SLIDE_RATIO" val="1.777778"/>
+  <p:tag name="KSO_WM_TEMPLATE_MASTER_TYPE" val="0"/>
+  <p:tag name="KSO_WM_TEMPLATE_COLOR_TYPE" val="1"/>
+</p:tagLst>
+</file>
+
+<file path=ppt/tags/tag24.xml><?xml version="1.0" encoding="utf-8"?>
+<p:tagLst xmlns:p="http://schemas.openxmlformats.org/presentationml/2006/main">
+  <p:tag name="KSO_WM_UNIT_PRESET_TEXT" val="点击输入正文"/>
+  <p:tag name="KSO_WM_UNIT_NOCLEAR" val="0"/>
+  <p:tag name="KSO_WM_UNIT_SHOW_EDIT_AREA_INDICATION" val="1"/>
+  <p:tag name="KSO_WM_UNIT_VALUE" val="564"/>
+  <p:tag name="KSO_WM_UNIT_HIGHLIGHT" val="0"/>
+  <p:tag name="KSO_WM_UNIT_COMPATIBLE" val="0"/>
+  <p:tag name="KSO_WM_UNIT_DIAGRAM_ISNUMVISUAL" val="0"/>
+  <p:tag name="KSO_WM_UNIT_DIAGRAM_ISREFERUNIT" val="0"/>
+  <p:tag name="KSO_WM_UNIT_TYPE" val="f"/>
+  <p:tag name="KSO_WM_UNIT_INDEX" val="1"/>
+  <p:tag name="KSO_WM_UNIT_ID" val="diagram20200864_1*f*1"/>
+  <p:tag name="KSO_WM_TEMPLATE_CATEGORY" val="diagram"/>
+  <p:tag name="KSO_WM_TEMPLATE_INDEX" val="20200864"/>
+  <p:tag name="KSO_WM_UNIT_LAYERLEVEL" val="1"/>
+  <p:tag name="KSO_WM_TAG_VERSION" val="1.0"/>
+  <p:tag name="KSO_WM_BEAUTIFY_FLAG" val="#wm#"/>
+  <p:tag name="KSO_WM_UNIT_DEFAULT_FONT" val="14;18;2"/>
+  <p:tag name="KSO_WM_UNIT_BLOCK" val="0"/>
+  <p:tag name="KSO_WM_UNIT_PLACING_PICTURE_MD4" val="0"/>
+</p:tagLst>
+</file>
+
+<file path=ppt/tags/tag25.xml><?xml version="1.0" encoding="utf-8"?>
+<p:tagLst xmlns:p="http://schemas.openxmlformats.org/presentationml/2006/main">
+  <p:tag name="KSO_WM_UNIT_ISCONTENTSTITLE" val="0"/>
+  <p:tag name="KSO_WM_UNIT_PRESET_TEXT" val="点击输入大标题"/>
+  <p:tag name="KSO_WM_UNIT_NOCLEAR" val="0"/>
+  <p:tag name="KSO_WM_UNIT_SHOW_EDIT_AREA_INDICATION" val="1"/>
+  <p:tag name="KSO_WM_UNIT_VALUE" val="52"/>
+  <p:tag name="KSO_WM_UNIT_HIGHLIGHT" val="0"/>
+  <p:tag name="KSO_WM_UNIT_COMPATIBLE" val="0"/>
+  <p:tag name="KSO_WM_UNIT_DIAGRAM_ISNUMVISUAL" val="0"/>
+  <p:tag name="KSO_WM_UNIT_DIAGRAM_ISREFERUNIT" val="0"/>
+  <p:tag name="KSO_WM_UNIT_TYPE" val="a"/>
+  <p:tag name="KSO_WM_UNIT_INDEX" val="1"/>
+  <p:tag name="KSO_WM_UNIT_ID" val="diagram20200864_1*a*1"/>
+  <p:tag name="KSO_WM_TEMPLATE_CATEGORY" val="diagram"/>
+  <p:tag name="KSO_WM_TEMPLATE_INDEX" val="20200864"/>
+  <p:tag name="KSO_WM_UNIT_LAYERLEVEL" val="1"/>
+  <p:tag name="KSO_WM_TAG_VERSION" val="1.0"/>
+  <p:tag name="KSO_WM_BEAUTIFY_FLAG" val="#wm#"/>
+  <p:tag name="KSO_WM_UNIT_DEFAULT_FONT" val="32;36;4"/>
+  <p:tag name="KSO_WM_UNIT_BLOCK" val="0"/>
+  <p:tag name="KSO_WM_UNIT_ISNUMDGMTITLE" val="0"/>
+  <p:tag name="KSO_WM_UNIT_PLACING_PICTURE_MD4" val="0"/>
+</p:tagLst>
+</file>
+
+<file path=ppt/tags/tag26.xml><?xml version="1.0" encoding="utf-8"?>
+<p:tagLst xmlns:p="http://schemas.openxmlformats.org/presentationml/2006/main">
+  <p:tag name="KSO_WM_SLIDE_ID" val="diagram20200864_1"/>
+  <p:tag name="KSO_WM_TEMPLATE_SUBCATEGORY" val="11"/>
+  <p:tag name="KSO_WM_SLIDE_TYPE" val="text"/>
+  <p:tag name="KSO_WM_SLIDE_SUBTYPE" val="pureTxt"/>
+  <p:tag name="KSO_WM_SLIDE_ITEM_CNT" val="0"/>
+  <p:tag name="KSO_WM_SLIDE_INDEX" val="1"/>
+  <p:tag name="KSO_WM_UNIT_SHOW_EDIT_AREA_INDICATION" val="1"/>
+  <p:tag name="KSO_WM_SLIDE_SIZE" val="864*454"/>
+  <p:tag name="KSO_WM_SLIDE_POSITION" val="47*37"/>
+  <p:tag name="KSO_WM_TAG_VERSION" val="1.0"/>
+  <p:tag name="KSO_WM_BEAUTIFY_FLAG" val="#wm#"/>
+  <p:tag name="KSO_WM_TEMPLATE_CATEGORY" val="diagram"/>
+  <p:tag name="KSO_WM_TEMPLATE_INDEX" val="20200864"/>
+  <p:tag name="KSO_WM_SLIDE_LAYOUT" val="a_f"/>
+  <p:tag name="KSO_WM_SLIDE_LAYOUT_CNT" val="1_1"/>
+  <p:tag name="KSO_WM_SLIDE_LAYOUT_INFO" val="{&quot;direction&quot;:0,&quot;horizontalAlign&quot;:-1,&quot;verticalAlign&quot;:-1,&quot;type&quot;:0,&quot;diagramDirection&quot;:0,&quot;canSetOverLayout&quot;:0,&quot;isOverLayout&quot;:0,&quot;normalSize&quot;:{&quot;size1&quot;:26.0},&quot;minSize&quot;:{&quot;size1&quot;:26.0},&quot;maxSize&quot;:{&quot;size1&quot;:26.0},&quot;edge&quot;:{&quot;left&quot;:true,&quot;top&quot;:true,&quot;right&quot;:true,&quot;bottom&quot;:true},&quot;backgroundInfo&quot;:[{&quot;type&quot;:&quot;general&quot;,&quot;left&quot;:0.0,&quot;top&quot;:0.0,&quot;right&quot;:0.0,&quot;bottom&quot;:0.0},{&quot;type&quot;:&quot;frame&quot;,&quot;left&quot;:0.0,&quot;top&quot;:0.0,&quot;right&quot;:0.0,&quot;bottom&quot;:0.0}],&quot;subLayout&quot;:[{&quot;direction&quot;:0,&quot;horizontalAlign&quot;:0,&quot;verticalAlign&quot;:1,&quot;type&quot;:0,&quot;diagramDirection&quot;:0,&quot;canSetOverLayout&quot;:0,&quot;isOverLayout&quot;:0,&quot;margin&quot;:{&quot;left&quot;:1.69,&quot;top&quot;:1.319,&quot;right&quot;:1.69,&quot;bottom&quot;:0.163},&quot;edge&quot;:{&quot;left&quot;:true,&quot;top&quot;:true,&quot;right&quot;:true,&quot;bottom&quot;:false}},{&quot;direction&quot;:0,&quot;horizontalAlign&quot;:0,&quot;verticalAlign&quot;:1,&quot;type&quot;:0,&quot;diagramDirection&quot;:0,&quot;canSetOverLayout&quot;:0,&quot;isOverLayout&quot;:0,&quot;margin&quot;:{&quot;left&quot;:1.69,&quot;top&quot;:0.026,&quot;right&quot;:1.69,&quot;bottom&quot;:1.69},&quot;edge&quot;:{&quot;left&quot;:true,&quot;top&quot;:false,&quot;right&quot;:true,&quot;bottom&quot;:true}}]}"/>
+  <p:tag name="KSO_WM_SLIDE_CAN_ADD_NAVIGATION" val="1"/>
+  <p:tag name="KSO_WM_SLIDE_BACKGROUND" val="[&quot;general&quot;,&quot;frame&quot;]"/>
+  <p:tag name="KSO_WM_SLIDE_RATIO" val="1.777778"/>
+  <p:tag name="KSO_WM_TEMPLATE_MASTER_TYPE" val="0"/>
+  <p:tag name="KSO_WM_TEMPLATE_COLOR_TYPE" val="1"/>
+</p:tagLst>
+</file>
+
+<file path=ppt/tags/tag27.xml><?xml version="1.0" encoding="utf-8"?>
+<p:tagLst xmlns:p="http://schemas.openxmlformats.org/presentationml/2006/main">
+  <p:tag name="KSO_WM_UNIT_PRESET_TEXT" val="点击输入正文"/>
+  <p:tag name="KSO_WM_UNIT_NOCLEAR" val="0"/>
+  <p:tag name="KSO_WM_UNIT_SHOW_EDIT_AREA_INDICATION" val="1"/>
+  <p:tag name="KSO_WM_UNIT_VALUE" val="564"/>
+  <p:tag name="KSO_WM_UNIT_HIGHLIGHT" val="0"/>
+  <p:tag name="KSO_WM_UNIT_COMPATIBLE" val="0"/>
+  <p:tag name="KSO_WM_UNIT_DIAGRAM_ISNUMVISUAL" val="0"/>
+  <p:tag name="KSO_WM_UNIT_DIAGRAM_ISREFERUNIT" val="0"/>
+  <p:tag name="KSO_WM_UNIT_TYPE" val="f"/>
+  <p:tag name="KSO_WM_UNIT_INDEX" val="1"/>
+  <p:tag name="KSO_WM_UNIT_ID" val="diagram20200864_1*f*1"/>
+  <p:tag name="KSO_WM_TEMPLATE_CATEGORY" val="diagram"/>
+  <p:tag name="KSO_WM_TEMPLATE_INDEX" val="20200864"/>
+  <p:tag name="KSO_WM_UNIT_LAYERLEVEL" val="1"/>
+  <p:tag name="KSO_WM_TAG_VERSION" val="1.0"/>
+  <p:tag name="KSO_WM_BEAUTIFY_FLAG" val="#wm#"/>
+  <p:tag name="KSO_WM_UNIT_DEFAULT_FONT" val="14;18;2"/>
+  <p:tag name="KSO_WM_UNIT_BLOCK" val="0"/>
+  <p:tag name="KSO_WM_UNIT_PLACING_PICTURE_MD4" val="0"/>
+</p:tagLst>
+</file>
+
+<file path=ppt/tags/tag28.xml><?xml version="1.0" encoding="utf-8"?>
+<p:tagLst xmlns:p="http://schemas.openxmlformats.org/presentationml/2006/main">
+  <p:tag name="KSO_WM_UNIT_ISCONTENTSTITLE" val="0"/>
+  <p:tag name="KSO_WM_UNIT_PRESET_TEXT" val="点击输入大标题"/>
+  <p:tag name="KSO_WM_UNIT_NOCLEAR" val="0"/>
+  <p:tag name="KSO_WM_UNIT_SHOW_EDIT_AREA_INDICATION" val="1"/>
+  <p:tag name="KSO_WM_UNIT_VALUE" val="52"/>
+  <p:tag name="KSO_WM_UNIT_HIGHLIGHT" val="0"/>
+  <p:tag name="KSO_WM_UNIT_COMPATIBLE" val="0"/>
+  <p:tag name="KSO_WM_UNIT_DIAGRAM_ISNUMVISUAL" val="0"/>
+  <p:tag name="KSO_WM_UNIT_DIAGRAM_ISREFERUNIT" val="0"/>
+  <p:tag name="KSO_WM_UNIT_TYPE" val="a"/>
+  <p:tag name="KSO_WM_UNIT_INDEX" val="1"/>
+  <p:tag name="KSO_WM_UNIT_ID" val="diagram20200864_1*a*1"/>
+  <p:tag name="KSO_WM_TEMPLATE_CATEGORY" val="diagram"/>
+  <p:tag name="KSO_WM_TEMPLATE_INDEX" val="20200864"/>
+  <p:tag name="KSO_WM_UNIT_LAYERLEVEL" val="1"/>
+  <p:tag name="KSO_WM_TAG_VERSION" val="1.0"/>
+  <p:tag name="KSO_WM_BEAUTIFY_FLAG" val="#wm#"/>
+  <p:tag name="KSO_WM_UNIT_DEFAULT_FONT" val="32;36;4"/>
+  <p:tag name="KSO_WM_UNIT_BLOCK" val="0"/>
+  <p:tag name="KSO_WM_UNIT_ISNUMDGMTITLE" val="0"/>
+  <p:tag name="KSO_WM_UNIT_PLACING_PICTURE_MD4" val="0"/>
+</p:tagLst>
+</file>
+
+<file path=ppt/tags/tag29.xml><?xml version="1.0" encoding="utf-8"?>
+<p:tagLst xmlns:p="http://schemas.openxmlformats.org/presentationml/2006/main">
   <p:tag name="KSO_WM_SLIDE_ID" val="diagram20200864_1"/>
   <p:tag name="KSO_WM_TEMPLATE_SUBCATEGORY" val="11"/>
   <p:tag name="KSO_WM_SLIDE_TYPE" val="text"/>
@@ -9876,6 +12731,240 @@
 </p:tagLst>
 </file>
 
+<file path=ppt/tags/tag30.xml><?xml version="1.0" encoding="utf-8"?>
+<p:tagLst xmlns:p="http://schemas.openxmlformats.org/presentationml/2006/main">
+  <p:tag name="KSO_WM_UNIT_PRESET_TEXT" val="点击输入正文"/>
+  <p:tag name="KSO_WM_UNIT_NOCLEAR" val="0"/>
+  <p:tag name="KSO_WM_UNIT_SHOW_EDIT_AREA_INDICATION" val="1"/>
+  <p:tag name="KSO_WM_UNIT_VALUE" val="564"/>
+  <p:tag name="KSO_WM_UNIT_HIGHLIGHT" val="0"/>
+  <p:tag name="KSO_WM_UNIT_COMPATIBLE" val="0"/>
+  <p:tag name="KSO_WM_UNIT_DIAGRAM_ISNUMVISUAL" val="0"/>
+  <p:tag name="KSO_WM_UNIT_DIAGRAM_ISREFERUNIT" val="0"/>
+  <p:tag name="KSO_WM_UNIT_TYPE" val="f"/>
+  <p:tag name="KSO_WM_UNIT_INDEX" val="1"/>
+  <p:tag name="KSO_WM_UNIT_ID" val="diagram20200864_1*f*1"/>
+  <p:tag name="KSO_WM_TEMPLATE_CATEGORY" val="diagram"/>
+  <p:tag name="KSO_WM_TEMPLATE_INDEX" val="20200864"/>
+  <p:tag name="KSO_WM_UNIT_LAYERLEVEL" val="1"/>
+  <p:tag name="KSO_WM_TAG_VERSION" val="1.0"/>
+  <p:tag name="KSO_WM_BEAUTIFY_FLAG" val="#wm#"/>
+  <p:tag name="KSO_WM_UNIT_DEFAULT_FONT" val="14;18;2"/>
+  <p:tag name="KSO_WM_UNIT_BLOCK" val="0"/>
+  <p:tag name="KSO_WM_UNIT_PLACING_PICTURE_MD4" val="0"/>
+</p:tagLst>
+</file>
+
+<file path=ppt/tags/tag31.xml><?xml version="1.0" encoding="utf-8"?>
+<p:tagLst xmlns:p="http://schemas.openxmlformats.org/presentationml/2006/main">
+  <p:tag name="KSO_WM_UNIT_ISCONTENTSTITLE" val="0"/>
+  <p:tag name="KSO_WM_UNIT_PRESET_TEXT" val="点击输入大标题"/>
+  <p:tag name="KSO_WM_UNIT_NOCLEAR" val="0"/>
+  <p:tag name="KSO_WM_UNIT_SHOW_EDIT_AREA_INDICATION" val="1"/>
+  <p:tag name="KSO_WM_UNIT_VALUE" val="52"/>
+  <p:tag name="KSO_WM_UNIT_HIGHLIGHT" val="0"/>
+  <p:tag name="KSO_WM_UNIT_COMPATIBLE" val="0"/>
+  <p:tag name="KSO_WM_UNIT_DIAGRAM_ISNUMVISUAL" val="0"/>
+  <p:tag name="KSO_WM_UNIT_DIAGRAM_ISREFERUNIT" val="0"/>
+  <p:tag name="KSO_WM_UNIT_TYPE" val="a"/>
+  <p:tag name="KSO_WM_UNIT_INDEX" val="1"/>
+  <p:tag name="KSO_WM_UNIT_ID" val="diagram20200864_1*a*1"/>
+  <p:tag name="KSO_WM_TEMPLATE_CATEGORY" val="diagram"/>
+  <p:tag name="KSO_WM_TEMPLATE_INDEX" val="20200864"/>
+  <p:tag name="KSO_WM_UNIT_LAYERLEVEL" val="1"/>
+  <p:tag name="KSO_WM_TAG_VERSION" val="1.0"/>
+  <p:tag name="KSO_WM_BEAUTIFY_FLAG" val="#wm#"/>
+  <p:tag name="KSO_WM_UNIT_DEFAULT_FONT" val="32;36;4"/>
+  <p:tag name="KSO_WM_UNIT_BLOCK" val="0"/>
+  <p:tag name="KSO_WM_UNIT_ISNUMDGMTITLE" val="0"/>
+  <p:tag name="KSO_WM_UNIT_PLACING_PICTURE_MD4" val="0"/>
+</p:tagLst>
+</file>
+
+<file path=ppt/tags/tag32.xml><?xml version="1.0" encoding="utf-8"?>
+<p:tagLst xmlns:p="http://schemas.openxmlformats.org/presentationml/2006/main">
+  <p:tag name="KSO_WM_UNIT_PLACING_PICTURE_USER_VIEWPORT" val="{&quot;height&quot;:4416,&quot;width&quot;:8928}"/>
+</p:tagLst>
+</file>
+
+<file path=ppt/tags/tag33.xml><?xml version="1.0" encoding="utf-8"?>
+<p:tagLst xmlns:p="http://schemas.openxmlformats.org/presentationml/2006/main">
+  <p:tag name="KSO_WM_SLIDE_ID" val="diagram20200864_1"/>
+  <p:tag name="KSO_WM_TEMPLATE_SUBCATEGORY" val="11"/>
+  <p:tag name="KSO_WM_SLIDE_TYPE" val="text"/>
+  <p:tag name="KSO_WM_SLIDE_SUBTYPE" val="pureTxt"/>
+  <p:tag name="KSO_WM_SLIDE_ITEM_CNT" val="0"/>
+  <p:tag name="KSO_WM_SLIDE_INDEX" val="1"/>
+  <p:tag name="KSO_WM_UNIT_SHOW_EDIT_AREA_INDICATION" val="1"/>
+  <p:tag name="KSO_WM_SLIDE_SIZE" val="864*454"/>
+  <p:tag name="KSO_WM_SLIDE_POSITION" val="47*37"/>
+  <p:tag name="KSO_WM_TAG_VERSION" val="1.0"/>
+  <p:tag name="KSO_WM_BEAUTIFY_FLAG" val="#wm#"/>
+  <p:tag name="KSO_WM_TEMPLATE_CATEGORY" val="diagram"/>
+  <p:tag name="KSO_WM_TEMPLATE_INDEX" val="20200864"/>
+  <p:tag name="KSO_WM_SLIDE_LAYOUT" val="a_f"/>
+  <p:tag name="KSO_WM_SLIDE_LAYOUT_CNT" val="1_1"/>
+  <p:tag name="KSO_WM_SLIDE_LAYOUT_INFO" val="{&quot;direction&quot;:0,&quot;horizontalAlign&quot;:-1,&quot;verticalAlign&quot;:-1,&quot;type&quot;:0,&quot;diagramDirection&quot;:0,&quot;canSetOverLayout&quot;:0,&quot;isOverLayout&quot;:0,&quot;normalSize&quot;:{&quot;size1&quot;:26.0},&quot;minSize&quot;:{&quot;size1&quot;:26.0},&quot;maxSize&quot;:{&quot;size1&quot;:26.0},&quot;edge&quot;:{&quot;left&quot;:true,&quot;top&quot;:true,&quot;right&quot;:true,&quot;bottom&quot;:true},&quot;backgroundInfo&quot;:[{&quot;type&quot;:&quot;general&quot;,&quot;left&quot;:0.0,&quot;top&quot;:0.0,&quot;right&quot;:0.0,&quot;bottom&quot;:0.0},{&quot;type&quot;:&quot;frame&quot;,&quot;left&quot;:0.0,&quot;top&quot;:0.0,&quot;right&quot;:0.0,&quot;bottom&quot;:0.0}],&quot;subLayout&quot;:[{&quot;direction&quot;:0,&quot;horizontalAlign&quot;:0,&quot;verticalAlign&quot;:1,&quot;type&quot;:0,&quot;diagramDirection&quot;:0,&quot;canSetOverLayout&quot;:0,&quot;isOverLayout&quot;:0,&quot;margin&quot;:{&quot;left&quot;:1.69,&quot;top&quot;:1.319,&quot;right&quot;:1.69,&quot;bottom&quot;:0.163},&quot;edge&quot;:{&quot;left&quot;:true,&quot;top&quot;:true,&quot;right&quot;:true,&quot;bottom&quot;:false}},{&quot;direction&quot;:0,&quot;horizontalAlign&quot;:0,&quot;verticalAlign&quot;:1,&quot;type&quot;:0,&quot;diagramDirection&quot;:0,&quot;canSetOverLayout&quot;:0,&quot;isOverLayout&quot;:0,&quot;margin&quot;:{&quot;left&quot;:1.69,&quot;top&quot;:0.026,&quot;right&quot;:1.69,&quot;bottom&quot;:1.69},&quot;edge&quot;:{&quot;left&quot;:true,&quot;top&quot;:false,&quot;right&quot;:true,&quot;bottom&quot;:true}}]}"/>
+  <p:tag name="KSO_WM_SLIDE_CAN_ADD_NAVIGATION" val="1"/>
+  <p:tag name="KSO_WM_SLIDE_BACKGROUND" val="[&quot;general&quot;,&quot;frame&quot;]"/>
+  <p:tag name="KSO_WM_SLIDE_RATIO" val="1.777778"/>
+  <p:tag name="KSO_WM_TEMPLATE_MASTER_TYPE" val="0"/>
+  <p:tag name="KSO_WM_TEMPLATE_COLOR_TYPE" val="1"/>
+</p:tagLst>
+</file>
+
+<file path=ppt/tags/tag34.xml><?xml version="1.0" encoding="utf-8"?>
+<p:tagLst xmlns:p="http://schemas.openxmlformats.org/presentationml/2006/main">
+  <p:tag name="KSO_WM_UNIT_PRESET_TEXT" val="点击输入正文"/>
+  <p:tag name="KSO_WM_UNIT_NOCLEAR" val="0"/>
+  <p:tag name="KSO_WM_UNIT_SHOW_EDIT_AREA_INDICATION" val="1"/>
+  <p:tag name="KSO_WM_UNIT_VALUE" val="564"/>
+  <p:tag name="KSO_WM_UNIT_HIGHLIGHT" val="0"/>
+  <p:tag name="KSO_WM_UNIT_COMPATIBLE" val="0"/>
+  <p:tag name="KSO_WM_UNIT_DIAGRAM_ISNUMVISUAL" val="0"/>
+  <p:tag name="KSO_WM_UNIT_DIAGRAM_ISREFERUNIT" val="0"/>
+  <p:tag name="KSO_WM_UNIT_TYPE" val="f"/>
+  <p:tag name="KSO_WM_UNIT_INDEX" val="1"/>
+  <p:tag name="KSO_WM_UNIT_ID" val="diagram20200864_1*f*1"/>
+  <p:tag name="KSO_WM_TEMPLATE_CATEGORY" val="diagram"/>
+  <p:tag name="KSO_WM_TEMPLATE_INDEX" val="20200864"/>
+  <p:tag name="KSO_WM_UNIT_LAYERLEVEL" val="1"/>
+  <p:tag name="KSO_WM_TAG_VERSION" val="1.0"/>
+  <p:tag name="KSO_WM_BEAUTIFY_FLAG" val="#wm#"/>
+  <p:tag name="KSO_WM_UNIT_DEFAULT_FONT" val="14;18;2"/>
+  <p:tag name="KSO_WM_UNIT_BLOCK" val="0"/>
+  <p:tag name="KSO_WM_UNIT_PLACING_PICTURE_MD4" val="0"/>
+</p:tagLst>
+</file>
+
+<file path=ppt/tags/tag35.xml><?xml version="1.0" encoding="utf-8"?>
+<p:tagLst xmlns:p="http://schemas.openxmlformats.org/presentationml/2006/main">
+  <p:tag name="KSO_WM_UNIT_ISCONTENTSTITLE" val="0"/>
+  <p:tag name="KSO_WM_UNIT_PRESET_TEXT" val="点击输入大标题"/>
+  <p:tag name="KSO_WM_UNIT_NOCLEAR" val="0"/>
+  <p:tag name="KSO_WM_UNIT_SHOW_EDIT_AREA_INDICATION" val="1"/>
+  <p:tag name="KSO_WM_UNIT_VALUE" val="52"/>
+  <p:tag name="KSO_WM_UNIT_HIGHLIGHT" val="0"/>
+  <p:tag name="KSO_WM_UNIT_COMPATIBLE" val="0"/>
+  <p:tag name="KSO_WM_UNIT_DIAGRAM_ISNUMVISUAL" val="0"/>
+  <p:tag name="KSO_WM_UNIT_DIAGRAM_ISREFERUNIT" val="0"/>
+  <p:tag name="KSO_WM_UNIT_TYPE" val="a"/>
+  <p:tag name="KSO_WM_UNIT_INDEX" val="1"/>
+  <p:tag name="KSO_WM_UNIT_ID" val="diagram20200864_1*a*1"/>
+  <p:tag name="KSO_WM_TEMPLATE_CATEGORY" val="diagram"/>
+  <p:tag name="KSO_WM_TEMPLATE_INDEX" val="20200864"/>
+  <p:tag name="KSO_WM_UNIT_LAYERLEVEL" val="1"/>
+  <p:tag name="KSO_WM_TAG_VERSION" val="1.0"/>
+  <p:tag name="KSO_WM_BEAUTIFY_FLAG" val="#wm#"/>
+  <p:tag name="KSO_WM_UNIT_DEFAULT_FONT" val="32;36;4"/>
+  <p:tag name="KSO_WM_UNIT_BLOCK" val="0"/>
+  <p:tag name="KSO_WM_UNIT_ISNUMDGMTITLE" val="0"/>
+  <p:tag name="KSO_WM_UNIT_PLACING_PICTURE_MD4" val="0"/>
+</p:tagLst>
+</file>
+
+<file path=ppt/tags/tag36.xml><?xml version="1.0" encoding="utf-8"?>
+<p:tagLst xmlns:p="http://schemas.openxmlformats.org/presentationml/2006/main">
+  <p:tag name="KSO_WM_SLIDE_ID" val="diagram20200864_1"/>
+  <p:tag name="KSO_WM_TEMPLATE_SUBCATEGORY" val="11"/>
+  <p:tag name="KSO_WM_SLIDE_TYPE" val="text"/>
+  <p:tag name="KSO_WM_SLIDE_SUBTYPE" val="pureTxt"/>
+  <p:tag name="KSO_WM_SLIDE_ITEM_CNT" val="0"/>
+  <p:tag name="KSO_WM_SLIDE_INDEX" val="1"/>
+  <p:tag name="KSO_WM_UNIT_SHOW_EDIT_AREA_INDICATION" val="1"/>
+  <p:tag name="KSO_WM_SLIDE_SIZE" val="864*454"/>
+  <p:tag name="KSO_WM_SLIDE_POSITION" val="47*37"/>
+  <p:tag name="KSO_WM_TAG_VERSION" val="1.0"/>
+  <p:tag name="KSO_WM_BEAUTIFY_FLAG" val="#wm#"/>
+  <p:tag name="KSO_WM_TEMPLATE_CATEGORY" val="diagram"/>
+  <p:tag name="KSO_WM_TEMPLATE_INDEX" val="20200864"/>
+  <p:tag name="KSO_WM_SLIDE_LAYOUT" val="a_f"/>
+  <p:tag name="KSO_WM_SLIDE_LAYOUT_CNT" val="1_1"/>
+  <p:tag name="KSO_WM_SLIDE_LAYOUT_INFO" val="{&quot;direction&quot;:0,&quot;horizontalAlign&quot;:-1,&quot;verticalAlign&quot;:-1,&quot;type&quot;:0,&quot;diagramDirection&quot;:0,&quot;canSetOverLayout&quot;:0,&quot;isOverLayout&quot;:0,&quot;normalSize&quot;:{&quot;size1&quot;:26.0},&quot;minSize&quot;:{&quot;size1&quot;:26.0},&quot;maxSize&quot;:{&quot;size1&quot;:26.0},&quot;edge&quot;:{&quot;left&quot;:true,&quot;top&quot;:true,&quot;right&quot;:true,&quot;bottom&quot;:true},&quot;backgroundInfo&quot;:[{&quot;type&quot;:&quot;general&quot;,&quot;left&quot;:0.0,&quot;top&quot;:0.0,&quot;right&quot;:0.0,&quot;bottom&quot;:0.0},{&quot;type&quot;:&quot;frame&quot;,&quot;left&quot;:0.0,&quot;top&quot;:0.0,&quot;right&quot;:0.0,&quot;bottom&quot;:0.0}],&quot;subLayout&quot;:[{&quot;direction&quot;:0,&quot;horizontalAlign&quot;:0,&quot;verticalAlign&quot;:1,&quot;type&quot;:0,&quot;diagramDirection&quot;:0,&quot;canSetOverLayout&quot;:0,&quot;isOverLayout&quot;:0,&quot;margin&quot;:{&quot;left&quot;:1.69,&quot;top&quot;:1.319,&quot;right&quot;:1.69,&quot;bottom&quot;:0.163},&quot;edge&quot;:{&quot;left&quot;:true,&quot;top&quot;:true,&quot;right&quot;:true,&quot;bottom&quot;:false}},{&quot;direction&quot;:0,&quot;horizontalAlign&quot;:0,&quot;verticalAlign&quot;:1,&quot;type&quot;:0,&quot;diagramDirection&quot;:0,&quot;canSetOverLayout&quot;:0,&quot;isOverLayout&quot;:0,&quot;margin&quot;:{&quot;left&quot;:1.69,&quot;top&quot;:0.026,&quot;right&quot;:1.69,&quot;bottom&quot;:1.69},&quot;edge&quot;:{&quot;left&quot;:true,&quot;top&quot;:false,&quot;right&quot;:true,&quot;bottom&quot;:true}}]}"/>
+  <p:tag name="KSO_WM_SLIDE_CAN_ADD_NAVIGATION" val="1"/>
+  <p:tag name="KSO_WM_SLIDE_BACKGROUND" val="[&quot;general&quot;,&quot;frame&quot;]"/>
+  <p:tag name="KSO_WM_SLIDE_RATIO" val="1.777778"/>
+  <p:tag name="KSO_WM_TEMPLATE_MASTER_TYPE" val="0"/>
+  <p:tag name="KSO_WM_TEMPLATE_COLOR_TYPE" val="1"/>
+</p:tagLst>
+</file>
+
+<file path=ppt/tags/tag37.xml><?xml version="1.0" encoding="utf-8"?>
+<p:tagLst xmlns:p="http://schemas.openxmlformats.org/presentationml/2006/main">
+  <p:tag name="KSO_WM_UNIT_PRESET_TEXT" val="点击输入正文"/>
+  <p:tag name="KSO_WM_UNIT_NOCLEAR" val="0"/>
+  <p:tag name="KSO_WM_UNIT_SHOW_EDIT_AREA_INDICATION" val="1"/>
+  <p:tag name="KSO_WM_UNIT_VALUE" val="564"/>
+  <p:tag name="KSO_WM_UNIT_HIGHLIGHT" val="0"/>
+  <p:tag name="KSO_WM_UNIT_COMPATIBLE" val="0"/>
+  <p:tag name="KSO_WM_UNIT_DIAGRAM_ISNUMVISUAL" val="0"/>
+  <p:tag name="KSO_WM_UNIT_DIAGRAM_ISREFERUNIT" val="0"/>
+  <p:tag name="KSO_WM_UNIT_TYPE" val="f"/>
+  <p:tag name="KSO_WM_UNIT_INDEX" val="1"/>
+  <p:tag name="KSO_WM_UNIT_ID" val="diagram20200864_1*f*1"/>
+  <p:tag name="KSO_WM_TEMPLATE_CATEGORY" val="diagram"/>
+  <p:tag name="KSO_WM_TEMPLATE_INDEX" val="20200864"/>
+  <p:tag name="KSO_WM_UNIT_LAYERLEVEL" val="1"/>
+  <p:tag name="KSO_WM_TAG_VERSION" val="1.0"/>
+  <p:tag name="KSO_WM_BEAUTIFY_FLAG" val="#wm#"/>
+  <p:tag name="KSO_WM_UNIT_DEFAULT_FONT" val="14;18;2"/>
+  <p:tag name="KSO_WM_UNIT_BLOCK" val="0"/>
+  <p:tag name="KSO_WM_UNIT_PLACING_PICTURE_MD4" val="0"/>
+</p:tagLst>
+</file>
+
+<file path=ppt/tags/tag38.xml><?xml version="1.0" encoding="utf-8"?>
+<p:tagLst xmlns:p="http://schemas.openxmlformats.org/presentationml/2006/main">
+  <p:tag name="KSO_WM_UNIT_ISCONTENTSTITLE" val="0"/>
+  <p:tag name="KSO_WM_UNIT_PRESET_TEXT" val="点击输入大标题"/>
+  <p:tag name="KSO_WM_UNIT_NOCLEAR" val="0"/>
+  <p:tag name="KSO_WM_UNIT_SHOW_EDIT_AREA_INDICATION" val="1"/>
+  <p:tag name="KSO_WM_UNIT_VALUE" val="52"/>
+  <p:tag name="KSO_WM_UNIT_HIGHLIGHT" val="0"/>
+  <p:tag name="KSO_WM_UNIT_COMPATIBLE" val="0"/>
+  <p:tag name="KSO_WM_UNIT_DIAGRAM_ISNUMVISUAL" val="0"/>
+  <p:tag name="KSO_WM_UNIT_DIAGRAM_ISREFERUNIT" val="0"/>
+  <p:tag name="KSO_WM_UNIT_TYPE" val="a"/>
+  <p:tag name="KSO_WM_UNIT_INDEX" val="1"/>
+  <p:tag name="KSO_WM_UNIT_ID" val="diagram20200864_1*a*1"/>
+  <p:tag name="KSO_WM_TEMPLATE_CATEGORY" val="diagram"/>
+  <p:tag name="KSO_WM_TEMPLATE_INDEX" val="20200864"/>
+  <p:tag name="KSO_WM_UNIT_LAYERLEVEL" val="1"/>
+  <p:tag name="KSO_WM_TAG_VERSION" val="1.0"/>
+  <p:tag name="KSO_WM_BEAUTIFY_FLAG" val="#wm#"/>
+  <p:tag name="KSO_WM_UNIT_DEFAULT_FONT" val="32;36;4"/>
+  <p:tag name="KSO_WM_UNIT_BLOCK" val="0"/>
+  <p:tag name="KSO_WM_UNIT_ISNUMDGMTITLE" val="0"/>
+  <p:tag name="KSO_WM_UNIT_PLACING_PICTURE_MD4" val="0"/>
+</p:tagLst>
+</file>
+
+<file path=ppt/tags/tag39.xml><?xml version="1.0" encoding="utf-8"?>
+<p:tagLst xmlns:p="http://schemas.openxmlformats.org/presentationml/2006/main">
+  <p:tag name="KSO_WM_SLIDE_ID" val="diagram20200864_1"/>
+  <p:tag name="KSO_WM_TEMPLATE_SUBCATEGORY" val="11"/>
+  <p:tag name="KSO_WM_SLIDE_TYPE" val="text"/>
+  <p:tag name="KSO_WM_SLIDE_SUBTYPE" val="pureTxt"/>
+  <p:tag name="KSO_WM_SLIDE_ITEM_CNT" val="0"/>
+  <p:tag name="KSO_WM_SLIDE_INDEX" val="1"/>
+  <p:tag name="KSO_WM_UNIT_SHOW_EDIT_AREA_INDICATION" val="1"/>
+  <p:tag name="KSO_WM_SLIDE_SIZE" val="864*454"/>
+  <p:tag name="KSO_WM_SLIDE_POSITION" val="47*37"/>
+  <p:tag name="KSO_WM_TAG_VERSION" val="1.0"/>
+  <p:tag name="KSO_WM_BEAUTIFY_FLAG" val="#wm#"/>
+  <p:tag name="KSO_WM_TEMPLATE_CATEGORY" val="diagram"/>
+  <p:tag name="KSO_WM_TEMPLATE_INDEX" val="20200864"/>
+  <p:tag name="KSO_WM_SLIDE_LAYOUT" val="a_f"/>
+  <p:tag name="KSO_WM_SLIDE_LAYOUT_CNT" val="1_1"/>
+  <p:tag name="KSO_WM_SLIDE_LAYOUT_INFO" val="{&quot;direction&quot;:0,&quot;horizontalAlign&quot;:-1,&quot;verticalAlign&quot;:-1,&quot;type&quot;:0,&quot;diagramDirection&quot;:0,&quot;canSetOverLayout&quot;:0,&quot;isOverLayout&quot;:0,&quot;normalSize&quot;:{&quot;size1&quot;:26.0},&quot;minSize&quot;:{&quot;size1&quot;:26.0},&quot;maxSize&quot;:{&quot;size1&quot;:26.0},&quot;edge&quot;:{&quot;left&quot;:true,&quot;top&quot;:true,&quot;right&quot;:true,&quot;bottom&quot;:true},&quot;backgroundInfo&quot;:[{&quot;type&quot;:&quot;general&quot;,&quot;left&quot;:0.0,&quot;top&quot;:0.0,&quot;right&quot;:0.0,&quot;bottom&quot;:0.0},{&quot;type&quot;:&quot;frame&quot;,&quot;left&quot;:0.0,&quot;top&quot;:0.0,&quot;right&quot;:0.0,&quot;bottom&quot;:0.0}],&quot;subLayout&quot;:[{&quot;direction&quot;:0,&quot;horizontalAlign&quot;:0,&quot;verticalAlign&quot;:1,&quot;type&quot;:0,&quot;diagramDirection&quot;:0,&quot;canSetOverLayout&quot;:0,&quot;isOverLayout&quot;:0,&quot;margin&quot;:{&quot;left&quot;:1.69,&quot;top&quot;:1.319,&quot;right&quot;:1.69,&quot;bottom&quot;:0.163},&quot;edge&quot;:{&quot;left&quot;:true,&quot;top&quot;:true,&quot;right&quot;:true,&quot;bottom&quot;:false}},{&quot;direction&quot;:0,&quot;horizontalAlign&quot;:0,&quot;verticalAlign&quot;:1,&quot;type&quot;:0,&quot;diagramDirection&quot;:0,&quot;canSetOverLayout&quot;:0,&quot;isOverLayout&quot;:0,&quot;margin&quot;:{&quot;left&quot;:1.69,&quot;top&quot;:0.026,&quot;right&quot;:1.69,&quot;bottom&quot;:1.69},&quot;edge&quot;:{&quot;left&quot;:true,&quot;top&quot;:false,&quot;right&quot;:true,&quot;bottom&quot;:true}}]}"/>
+  <p:tag name="KSO_WM_SLIDE_CAN_ADD_NAVIGATION" val="1"/>
+  <p:tag name="KSO_WM_SLIDE_BACKGROUND" val="[&quot;general&quot;,&quot;frame&quot;]"/>
+  <p:tag name="KSO_WM_SLIDE_RATIO" val="1.777778"/>
+  <p:tag name="KSO_WM_TEMPLATE_MASTER_TYPE" val="0"/>
+  <p:tag name="KSO_WM_TEMPLATE_COLOR_TYPE" val="1"/>
+</p:tagLst>
+</file>
+
 <file path=ppt/tags/tag4.xml><?xml version="1.0" encoding="utf-8"?>
 <p:tagLst xmlns:p="http://schemas.openxmlformats.org/presentationml/2006/main">
   <p:tag name="KSO_WM_UNIT_PRESET_TEXT" val="点击输入正文"/>
@@ -9897,6 +12986,82 @@
   <p:tag name="KSO_WM_UNIT_DEFAULT_FONT" val="14;18;2"/>
   <p:tag name="KSO_WM_UNIT_BLOCK" val="0"/>
   <p:tag name="KSO_WM_UNIT_PLACING_PICTURE_MD4" val="0"/>
+</p:tagLst>
+</file>
+
+<file path=ppt/tags/tag40.xml><?xml version="1.0" encoding="utf-8"?>
+<p:tagLst xmlns:p="http://schemas.openxmlformats.org/presentationml/2006/main">
+  <p:tag name="KSO_WM_UNIT_PRESET_TEXT" val="点击输入正文"/>
+  <p:tag name="KSO_WM_UNIT_NOCLEAR" val="0"/>
+  <p:tag name="KSO_WM_UNIT_SHOW_EDIT_AREA_INDICATION" val="1"/>
+  <p:tag name="KSO_WM_UNIT_VALUE" val="564"/>
+  <p:tag name="KSO_WM_UNIT_HIGHLIGHT" val="0"/>
+  <p:tag name="KSO_WM_UNIT_COMPATIBLE" val="0"/>
+  <p:tag name="KSO_WM_UNIT_DIAGRAM_ISNUMVISUAL" val="0"/>
+  <p:tag name="KSO_WM_UNIT_DIAGRAM_ISREFERUNIT" val="0"/>
+  <p:tag name="KSO_WM_UNIT_TYPE" val="f"/>
+  <p:tag name="KSO_WM_UNIT_INDEX" val="1"/>
+  <p:tag name="KSO_WM_UNIT_ID" val="diagram20200864_1*f*1"/>
+  <p:tag name="KSO_WM_TEMPLATE_CATEGORY" val="diagram"/>
+  <p:tag name="KSO_WM_TEMPLATE_INDEX" val="20200864"/>
+  <p:tag name="KSO_WM_UNIT_LAYERLEVEL" val="1"/>
+  <p:tag name="KSO_WM_TAG_VERSION" val="1.0"/>
+  <p:tag name="KSO_WM_BEAUTIFY_FLAG" val="#wm#"/>
+  <p:tag name="KSO_WM_UNIT_DEFAULT_FONT" val="14;18;2"/>
+  <p:tag name="KSO_WM_UNIT_BLOCK" val="0"/>
+  <p:tag name="KSO_WM_UNIT_PLACING_PICTURE_MD4" val="0"/>
+</p:tagLst>
+</file>
+
+<file path=ppt/tags/tag41.xml><?xml version="1.0" encoding="utf-8"?>
+<p:tagLst xmlns:p="http://schemas.openxmlformats.org/presentationml/2006/main">
+  <p:tag name="KSO_WM_UNIT_ISCONTENTSTITLE" val="0"/>
+  <p:tag name="KSO_WM_UNIT_PRESET_TEXT" val="点击输入大标题"/>
+  <p:tag name="KSO_WM_UNIT_NOCLEAR" val="0"/>
+  <p:tag name="KSO_WM_UNIT_SHOW_EDIT_AREA_INDICATION" val="1"/>
+  <p:tag name="KSO_WM_UNIT_VALUE" val="52"/>
+  <p:tag name="KSO_WM_UNIT_HIGHLIGHT" val="0"/>
+  <p:tag name="KSO_WM_UNIT_COMPATIBLE" val="0"/>
+  <p:tag name="KSO_WM_UNIT_DIAGRAM_ISNUMVISUAL" val="0"/>
+  <p:tag name="KSO_WM_UNIT_DIAGRAM_ISREFERUNIT" val="0"/>
+  <p:tag name="KSO_WM_UNIT_TYPE" val="a"/>
+  <p:tag name="KSO_WM_UNIT_INDEX" val="1"/>
+  <p:tag name="KSO_WM_UNIT_ID" val="diagram20200864_1*a*1"/>
+  <p:tag name="KSO_WM_TEMPLATE_CATEGORY" val="diagram"/>
+  <p:tag name="KSO_WM_TEMPLATE_INDEX" val="20200864"/>
+  <p:tag name="KSO_WM_UNIT_LAYERLEVEL" val="1"/>
+  <p:tag name="KSO_WM_TAG_VERSION" val="1.0"/>
+  <p:tag name="KSO_WM_BEAUTIFY_FLAG" val="#wm#"/>
+  <p:tag name="KSO_WM_UNIT_DEFAULT_FONT" val="32;36;4"/>
+  <p:tag name="KSO_WM_UNIT_BLOCK" val="0"/>
+  <p:tag name="KSO_WM_UNIT_ISNUMDGMTITLE" val="0"/>
+  <p:tag name="KSO_WM_UNIT_PLACING_PICTURE_MD4" val="0"/>
+</p:tagLst>
+</file>
+
+<file path=ppt/tags/tag42.xml><?xml version="1.0" encoding="utf-8"?>
+<p:tagLst xmlns:p="http://schemas.openxmlformats.org/presentationml/2006/main">
+  <p:tag name="KSO_WM_SLIDE_ID" val="diagram20200864_1"/>
+  <p:tag name="KSO_WM_TEMPLATE_SUBCATEGORY" val="11"/>
+  <p:tag name="KSO_WM_SLIDE_TYPE" val="text"/>
+  <p:tag name="KSO_WM_SLIDE_SUBTYPE" val="pureTxt"/>
+  <p:tag name="KSO_WM_SLIDE_ITEM_CNT" val="0"/>
+  <p:tag name="KSO_WM_SLIDE_INDEX" val="1"/>
+  <p:tag name="KSO_WM_UNIT_SHOW_EDIT_AREA_INDICATION" val="1"/>
+  <p:tag name="KSO_WM_SLIDE_SIZE" val="864*454"/>
+  <p:tag name="KSO_WM_SLIDE_POSITION" val="47*37"/>
+  <p:tag name="KSO_WM_TAG_VERSION" val="1.0"/>
+  <p:tag name="KSO_WM_BEAUTIFY_FLAG" val="#wm#"/>
+  <p:tag name="KSO_WM_TEMPLATE_CATEGORY" val="diagram"/>
+  <p:tag name="KSO_WM_TEMPLATE_INDEX" val="20200864"/>
+  <p:tag name="KSO_WM_SLIDE_LAYOUT" val="a_f"/>
+  <p:tag name="KSO_WM_SLIDE_LAYOUT_CNT" val="1_1"/>
+  <p:tag name="KSO_WM_SLIDE_LAYOUT_INFO" val="{&quot;direction&quot;:0,&quot;horizontalAlign&quot;:-1,&quot;verticalAlign&quot;:-1,&quot;type&quot;:0,&quot;diagramDirection&quot;:0,&quot;canSetOverLayout&quot;:0,&quot;isOverLayout&quot;:0,&quot;normalSize&quot;:{&quot;size1&quot;:26.0},&quot;minSize&quot;:{&quot;size1&quot;:26.0},&quot;maxSize&quot;:{&quot;size1&quot;:26.0},&quot;edge&quot;:{&quot;left&quot;:true,&quot;top&quot;:true,&quot;right&quot;:true,&quot;bottom&quot;:true},&quot;backgroundInfo&quot;:[{&quot;type&quot;:&quot;general&quot;,&quot;left&quot;:0.0,&quot;top&quot;:0.0,&quot;right&quot;:0.0,&quot;bottom&quot;:0.0},{&quot;type&quot;:&quot;frame&quot;,&quot;left&quot;:0.0,&quot;top&quot;:0.0,&quot;right&quot;:0.0,&quot;bottom&quot;:0.0}],&quot;subLayout&quot;:[{&quot;direction&quot;:0,&quot;horizontalAlign&quot;:0,&quot;verticalAlign&quot;:1,&quot;type&quot;:0,&quot;diagramDirection&quot;:0,&quot;canSetOverLayout&quot;:0,&quot;isOverLayout&quot;:0,&quot;margin&quot;:{&quot;left&quot;:1.69,&quot;top&quot;:1.319,&quot;right&quot;:1.69,&quot;bottom&quot;:0.163},&quot;edge&quot;:{&quot;left&quot;:true,&quot;top&quot;:true,&quot;right&quot;:true,&quot;bottom&quot;:false}},{&quot;direction&quot;:0,&quot;horizontalAlign&quot;:0,&quot;verticalAlign&quot;:1,&quot;type&quot;:0,&quot;diagramDirection&quot;:0,&quot;canSetOverLayout&quot;:0,&quot;isOverLayout&quot;:0,&quot;margin&quot;:{&quot;left&quot;:1.69,&quot;top&quot;:0.026,&quot;right&quot;:1.69,&quot;bottom&quot;:1.69},&quot;edge&quot;:{&quot;left&quot;:true,&quot;top&quot;:false,&quot;right&quot;:true,&quot;bottom&quot;:true}}]}"/>
+  <p:tag name="KSO_WM_SLIDE_CAN_ADD_NAVIGATION" val="1"/>
+  <p:tag name="KSO_WM_SLIDE_BACKGROUND" val="[&quot;general&quot;,&quot;frame&quot;]"/>
+  <p:tag name="KSO_WM_SLIDE_RATIO" val="1.777778"/>
+  <p:tag name="KSO_WM_TEMPLATE_MASTER_TYPE" val="0"/>
+  <p:tag name="KSO_WM_TEMPLATE_COLOR_TYPE" val="1"/>
 </p:tagLst>
 </file>
 
